--- a/slides/presentation.pptx
+++ b/slides/presentation.pptx
@@ -5,18 +5,25 @@
     <p:sldMasterId id="2147483684" r:id="rId1"/>
   </p:sldMasterIdLst>
   <p:notesMasterIdLst>
-    <p:notesMasterId r:id="rId11"/>
+    <p:notesMasterId r:id="rId18"/>
   </p:notesMasterIdLst>
   <p:sldIdLst>
     <p:sldId id="256" r:id="rId2"/>
     <p:sldId id="257" r:id="rId3"/>
-    <p:sldId id="276" r:id="rId4"/>
-    <p:sldId id="277" r:id="rId5"/>
-    <p:sldId id="279" r:id="rId6"/>
-    <p:sldId id="280" r:id="rId7"/>
-    <p:sldId id="281" r:id="rId8"/>
-    <p:sldId id="278" r:id="rId9"/>
-    <p:sldId id="275" r:id="rId10"/>
+    <p:sldId id="283" r:id="rId4"/>
+    <p:sldId id="282" r:id="rId5"/>
+    <p:sldId id="286" r:id="rId6"/>
+    <p:sldId id="287" r:id="rId7"/>
+    <p:sldId id="288" r:id="rId8"/>
+    <p:sldId id="289" r:id="rId9"/>
+    <p:sldId id="276" r:id="rId10"/>
+    <p:sldId id="285" r:id="rId11"/>
+    <p:sldId id="280" r:id="rId12"/>
+    <p:sldId id="281" r:id="rId13"/>
+    <p:sldId id="278" r:id="rId14"/>
+    <p:sldId id="277" r:id="rId15"/>
+    <p:sldId id="279" r:id="rId16"/>
+    <p:sldId id="275" r:id="rId17"/>
   </p:sldIdLst>
   <p:sldSz cx="9144000" cy="6858000" type="screen4x3"/>
   <p:notesSz cx="6858000" cy="9144000"/>
@@ -208,7 +215,7 @@
           <a:p>
             <a:fld id="{67EE85A5-2143-1345-BBA1-B32267CAF9B5}" type="datetimeFigureOut">
               <a:rPr lang="de-DE" smtClean="0"/>
-              <a:t>05.07.20</a:t>
+              <a:t>08.07.20</a:t>
             </a:fld>
             <a:endParaRPr lang="de-DE"/>
           </a:p>
@@ -559,6 +566,594 @@
 </p:notes>
 </file>
 
+<file path=ppt/notesSlides/notesSlide10.xml><?xml version="1.0" encoding="utf-8"?>
+<p:notes xmlns:a="http://schemas.openxmlformats.org/drawingml/2006/main" xmlns:r="http://schemas.openxmlformats.org/officeDocument/2006/relationships" xmlns:p="http://schemas.openxmlformats.org/presentationml/2006/main">
+  <p:cSld>
+    <p:spTree>
+      <p:nvGrpSpPr>
+        <p:cNvPr id="1" name=""/>
+        <p:cNvGrpSpPr/>
+        <p:nvPr/>
+      </p:nvGrpSpPr>
+      <p:grpSpPr>
+        <a:xfrm>
+          <a:off x="0" y="0"/>
+          <a:ext cx="0" cy="0"/>
+          <a:chOff x="0" y="0"/>
+          <a:chExt cx="0" cy="0"/>
+        </a:xfrm>
+      </p:grpSpPr>
+      <p:sp>
+        <p:nvSpPr>
+          <p:cNvPr id="2" name="Folienbildplatzhalter 1"/>
+          <p:cNvSpPr>
+            <a:spLocks noGrp="1" noRot="1" noChangeAspect="1"/>
+          </p:cNvSpPr>
+          <p:nvPr>
+            <p:ph type="sldImg"/>
+          </p:nvPr>
+        </p:nvSpPr>
+        <p:spPr/>
+      </p:sp>
+      <p:sp>
+        <p:nvSpPr>
+          <p:cNvPr id="3" name="Notizenplatzhalter 2"/>
+          <p:cNvSpPr>
+            <a:spLocks noGrp="1"/>
+          </p:cNvSpPr>
+          <p:nvPr>
+            <p:ph type="body" idx="1"/>
+          </p:nvPr>
+        </p:nvSpPr>
+        <p:spPr/>
+        <p:txBody>
+          <a:bodyPr/>
+          <a:lstStyle/>
+          <a:p>
+            <a:endParaRPr lang="de-DE" dirty="0"/>
+          </a:p>
+        </p:txBody>
+      </p:sp>
+      <p:sp>
+        <p:nvSpPr>
+          <p:cNvPr id="4" name="Foliennummernplatzhalter 3"/>
+          <p:cNvSpPr>
+            <a:spLocks noGrp="1"/>
+          </p:cNvSpPr>
+          <p:nvPr>
+            <p:ph type="sldNum" sz="quarter" idx="5"/>
+          </p:nvPr>
+        </p:nvSpPr>
+        <p:spPr/>
+        <p:txBody>
+          <a:bodyPr/>
+          <a:lstStyle/>
+          <a:p>
+            <a:fld id="{7E20B924-6901-7B40-AEEB-356EC7962A95}" type="slidenum">
+              <a:rPr lang="de-DE" smtClean="0"/>
+              <a:t>10</a:t>
+            </a:fld>
+            <a:endParaRPr lang="de-DE"/>
+          </a:p>
+        </p:txBody>
+      </p:sp>
+    </p:spTree>
+    <p:extLst>
+      <p:ext uri="{BB962C8B-B14F-4D97-AF65-F5344CB8AC3E}">
+        <p14:creationId xmlns:p14="http://schemas.microsoft.com/office/powerpoint/2010/main" val="269055174"/>
+      </p:ext>
+    </p:extLst>
+  </p:cSld>
+  <p:clrMapOvr>
+    <a:masterClrMapping/>
+  </p:clrMapOvr>
+</p:notes>
+</file>
+
+<file path=ppt/notesSlides/notesSlide11.xml><?xml version="1.0" encoding="utf-8"?>
+<p:notes xmlns:a="http://schemas.openxmlformats.org/drawingml/2006/main" xmlns:r="http://schemas.openxmlformats.org/officeDocument/2006/relationships" xmlns:p="http://schemas.openxmlformats.org/presentationml/2006/main">
+  <p:cSld>
+    <p:spTree>
+      <p:nvGrpSpPr>
+        <p:cNvPr id="1" name=""/>
+        <p:cNvGrpSpPr/>
+        <p:nvPr/>
+      </p:nvGrpSpPr>
+      <p:grpSpPr>
+        <a:xfrm>
+          <a:off x="0" y="0"/>
+          <a:ext cx="0" cy="0"/>
+          <a:chOff x="0" y="0"/>
+          <a:chExt cx="0" cy="0"/>
+        </a:xfrm>
+      </p:grpSpPr>
+      <p:sp>
+        <p:nvSpPr>
+          <p:cNvPr id="2" name="Folienbildplatzhalter 1"/>
+          <p:cNvSpPr>
+            <a:spLocks noGrp="1" noRot="1" noChangeAspect="1"/>
+          </p:cNvSpPr>
+          <p:nvPr>
+            <p:ph type="sldImg"/>
+          </p:nvPr>
+        </p:nvSpPr>
+        <p:spPr/>
+      </p:sp>
+      <p:sp>
+        <p:nvSpPr>
+          <p:cNvPr id="3" name="Notizenplatzhalter 2"/>
+          <p:cNvSpPr>
+            <a:spLocks noGrp="1"/>
+          </p:cNvSpPr>
+          <p:nvPr>
+            <p:ph type="body" idx="1"/>
+          </p:nvPr>
+        </p:nvSpPr>
+        <p:spPr/>
+        <p:txBody>
+          <a:bodyPr/>
+          <a:lstStyle/>
+          <a:p>
+            <a:endParaRPr lang="de-DE" dirty="0"/>
+          </a:p>
+        </p:txBody>
+      </p:sp>
+      <p:sp>
+        <p:nvSpPr>
+          <p:cNvPr id="4" name="Foliennummernplatzhalter 3"/>
+          <p:cNvSpPr>
+            <a:spLocks noGrp="1"/>
+          </p:cNvSpPr>
+          <p:nvPr>
+            <p:ph type="sldNum" sz="quarter" idx="5"/>
+          </p:nvPr>
+        </p:nvSpPr>
+        <p:spPr/>
+        <p:txBody>
+          <a:bodyPr/>
+          <a:lstStyle/>
+          <a:p>
+            <a:fld id="{7E20B924-6901-7B40-AEEB-356EC7962A95}" type="slidenum">
+              <a:rPr lang="de-DE" smtClean="0"/>
+              <a:t>11</a:t>
+            </a:fld>
+            <a:endParaRPr lang="de-DE"/>
+          </a:p>
+        </p:txBody>
+      </p:sp>
+    </p:spTree>
+    <p:extLst>
+      <p:ext uri="{BB962C8B-B14F-4D97-AF65-F5344CB8AC3E}">
+        <p14:creationId xmlns:p14="http://schemas.microsoft.com/office/powerpoint/2010/main" val="3773753202"/>
+      </p:ext>
+    </p:extLst>
+  </p:cSld>
+  <p:clrMapOvr>
+    <a:masterClrMapping/>
+  </p:clrMapOvr>
+</p:notes>
+</file>
+
+<file path=ppt/notesSlides/notesSlide12.xml><?xml version="1.0" encoding="utf-8"?>
+<p:notes xmlns:a="http://schemas.openxmlformats.org/drawingml/2006/main" xmlns:r="http://schemas.openxmlformats.org/officeDocument/2006/relationships" xmlns:p="http://schemas.openxmlformats.org/presentationml/2006/main">
+  <p:cSld>
+    <p:spTree>
+      <p:nvGrpSpPr>
+        <p:cNvPr id="1" name=""/>
+        <p:cNvGrpSpPr/>
+        <p:nvPr/>
+      </p:nvGrpSpPr>
+      <p:grpSpPr>
+        <a:xfrm>
+          <a:off x="0" y="0"/>
+          <a:ext cx="0" cy="0"/>
+          <a:chOff x="0" y="0"/>
+          <a:chExt cx="0" cy="0"/>
+        </a:xfrm>
+      </p:grpSpPr>
+      <p:sp>
+        <p:nvSpPr>
+          <p:cNvPr id="2" name="Folienbildplatzhalter 1"/>
+          <p:cNvSpPr>
+            <a:spLocks noGrp="1" noRot="1" noChangeAspect="1"/>
+          </p:cNvSpPr>
+          <p:nvPr>
+            <p:ph type="sldImg"/>
+          </p:nvPr>
+        </p:nvSpPr>
+        <p:spPr/>
+      </p:sp>
+      <p:sp>
+        <p:nvSpPr>
+          <p:cNvPr id="3" name="Notizenplatzhalter 2"/>
+          <p:cNvSpPr>
+            <a:spLocks noGrp="1"/>
+          </p:cNvSpPr>
+          <p:nvPr>
+            <p:ph type="body" idx="1"/>
+          </p:nvPr>
+        </p:nvSpPr>
+        <p:spPr/>
+        <p:txBody>
+          <a:bodyPr/>
+          <a:lstStyle/>
+          <a:p>
+            <a:endParaRPr lang="de-DE" dirty="0"/>
+          </a:p>
+        </p:txBody>
+      </p:sp>
+      <p:sp>
+        <p:nvSpPr>
+          <p:cNvPr id="4" name="Foliennummernplatzhalter 3"/>
+          <p:cNvSpPr>
+            <a:spLocks noGrp="1"/>
+          </p:cNvSpPr>
+          <p:nvPr>
+            <p:ph type="sldNum" sz="quarter" idx="5"/>
+          </p:nvPr>
+        </p:nvSpPr>
+        <p:spPr/>
+        <p:txBody>
+          <a:bodyPr/>
+          <a:lstStyle/>
+          <a:p>
+            <a:fld id="{7E20B924-6901-7B40-AEEB-356EC7962A95}" type="slidenum">
+              <a:rPr lang="de-DE" smtClean="0"/>
+              <a:t>12</a:t>
+            </a:fld>
+            <a:endParaRPr lang="de-DE"/>
+          </a:p>
+        </p:txBody>
+      </p:sp>
+    </p:spTree>
+    <p:extLst>
+      <p:ext uri="{BB962C8B-B14F-4D97-AF65-F5344CB8AC3E}">
+        <p14:creationId xmlns:p14="http://schemas.microsoft.com/office/powerpoint/2010/main" val="862832470"/>
+      </p:ext>
+    </p:extLst>
+  </p:cSld>
+  <p:clrMapOvr>
+    <a:masterClrMapping/>
+  </p:clrMapOvr>
+</p:notes>
+</file>
+
+<file path=ppt/notesSlides/notesSlide13.xml><?xml version="1.0" encoding="utf-8"?>
+<p:notes xmlns:a="http://schemas.openxmlformats.org/drawingml/2006/main" xmlns:r="http://schemas.openxmlformats.org/officeDocument/2006/relationships" xmlns:p="http://schemas.openxmlformats.org/presentationml/2006/main">
+  <p:cSld>
+    <p:spTree>
+      <p:nvGrpSpPr>
+        <p:cNvPr id="1" name=""/>
+        <p:cNvGrpSpPr/>
+        <p:nvPr/>
+      </p:nvGrpSpPr>
+      <p:grpSpPr>
+        <a:xfrm>
+          <a:off x="0" y="0"/>
+          <a:ext cx="0" cy="0"/>
+          <a:chOff x="0" y="0"/>
+          <a:chExt cx="0" cy="0"/>
+        </a:xfrm>
+      </p:grpSpPr>
+      <p:sp>
+        <p:nvSpPr>
+          <p:cNvPr id="2" name="Folienbildplatzhalter 1"/>
+          <p:cNvSpPr>
+            <a:spLocks noGrp="1" noRot="1" noChangeAspect="1"/>
+          </p:cNvSpPr>
+          <p:nvPr>
+            <p:ph type="sldImg"/>
+          </p:nvPr>
+        </p:nvSpPr>
+        <p:spPr/>
+      </p:sp>
+      <p:sp>
+        <p:nvSpPr>
+          <p:cNvPr id="3" name="Notizenplatzhalter 2"/>
+          <p:cNvSpPr>
+            <a:spLocks noGrp="1"/>
+          </p:cNvSpPr>
+          <p:nvPr>
+            <p:ph type="body" idx="1"/>
+          </p:nvPr>
+        </p:nvSpPr>
+        <p:spPr/>
+        <p:txBody>
+          <a:bodyPr/>
+          <a:lstStyle/>
+          <a:p>
+            <a:endParaRPr lang="de-DE" dirty="0"/>
+          </a:p>
+        </p:txBody>
+      </p:sp>
+      <p:sp>
+        <p:nvSpPr>
+          <p:cNvPr id="4" name="Foliennummernplatzhalter 3"/>
+          <p:cNvSpPr>
+            <a:spLocks noGrp="1"/>
+          </p:cNvSpPr>
+          <p:nvPr>
+            <p:ph type="sldNum" sz="quarter" idx="5"/>
+          </p:nvPr>
+        </p:nvSpPr>
+        <p:spPr/>
+        <p:txBody>
+          <a:bodyPr/>
+          <a:lstStyle/>
+          <a:p>
+            <a:fld id="{7E20B924-6901-7B40-AEEB-356EC7962A95}" type="slidenum">
+              <a:rPr lang="de-DE" smtClean="0"/>
+              <a:t>13</a:t>
+            </a:fld>
+            <a:endParaRPr lang="de-DE"/>
+          </a:p>
+        </p:txBody>
+      </p:sp>
+    </p:spTree>
+    <p:extLst>
+      <p:ext uri="{BB962C8B-B14F-4D97-AF65-F5344CB8AC3E}">
+        <p14:creationId xmlns:p14="http://schemas.microsoft.com/office/powerpoint/2010/main" val="255513545"/>
+      </p:ext>
+    </p:extLst>
+  </p:cSld>
+  <p:clrMapOvr>
+    <a:masterClrMapping/>
+  </p:clrMapOvr>
+</p:notes>
+</file>
+
+<file path=ppt/notesSlides/notesSlide14.xml><?xml version="1.0" encoding="utf-8"?>
+<p:notes xmlns:a="http://schemas.openxmlformats.org/drawingml/2006/main" xmlns:r="http://schemas.openxmlformats.org/officeDocument/2006/relationships" xmlns:p="http://schemas.openxmlformats.org/presentationml/2006/main">
+  <p:cSld>
+    <p:spTree>
+      <p:nvGrpSpPr>
+        <p:cNvPr id="1" name=""/>
+        <p:cNvGrpSpPr/>
+        <p:nvPr/>
+      </p:nvGrpSpPr>
+      <p:grpSpPr>
+        <a:xfrm>
+          <a:off x="0" y="0"/>
+          <a:ext cx="0" cy="0"/>
+          <a:chOff x="0" y="0"/>
+          <a:chExt cx="0" cy="0"/>
+        </a:xfrm>
+      </p:grpSpPr>
+      <p:sp>
+        <p:nvSpPr>
+          <p:cNvPr id="2" name="Folienbildplatzhalter 1"/>
+          <p:cNvSpPr>
+            <a:spLocks noGrp="1" noRot="1" noChangeAspect="1"/>
+          </p:cNvSpPr>
+          <p:nvPr>
+            <p:ph type="sldImg"/>
+          </p:nvPr>
+        </p:nvSpPr>
+        <p:spPr/>
+      </p:sp>
+      <p:sp>
+        <p:nvSpPr>
+          <p:cNvPr id="3" name="Notizenplatzhalter 2"/>
+          <p:cNvSpPr>
+            <a:spLocks noGrp="1"/>
+          </p:cNvSpPr>
+          <p:nvPr>
+            <p:ph type="body" idx="1"/>
+          </p:nvPr>
+        </p:nvSpPr>
+        <p:spPr/>
+        <p:txBody>
+          <a:bodyPr/>
+          <a:lstStyle/>
+          <a:p>
+            <a:endParaRPr lang="de-DE" dirty="0"/>
+          </a:p>
+        </p:txBody>
+      </p:sp>
+      <p:sp>
+        <p:nvSpPr>
+          <p:cNvPr id="4" name="Foliennummernplatzhalter 3"/>
+          <p:cNvSpPr>
+            <a:spLocks noGrp="1"/>
+          </p:cNvSpPr>
+          <p:nvPr>
+            <p:ph type="sldNum" sz="quarter" idx="5"/>
+          </p:nvPr>
+        </p:nvSpPr>
+        <p:spPr/>
+        <p:txBody>
+          <a:bodyPr/>
+          <a:lstStyle/>
+          <a:p>
+            <a:fld id="{7E20B924-6901-7B40-AEEB-356EC7962A95}" type="slidenum">
+              <a:rPr lang="de-DE" smtClean="0"/>
+              <a:t>14</a:t>
+            </a:fld>
+            <a:endParaRPr lang="de-DE"/>
+          </a:p>
+        </p:txBody>
+      </p:sp>
+    </p:spTree>
+    <p:extLst>
+      <p:ext uri="{BB962C8B-B14F-4D97-AF65-F5344CB8AC3E}">
+        <p14:creationId xmlns:p14="http://schemas.microsoft.com/office/powerpoint/2010/main" val="2969867451"/>
+      </p:ext>
+    </p:extLst>
+  </p:cSld>
+  <p:clrMapOvr>
+    <a:masterClrMapping/>
+  </p:clrMapOvr>
+</p:notes>
+</file>
+
+<file path=ppt/notesSlides/notesSlide15.xml><?xml version="1.0" encoding="utf-8"?>
+<p:notes xmlns:a="http://schemas.openxmlformats.org/drawingml/2006/main" xmlns:r="http://schemas.openxmlformats.org/officeDocument/2006/relationships" xmlns:p="http://schemas.openxmlformats.org/presentationml/2006/main">
+  <p:cSld>
+    <p:spTree>
+      <p:nvGrpSpPr>
+        <p:cNvPr id="1" name=""/>
+        <p:cNvGrpSpPr/>
+        <p:nvPr/>
+      </p:nvGrpSpPr>
+      <p:grpSpPr>
+        <a:xfrm>
+          <a:off x="0" y="0"/>
+          <a:ext cx="0" cy="0"/>
+          <a:chOff x="0" y="0"/>
+          <a:chExt cx="0" cy="0"/>
+        </a:xfrm>
+      </p:grpSpPr>
+      <p:sp>
+        <p:nvSpPr>
+          <p:cNvPr id="2" name="Folienbildplatzhalter 1"/>
+          <p:cNvSpPr>
+            <a:spLocks noGrp="1" noRot="1" noChangeAspect="1"/>
+          </p:cNvSpPr>
+          <p:nvPr>
+            <p:ph type="sldImg"/>
+          </p:nvPr>
+        </p:nvSpPr>
+        <p:spPr/>
+      </p:sp>
+      <p:sp>
+        <p:nvSpPr>
+          <p:cNvPr id="3" name="Notizenplatzhalter 2"/>
+          <p:cNvSpPr>
+            <a:spLocks noGrp="1"/>
+          </p:cNvSpPr>
+          <p:nvPr>
+            <p:ph type="body" idx="1"/>
+          </p:nvPr>
+        </p:nvSpPr>
+        <p:spPr/>
+        <p:txBody>
+          <a:bodyPr/>
+          <a:lstStyle/>
+          <a:p>
+            <a:endParaRPr lang="de-DE" dirty="0"/>
+          </a:p>
+        </p:txBody>
+      </p:sp>
+      <p:sp>
+        <p:nvSpPr>
+          <p:cNvPr id="4" name="Foliennummernplatzhalter 3"/>
+          <p:cNvSpPr>
+            <a:spLocks noGrp="1"/>
+          </p:cNvSpPr>
+          <p:nvPr>
+            <p:ph type="sldNum" sz="quarter" idx="5"/>
+          </p:nvPr>
+        </p:nvSpPr>
+        <p:spPr/>
+        <p:txBody>
+          <a:bodyPr/>
+          <a:lstStyle/>
+          <a:p>
+            <a:fld id="{7E20B924-6901-7B40-AEEB-356EC7962A95}" type="slidenum">
+              <a:rPr lang="de-DE" smtClean="0"/>
+              <a:t>15</a:t>
+            </a:fld>
+            <a:endParaRPr lang="de-DE"/>
+          </a:p>
+        </p:txBody>
+      </p:sp>
+    </p:spTree>
+    <p:extLst>
+      <p:ext uri="{BB962C8B-B14F-4D97-AF65-F5344CB8AC3E}">
+        <p14:creationId xmlns:p14="http://schemas.microsoft.com/office/powerpoint/2010/main" val="2038122799"/>
+      </p:ext>
+    </p:extLst>
+  </p:cSld>
+  <p:clrMapOvr>
+    <a:masterClrMapping/>
+  </p:clrMapOvr>
+</p:notes>
+</file>
+
+<file path=ppt/notesSlides/notesSlide16.xml><?xml version="1.0" encoding="utf-8"?>
+<p:notes xmlns:a="http://schemas.openxmlformats.org/drawingml/2006/main" xmlns:r="http://schemas.openxmlformats.org/officeDocument/2006/relationships" xmlns:p="http://schemas.openxmlformats.org/presentationml/2006/main">
+  <p:cSld>
+    <p:spTree>
+      <p:nvGrpSpPr>
+        <p:cNvPr id="1" name=""/>
+        <p:cNvGrpSpPr/>
+        <p:nvPr/>
+      </p:nvGrpSpPr>
+      <p:grpSpPr>
+        <a:xfrm>
+          <a:off x="0" y="0"/>
+          <a:ext cx="0" cy="0"/>
+          <a:chOff x="0" y="0"/>
+          <a:chExt cx="0" cy="0"/>
+        </a:xfrm>
+      </p:grpSpPr>
+      <p:sp>
+        <p:nvSpPr>
+          <p:cNvPr id="2" name="Folienbildplatzhalter 1"/>
+          <p:cNvSpPr>
+            <a:spLocks noGrp="1" noRot="1" noChangeAspect="1"/>
+          </p:cNvSpPr>
+          <p:nvPr>
+            <p:ph type="sldImg"/>
+          </p:nvPr>
+        </p:nvSpPr>
+        <p:spPr/>
+      </p:sp>
+      <p:sp>
+        <p:nvSpPr>
+          <p:cNvPr id="3" name="Notizenplatzhalter 2"/>
+          <p:cNvSpPr>
+            <a:spLocks noGrp="1"/>
+          </p:cNvSpPr>
+          <p:nvPr>
+            <p:ph type="body" idx="1"/>
+          </p:nvPr>
+        </p:nvSpPr>
+        <p:spPr/>
+        <p:txBody>
+          <a:bodyPr/>
+          <a:lstStyle/>
+          <a:p>
+            <a:endParaRPr lang="en-US" dirty="0"/>
+          </a:p>
+        </p:txBody>
+      </p:sp>
+      <p:sp>
+        <p:nvSpPr>
+          <p:cNvPr id="4" name="Foliennummernplatzhalter 3"/>
+          <p:cNvSpPr>
+            <a:spLocks noGrp="1"/>
+          </p:cNvSpPr>
+          <p:nvPr>
+            <p:ph type="sldNum" sz="quarter" idx="5"/>
+          </p:nvPr>
+        </p:nvSpPr>
+        <p:spPr/>
+        <p:txBody>
+          <a:bodyPr/>
+          <a:lstStyle/>
+          <a:p>
+            <a:fld id="{7E20B924-6901-7B40-AEEB-356EC7962A95}" type="slidenum">
+              <a:rPr lang="de-DE" smtClean="0"/>
+              <a:t>16</a:t>
+            </a:fld>
+            <a:endParaRPr lang="de-DE"/>
+          </a:p>
+        </p:txBody>
+      </p:sp>
+    </p:spTree>
+    <p:extLst>
+      <p:ext uri="{BB962C8B-B14F-4D97-AF65-F5344CB8AC3E}">
+        <p14:creationId xmlns:p14="http://schemas.microsoft.com/office/powerpoint/2010/main" val="4277235827"/>
+      </p:ext>
+    </p:extLst>
+  </p:cSld>
+  <p:clrMapOvr>
+    <a:masterClrMapping/>
+  </p:clrMapOvr>
+</p:notes>
+</file>
+
 <file path=ppt/notesSlides/notesSlide2.xml><?xml version="1.0" encoding="utf-8"?>
 <p:notes xmlns:a="http://schemas.openxmlformats.org/drawingml/2006/main" xmlns:r="http://schemas.openxmlformats.org/officeDocument/2006/relationships" xmlns:p="http://schemas.openxmlformats.org/presentationml/2006/main">
   <p:cSld>
@@ -717,7 +1312,7 @@
     </p:spTree>
     <p:extLst>
       <p:ext uri="{BB962C8B-B14F-4D97-AF65-F5344CB8AC3E}">
-        <p14:creationId xmlns:p14="http://schemas.microsoft.com/office/powerpoint/2010/main" val="61429513"/>
+        <p14:creationId xmlns:p14="http://schemas.microsoft.com/office/powerpoint/2010/main" val="1208406990"/>
       </p:ext>
     </p:extLst>
   </p:cSld>
@@ -801,7 +1396,7 @@
     </p:spTree>
     <p:extLst>
       <p:ext uri="{BB962C8B-B14F-4D97-AF65-F5344CB8AC3E}">
-        <p14:creationId xmlns:p14="http://schemas.microsoft.com/office/powerpoint/2010/main" val="2969867451"/>
+        <p14:creationId xmlns:p14="http://schemas.microsoft.com/office/powerpoint/2010/main" val="1477659274"/>
       </p:ext>
     </p:extLst>
   </p:cSld>
@@ -885,7 +1480,7 @@
     </p:spTree>
     <p:extLst>
       <p:ext uri="{BB962C8B-B14F-4D97-AF65-F5344CB8AC3E}">
-        <p14:creationId xmlns:p14="http://schemas.microsoft.com/office/powerpoint/2010/main" val="2038122799"/>
+        <p14:creationId xmlns:p14="http://schemas.microsoft.com/office/powerpoint/2010/main" val="1745554568"/>
       </p:ext>
     </p:extLst>
   </p:cSld>
@@ -969,7 +1564,7 @@
     </p:spTree>
     <p:extLst>
       <p:ext uri="{BB962C8B-B14F-4D97-AF65-F5344CB8AC3E}">
-        <p14:creationId xmlns:p14="http://schemas.microsoft.com/office/powerpoint/2010/main" val="3773753202"/>
+        <p14:creationId xmlns:p14="http://schemas.microsoft.com/office/powerpoint/2010/main" val="3181535856"/>
       </p:ext>
     </p:extLst>
   </p:cSld>
@@ -1053,7 +1648,7 @@
     </p:spTree>
     <p:extLst>
       <p:ext uri="{BB962C8B-B14F-4D97-AF65-F5344CB8AC3E}">
-        <p14:creationId xmlns:p14="http://schemas.microsoft.com/office/powerpoint/2010/main" val="862832470"/>
+        <p14:creationId xmlns:p14="http://schemas.microsoft.com/office/powerpoint/2010/main" val="648138641"/>
       </p:ext>
     </p:extLst>
   </p:cSld>
@@ -1137,7 +1732,7 @@
     </p:spTree>
     <p:extLst>
       <p:ext uri="{BB962C8B-B14F-4D97-AF65-F5344CB8AC3E}">
-        <p14:creationId xmlns:p14="http://schemas.microsoft.com/office/powerpoint/2010/main" val="255513545"/>
+        <p14:creationId xmlns:p14="http://schemas.microsoft.com/office/powerpoint/2010/main" val="3435136875"/>
       </p:ext>
     </p:extLst>
   </p:cSld>
@@ -1191,7 +1786,7 @@
           <a:bodyPr/>
           <a:lstStyle/>
           <a:p>
-            <a:endParaRPr lang="en-US" dirty="0"/>
+            <a:endParaRPr lang="de-DE" dirty="0"/>
           </a:p>
         </p:txBody>
       </p:sp>
@@ -1221,7 +1816,7 @@
     </p:spTree>
     <p:extLst>
       <p:ext uri="{BB962C8B-B14F-4D97-AF65-F5344CB8AC3E}">
-        <p14:creationId xmlns:p14="http://schemas.microsoft.com/office/powerpoint/2010/main" val="4277235827"/>
+        <p14:creationId xmlns:p14="http://schemas.microsoft.com/office/powerpoint/2010/main" val="61429513"/>
       </p:ext>
     </p:extLst>
   </p:cSld>
@@ -4385,6 +4980,2836 @@
 </p:sld>
 </file>
 
+<file path=ppt/slides/slide10.xml><?xml version="1.0" encoding="utf-8"?>
+<p:sld xmlns:a="http://schemas.openxmlformats.org/drawingml/2006/main" xmlns:r="http://schemas.openxmlformats.org/officeDocument/2006/relationships" xmlns:p="http://schemas.openxmlformats.org/presentationml/2006/main">
+  <p:cSld>
+    <p:spTree>
+      <p:nvGrpSpPr>
+        <p:cNvPr id="1" name=""/>
+        <p:cNvGrpSpPr/>
+        <p:nvPr/>
+      </p:nvGrpSpPr>
+      <p:grpSpPr>
+        <a:xfrm>
+          <a:off x="0" y="0"/>
+          <a:ext cx="0" cy="0"/>
+          <a:chOff x="0" y="0"/>
+          <a:chExt cx="0" cy="0"/>
+        </a:xfrm>
+      </p:grpSpPr>
+      <p:sp>
+        <p:nvSpPr>
+          <p:cNvPr id="2" name="Titel 1">
+            <a:extLst>
+              <a:ext uri="{FF2B5EF4-FFF2-40B4-BE49-F238E27FC236}">
+                <a16:creationId xmlns:a16="http://schemas.microsoft.com/office/drawing/2014/main" id="{BFDC6B1A-C50B-EF45-9010-6D7A0B0ADB0E}"/>
+              </a:ext>
+            </a:extLst>
+          </p:cNvPr>
+          <p:cNvSpPr>
+            <a:spLocks noGrp="1"/>
+          </p:cNvSpPr>
+          <p:nvPr>
+            <p:ph type="title"/>
+          </p:nvPr>
+        </p:nvSpPr>
+        <p:spPr>
+          <a:xfrm>
+            <a:off x="628650" y="0"/>
+            <a:ext cx="7886700" cy="903767"/>
+          </a:xfrm>
+        </p:spPr>
+        <p:txBody>
+          <a:bodyPr>
+            <a:normAutofit/>
+          </a:bodyPr>
+          <a:lstStyle/>
+          <a:p>
+            <a:pPr algn="ctr"/>
+            <a:r>
+              <a:rPr lang="de-DE" sz="3200" dirty="0" err="1">
+                <a:latin typeface="Helvetica Neue" panose="02000503000000020004" pitchFamily="2" charset="0"/>
+                <a:ea typeface="Helvetica Neue" panose="02000503000000020004" pitchFamily="2" charset="0"/>
+                <a:cs typeface="Helvetica Neue" panose="02000503000000020004" pitchFamily="2" charset="0"/>
+              </a:rPr>
+              <a:t>Heuristics</a:t>
+            </a:r>
+            <a:r>
+              <a:rPr lang="de-DE" sz="3200" dirty="0">
+                <a:latin typeface="Helvetica Neue" panose="02000503000000020004" pitchFamily="2" charset="0"/>
+                <a:ea typeface="Helvetica Neue" panose="02000503000000020004" pitchFamily="2" charset="0"/>
+                <a:cs typeface="Helvetica Neue" panose="02000503000000020004" pitchFamily="2" charset="0"/>
+              </a:rPr>
+              <a:t>: All </a:t>
+            </a:r>
+            <a:r>
+              <a:rPr lang="de-DE" sz="3200" dirty="0" err="1">
+                <a:latin typeface="Helvetica Neue" panose="02000503000000020004" pitchFamily="2" charset="0"/>
+                <a:ea typeface="Helvetica Neue" panose="02000503000000020004" pitchFamily="2" charset="0"/>
+                <a:cs typeface="Helvetica Neue" panose="02000503000000020004" pitchFamily="2" charset="0"/>
+              </a:rPr>
+              <a:t>Moves</a:t>
+            </a:r>
+            <a:r>
+              <a:rPr lang="de-DE" sz="3200" dirty="0">
+                <a:latin typeface="Helvetica Neue" panose="02000503000000020004" pitchFamily="2" charset="0"/>
+                <a:ea typeface="Helvetica Neue" panose="02000503000000020004" pitchFamily="2" charset="0"/>
+                <a:cs typeface="Helvetica Neue" panose="02000503000000020004" pitchFamily="2" charset="0"/>
+              </a:rPr>
+              <a:t> As First</a:t>
+            </a:r>
+          </a:p>
+        </p:txBody>
+      </p:sp>
+      <p:cxnSp>
+        <p:nvCxnSpPr>
+          <p:cNvPr id="7" name="Gerade Verbindung 6">
+            <a:extLst>
+              <a:ext uri="{FF2B5EF4-FFF2-40B4-BE49-F238E27FC236}">
+                <a16:creationId xmlns:a16="http://schemas.microsoft.com/office/drawing/2014/main" id="{0AD69E0B-8821-6D4E-9CB0-419E45AE5D16}"/>
+              </a:ext>
+            </a:extLst>
+          </p:cNvPr>
+          <p:cNvCxnSpPr/>
+          <p:nvPr/>
+        </p:nvCxnSpPr>
+        <p:spPr>
+          <a:xfrm>
+            <a:off x="628650" y="701749"/>
+            <a:ext cx="7886700" cy="0"/>
+          </a:xfrm>
+          <a:prstGeom prst="line">
+            <a:avLst/>
+          </a:prstGeom>
+          <a:ln w="19050"/>
+        </p:spPr>
+        <p:style>
+          <a:lnRef idx="1">
+            <a:schemeClr val="accent1"/>
+          </a:lnRef>
+          <a:fillRef idx="0">
+            <a:schemeClr val="accent1"/>
+          </a:fillRef>
+          <a:effectRef idx="0">
+            <a:schemeClr val="accent1"/>
+          </a:effectRef>
+          <a:fontRef idx="minor">
+            <a:schemeClr val="tx1"/>
+          </a:fontRef>
+        </p:style>
+      </p:cxnSp>
+      <p:sp>
+        <p:nvSpPr>
+          <p:cNvPr id="10" name="Foliennummernplatzhalter 7">
+            <a:extLst>
+              <a:ext uri="{FF2B5EF4-FFF2-40B4-BE49-F238E27FC236}">
+                <a16:creationId xmlns:a16="http://schemas.microsoft.com/office/drawing/2014/main" id="{9071D67C-0761-AE40-B0C9-6FCD37958A2D}"/>
+              </a:ext>
+            </a:extLst>
+          </p:cNvPr>
+          <p:cNvSpPr>
+            <a:spLocks noGrp="1"/>
+          </p:cNvSpPr>
+          <p:nvPr>
+            <p:ph type="sldNum" sz="quarter" idx="12"/>
+          </p:nvPr>
+        </p:nvSpPr>
+        <p:spPr>
+          <a:xfrm>
+            <a:off x="6457950" y="6492875"/>
+            <a:ext cx="2057400" cy="365125"/>
+          </a:xfrm>
+        </p:spPr>
+        <p:txBody>
+          <a:bodyPr/>
+          <a:lstStyle/>
+          <a:p>
+            <a:fld id="{33D1F4C7-E7FD-814C-996E-6B4DFE7BF75E}" type="slidenum">
+              <a:rPr lang="de-DE" smtClean="0">
+                <a:solidFill>
+                  <a:schemeClr val="tx1"/>
+                </a:solidFill>
+                <a:latin typeface="Helvetica Neue" panose="02000503000000020004" pitchFamily="2" charset="0"/>
+                <a:ea typeface="Helvetica Neue" panose="02000503000000020004" pitchFamily="2" charset="0"/>
+                <a:cs typeface="Helvetica Neue" panose="02000503000000020004" pitchFamily="2" charset="0"/>
+              </a:rPr>
+              <a:pPr/>
+              <a:t>10</a:t>
+            </a:fld>
+            <a:endParaRPr lang="de-DE" dirty="0">
+              <a:solidFill>
+                <a:schemeClr val="tx1"/>
+              </a:solidFill>
+              <a:latin typeface="Helvetica Neue" panose="02000503000000020004" pitchFamily="2" charset="0"/>
+              <a:ea typeface="Helvetica Neue" panose="02000503000000020004" pitchFamily="2" charset="0"/>
+              <a:cs typeface="Helvetica Neue" panose="02000503000000020004" pitchFamily="2" charset="0"/>
+            </a:endParaRPr>
+          </a:p>
+        </p:txBody>
+      </p:sp>
+      <p:sp>
+        <p:nvSpPr>
+          <p:cNvPr id="13" name="Datumsplatzhalter 5">
+            <a:extLst>
+              <a:ext uri="{FF2B5EF4-FFF2-40B4-BE49-F238E27FC236}">
+                <a16:creationId xmlns:a16="http://schemas.microsoft.com/office/drawing/2014/main" id="{B76C9C4A-3763-EF48-AF20-A0BEFB490291}"/>
+              </a:ext>
+            </a:extLst>
+          </p:cNvPr>
+          <p:cNvSpPr>
+            <a:spLocks noGrp="1"/>
+          </p:cNvSpPr>
+          <p:nvPr>
+            <p:ph type="dt" sz="half" idx="10"/>
+          </p:nvPr>
+        </p:nvSpPr>
+        <p:spPr>
+          <a:xfrm>
+            <a:off x="628650" y="6492875"/>
+            <a:ext cx="2057400" cy="365125"/>
+          </a:xfrm>
+        </p:spPr>
+        <p:txBody>
+          <a:bodyPr/>
+          <a:lstStyle/>
+          <a:p>
+            <a:r>
+              <a:rPr lang="de-DE" dirty="0">
+                <a:solidFill>
+                  <a:schemeClr val="tx1"/>
+                </a:solidFill>
+                <a:latin typeface="Helvetica Neue" panose="02000503000000020004" pitchFamily="2" charset="0"/>
+                <a:ea typeface="Helvetica Neue" panose="02000503000000020004" pitchFamily="2" charset="0"/>
+                <a:cs typeface="Helvetica Neue" panose="02000503000000020004" pitchFamily="2" charset="0"/>
+              </a:rPr>
+              <a:t>14.08.20</a:t>
+            </a:r>
+          </a:p>
+        </p:txBody>
+      </p:sp>
+      <p:sp>
+        <p:nvSpPr>
+          <p:cNvPr id="14" name="Fußzeilenplatzhalter 6">
+            <a:extLst>
+              <a:ext uri="{FF2B5EF4-FFF2-40B4-BE49-F238E27FC236}">
+                <a16:creationId xmlns:a16="http://schemas.microsoft.com/office/drawing/2014/main" id="{C47564DE-68CC-DB46-9239-AD5A89282CC1}"/>
+              </a:ext>
+            </a:extLst>
+          </p:cNvPr>
+          <p:cNvSpPr>
+            <a:spLocks noGrp="1"/>
+          </p:cNvSpPr>
+          <p:nvPr>
+            <p:ph type="ftr" sz="quarter" idx="11"/>
+          </p:nvPr>
+        </p:nvSpPr>
+        <p:spPr>
+          <a:xfrm>
+            <a:off x="2669721" y="6501821"/>
+            <a:ext cx="3804557" cy="365125"/>
+          </a:xfrm>
+        </p:spPr>
+        <p:txBody>
+          <a:bodyPr/>
+          <a:lstStyle/>
+          <a:p>
+            <a:r>
+              <a:rPr lang="de-DE" dirty="0">
+                <a:solidFill>
+                  <a:schemeClr val="tx1"/>
+                </a:solidFill>
+                <a:latin typeface="Helvetica Neue" panose="02000503000000020004" pitchFamily="2" charset="0"/>
+                <a:ea typeface="Helvetica Neue" panose="02000503000000020004" pitchFamily="2" charset="0"/>
+                <a:cs typeface="Helvetica Neue" panose="02000503000000020004" pitchFamily="2" charset="0"/>
+              </a:rPr>
+              <a:t>Seminar </a:t>
+            </a:r>
+            <a:r>
+              <a:rPr lang="en-US" dirty="0">
+                <a:solidFill>
+                  <a:schemeClr val="tx1"/>
+                </a:solidFill>
+                <a:latin typeface="Helvetica Neue" panose="02000503000000020004" pitchFamily="2" charset="0"/>
+                <a:ea typeface="Helvetica Neue" panose="02000503000000020004" pitchFamily="2" charset="0"/>
+                <a:cs typeface="Helvetica Neue" panose="02000503000000020004" pitchFamily="2" charset="0"/>
+              </a:rPr>
+              <a:t>Ubiquitous</a:t>
+            </a:r>
+            <a:r>
+              <a:rPr lang="de-DE" dirty="0">
+                <a:solidFill>
+                  <a:schemeClr val="tx1"/>
+                </a:solidFill>
+                <a:latin typeface="Helvetica Neue" panose="02000503000000020004" pitchFamily="2" charset="0"/>
+                <a:ea typeface="Helvetica Neue" panose="02000503000000020004" pitchFamily="2" charset="0"/>
+                <a:cs typeface="Helvetica Neue" panose="02000503000000020004" pitchFamily="2" charset="0"/>
+              </a:rPr>
+              <a:t> Computing - Simon Schwarz</a:t>
+            </a:r>
+          </a:p>
+        </p:txBody>
+      </p:sp>
+      <p:pic>
+        <p:nvPicPr>
+          <p:cNvPr id="4" name="Grafik 3" descr="Ein Bild, das Text, Karte enthält.&#10;&#10;Automatisch generierte Beschreibung">
+            <a:extLst>
+              <a:ext uri="{FF2B5EF4-FFF2-40B4-BE49-F238E27FC236}">
+                <a16:creationId xmlns:a16="http://schemas.microsoft.com/office/drawing/2014/main" id="{D26BCE71-17E2-7246-81C0-20F08FA66C67}"/>
+              </a:ext>
+            </a:extLst>
+          </p:cNvPr>
+          <p:cNvPicPr>
+            <a:picLocks noChangeAspect="1"/>
+          </p:cNvPicPr>
+          <p:nvPr/>
+        </p:nvPicPr>
+        <p:blipFill>
+          <a:blip r:embed="rId3"/>
+          <a:stretch>
+            <a:fillRect/>
+          </a:stretch>
+        </p:blipFill>
+        <p:spPr>
+          <a:xfrm>
+            <a:off x="471990" y="710696"/>
+            <a:ext cx="3508470" cy="3689631"/>
+          </a:xfrm>
+          <a:prstGeom prst="rect">
+            <a:avLst/>
+          </a:prstGeom>
+        </p:spPr>
+      </p:pic>
+      <mc:AlternateContent xmlns:mc="http://schemas.openxmlformats.org/markup-compatibility/2006">
+        <mc:Choice xmlns:a14="http://schemas.microsoft.com/office/drawing/2010/main" Requires="a14">
+          <p:sp>
+            <p:nvSpPr>
+              <p:cNvPr id="3" name="Textfeld 2">
+                <a:extLst>
+                  <a:ext uri="{FF2B5EF4-FFF2-40B4-BE49-F238E27FC236}">
+                    <a16:creationId xmlns:a16="http://schemas.microsoft.com/office/drawing/2014/main" id="{205CBF97-2230-AF49-AA63-7B27281E20D3}"/>
+                  </a:ext>
+                </a:extLst>
+              </p:cNvPr>
+              <p:cNvSpPr txBox="1"/>
+              <p:nvPr/>
+            </p:nvSpPr>
+            <p:spPr>
+              <a:xfrm>
+                <a:off x="1483589" y="4681564"/>
+                <a:ext cx="6176819" cy="347403"/>
+              </a:xfrm>
+              <a:prstGeom prst="rect">
+                <a:avLst/>
+              </a:prstGeom>
+              <a:noFill/>
+            </p:spPr>
+            <p:txBody>
+              <a:bodyPr wrap="none" lIns="0" tIns="0" rIns="0" bIns="0" rtlCol="0">
+                <a:spAutoFit/>
+              </a:bodyPr>
+              <a:lstStyle/>
+              <a:p>
+                <a14:m>
+                  <m:oMathPara xmlns:m="http://schemas.openxmlformats.org/officeDocument/2006/math">
+                    <m:oMathParaPr>
+                      <m:jc m:val="centerGroup"/>
+                    </m:oMathParaPr>
+                    <m:oMath xmlns:m="http://schemas.openxmlformats.org/officeDocument/2006/math">
+                      <m:r>
+                        <a:rPr lang="de-DE" sz="2000" b="0" i="1" smtClean="0">
+                          <a:latin typeface="Cambria Math" panose="02040503050406030204" pitchFamily="18" charset="0"/>
+                        </a:rPr>
+                        <m:t>𝐴𝑀𝐴𝐹</m:t>
+                      </m:r>
+                      <m:d>
+                        <m:dPr>
+                          <m:ctrlPr>
+                            <a:rPr lang="de-DE" sz="2000" b="0" i="1" smtClean="0">
+                              <a:latin typeface="Cambria Math" panose="02040503050406030204" pitchFamily="18" charset="0"/>
+                            </a:rPr>
+                          </m:ctrlPr>
+                        </m:dPr>
+                        <m:e>
+                          <m:r>
+                            <a:rPr lang="de-DE" sz="2000" b="0" i="1" smtClean="0">
+                              <a:latin typeface="Cambria Math" panose="02040503050406030204" pitchFamily="18" charset="0"/>
+                            </a:rPr>
+                            <m:t>𝑠</m:t>
+                          </m:r>
+                          <m:r>
+                            <a:rPr lang="de-DE" sz="2000" b="0" i="1" smtClean="0">
+                              <a:latin typeface="Cambria Math" panose="02040503050406030204" pitchFamily="18" charset="0"/>
+                            </a:rPr>
+                            <m:t>,</m:t>
+                          </m:r>
+                          <m:r>
+                            <a:rPr lang="de-DE" sz="2000" b="0" i="1" smtClean="0">
+                              <a:latin typeface="Cambria Math" panose="02040503050406030204" pitchFamily="18" charset="0"/>
+                            </a:rPr>
+                            <m:t>𝑎</m:t>
+                          </m:r>
+                        </m:e>
+                      </m:d>
+                      <m:r>
+                        <a:rPr lang="de-DE" sz="2000" b="0" i="1" smtClean="0">
+                          <a:latin typeface="Cambria Math" panose="02040503050406030204" pitchFamily="18" charset="0"/>
+                        </a:rPr>
+                        <m:t>=</m:t>
+                      </m:r>
+                      <m:r>
+                        <a:rPr lang="de-DE" sz="2000" b="0" i="1" smtClean="0">
+                          <a:latin typeface="Cambria Math" panose="02040503050406030204" pitchFamily="18" charset="0"/>
+                        </a:rPr>
+                        <m:t>𝛽</m:t>
+                      </m:r>
+                      <m:d>
+                        <m:dPr>
+                          <m:ctrlPr>
+                            <a:rPr lang="de-DE" sz="2000" b="0" i="1" smtClean="0">
+                              <a:latin typeface="Cambria Math" panose="02040503050406030204" pitchFamily="18" charset="0"/>
+                            </a:rPr>
+                          </m:ctrlPr>
+                        </m:dPr>
+                        <m:e>
+                          <m:r>
+                            <a:rPr lang="de-DE" sz="2000" b="0" i="1" smtClean="0">
+                              <a:latin typeface="Cambria Math" panose="02040503050406030204" pitchFamily="18" charset="0"/>
+                            </a:rPr>
+                            <m:t>𝑠</m:t>
+                          </m:r>
+                        </m:e>
+                      </m:d>
+                      <m:r>
+                        <a:rPr lang="de-DE" sz="2000" b="0" i="1" smtClean="0">
+                          <a:latin typeface="Cambria Math" panose="02040503050406030204" pitchFamily="18" charset="0"/>
+                          <a:ea typeface="Cambria Math" panose="02040503050406030204" pitchFamily="18" charset="0"/>
+                        </a:rPr>
+                        <m:t>∙</m:t>
+                      </m:r>
+                      <m:r>
+                        <a:rPr lang="de-DE" sz="2000" b="0" i="1" smtClean="0">
+                          <a:latin typeface="Cambria Math" panose="02040503050406030204" pitchFamily="18" charset="0"/>
+                          <a:ea typeface="Cambria Math" panose="02040503050406030204" pitchFamily="18" charset="0"/>
+                        </a:rPr>
+                        <m:t>𝑄</m:t>
+                      </m:r>
+                      <m:d>
+                        <m:dPr>
+                          <m:ctrlPr>
+                            <a:rPr lang="de-DE" sz="2000" b="0" i="1" smtClean="0">
+                              <a:latin typeface="Cambria Math" panose="02040503050406030204" pitchFamily="18" charset="0"/>
+                              <a:ea typeface="Cambria Math" panose="02040503050406030204" pitchFamily="18" charset="0"/>
+                            </a:rPr>
+                          </m:ctrlPr>
+                        </m:dPr>
+                        <m:e>
+                          <m:r>
+                            <a:rPr lang="de-DE" sz="2000" b="0" i="1" smtClean="0">
+                              <a:latin typeface="Cambria Math" panose="02040503050406030204" pitchFamily="18" charset="0"/>
+                              <a:ea typeface="Cambria Math" panose="02040503050406030204" pitchFamily="18" charset="0"/>
+                            </a:rPr>
+                            <m:t>𝑠</m:t>
+                          </m:r>
+                          <m:r>
+                            <a:rPr lang="de-DE" sz="2000" b="0" i="1" smtClean="0">
+                              <a:latin typeface="Cambria Math" panose="02040503050406030204" pitchFamily="18" charset="0"/>
+                              <a:ea typeface="Cambria Math" panose="02040503050406030204" pitchFamily="18" charset="0"/>
+                            </a:rPr>
+                            <m:t>,</m:t>
+                          </m:r>
+                          <m:r>
+                            <a:rPr lang="de-DE" sz="2000" b="0" i="1" smtClean="0">
+                              <a:latin typeface="Cambria Math" panose="02040503050406030204" pitchFamily="18" charset="0"/>
+                              <a:ea typeface="Cambria Math" panose="02040503050406030204" pitchFamily="18" charset="0"/>
+                            </a:rPr>
+                            <m:t>𝑎</m:t>
+                          </m:r>
+                        </m:e>
+                      </m:d>
+                      <m:r>
+                        <a:rPr lang="de-DE" sz="2000" b="0" i="1" smtClean="0">
+                          <a:latin typeface="Cambria Math" panose="02040503050406030204" pitchFamily="18" charset="0"/>
+                          <a:ea typeface="Cambria Math" panose="02040503050406030204" pitchFamily="18" charset="0"/>
+                        </a:rPr>
+                        <m:t>+</m:t>
+                      </m:r>
+                      <m:d>
+                        <m:dPr>
+                          <m:ctrlPr>
+                            <a:rPr lang="de-DE" sz="2000" b="0" i="1" smtClean="0">
+                              <a:latin typeface="Cambria Math" panose="02040503050406030204" pitchFamily="18" charset="0"/>
+                              <a:ea typeface="Cambria Math" panose="02040503050406030204" pitchFamily="18" charset="0"/>
+                            </a:rPr>
+                          </m:ctrlPr>
+                        </m:dPr>
+                        <m:e>
+                          <m:r>
+                            <a:rPr lang="de-DE" sz="2000" b="0" i="1" smtClean="0">
+                              <a:latin typeface="Cambria Math" panose="02040503050406030204" pitchFamily="18" charset="0"/>
+                              <a:ea typeface="Cambria Math" panose="02040503050406030204" pitchFamily="18" charset="0"/>
+                            </a:rPr>
+                            <m:t>1−</m:t>
+                          </m:r>
+                          <m:r>
+                            <a:rPr lang="de-DE" sz="2000" b="0" i="1" smtClean="0">
+                              <a:latin typeface="Cambria Math" panose="02040503050406030204" pitchFamily="18" charset="0"/>
+                              <a:ea typeface="Cambria Math" panose="02040503050406030204" pitchFamily="18" charset="0"/>
+                            </a:rPr>
+                            <m:t>𝛽</m:t>
+                          </m:r>
+                          <m:d>
+                            <m:dPr>
+                              <m:ctrlPr>
+                                <a:rPr lang="de-DE" sz="2000" b="0" i="1" smtClean="0">
+                                  <a:latin typeface="Cambria Math" panose="02040503050406030204" pitchFamily="18" charset="0"/>
+                                  <a:ea typeface="Cambria Math" panose="02040503050406030204" pitchFamily="18" charset="0"/>
+                                </a:rPr>
+                              </m:ctrlPr>
+                            </m:dPr>
+                            <m:e>
+                              <m:r>
+                                <a:rPr lang="de-DE" sz="2000" b="0" i="1" smtClean="0">
+                                  <a:latin typeface="Cambria Math" panose="02040503050406030204" pitchFamily="18" charset="0"/>
+                                  <a:ea typeface="Cambria Math" panose="02040503050406030204" pitchFamily="18" charset="0"/>
+                                </a:rPr>
+                                <m:t>𝑠</m:t>
+                              </m:r>
+                            </m:e>
+                          </m:d>
+                        </m:e>
+                      </m:d>
+                      <m:r>
+                        <a:rPr lang="de-DE" sz="2000" b="0" i="1" smtClean="0">
+                          <a:latin typeface="Cambria Math" panose="02040503050406030204" pitchFamily="18" charset="0"/>
+                          <a:ea typeface="Cambria Math" panose="02040503050406030204" pitchFamily="18" charset="0"/>
+                        </a:rPr>
+                        <m:t>∙</m:t>
+                      </m:r>
+                      <m:r>
+                        <a:rPr lang="de-DE" sz="2000" b="0" i="1" smtClean="0">
+                          <a:latin typeface="Cambria Math" panose="02040503050406030204" pitchFamily="18" charset="0"/>
+                          <a:ea typeface="Cambria Math" panose="02040503050406030204" pitchFamily="18" charset="0"/>
+                        </a:rPr>
+                        <m:t>𝐴𝑀𝐴𝐹</m:t>
+                      </m:r>
+                      <m:r>
+                        <a:rPr lang="de-DE" sz="2000" b="0" i="1" smtClean="0">
+                          <a:latin typeface="Cambria Math" panose="02040503050406030204" pitchFamily="18" charset="0"/>
+                          <a:ea typeface="Cambria Math" panose="02040503050406030204" pitchFamily="18" charset="0"/>
+                        </a:rPr>
+                        <m:t>(</m:t>
+                      </m:r>
+                      <m:sSup>
+                        <m:sSupPr>
+                          <m:ctrlPr>
+                            <a:rPr lang="de-DE" sz="2000" b="0" i="1" smtClean="0">
+                              <a:latin typeface="Cambria Math" panose="02040503050406030204" pitchFamily="18" charset="0"/>
+                              <a:ea typeface="Cambria Math" panose="02040503050406030204" pitchFamily="18" charset="0"/>
+                            </a:rPr>
+                          </m:ctrlPr>
+                        </m:sSupPr>
+                        <m:e>
+                          <m:r>
+                            <a:rPr lang="de-DE" sz="2000" b="0" i="1" smtClean="0">
+                              <a:latin typeface="Cambria Math" panose="02040503050406030204" pitchFamily="18" charset="0"/>
+                              <a:ea typeface="Cambria Math" panose="02040503050406030204" pitchFamily="18" charset="0"/>
+                            </a:rPr>
+                            <m:t>𝑠</m:t>
+                          </m:r>
+                        </m:e>
+                        <m:sup>
+                          <m:r>
+                            <a:rPr lang="de-DE" sz="2000" b="0" i="1" smtClean="0">
+                              <a:latin typeface="Cambria Math" panose="02040503050406030204" pitchFamily="18" charset="0"/>
+                              <a:ea typeface="Cambria Math" panose="02040503050406030204" pitchFamily="18" charset="0"/>
+                            </a:rPr>
+                            <m:t>′</m:t>
+                          </m:r>
+                        </m:sup>
+                      </m:sSup>
+                      <m:r>
+                        <a:rPr lang="de-DE" sz="2000" b="0" i="1" smtClean="0">
+                          <a:latin typeface="Cambria Math" panose="02040503050406030204" pitchFamily="18" charset="0"/>
+                          <a:ea typeface="Cambria Math" panose="02040503050406030204" pitchFamily="18" charset="0"/>
+                        </a:rPr>
+                        <m:t>,</m:t>
+                      </m:r>
+                      <m:r>
+                        <a:rPr lang="de-DE" sz="2000" b="0" i="1" smtClean="0">
+                          <a:latin typeface="Cambria Math" panose="02040503050406030204" pitchFamily="18" charset="0"/>
+                          <a:ea typeface="Cambria Math" panose="02040503050406030204" pitchFamily="18" charset="0"/>
+                        </a:rPr>
+                        <m:t>𝑎</m:t>
+                      </m:r>
+                      <m:r>
+                        <a:rPr lang="de-DE" sz="2000" b="0" i="1" smtClean="0">
+                          <a:latin typeface="Cambria Math" panose="02040503050406030204" pitchFamily="18" charset="0"/>
+                          <a:ea typeface="Cambria Math" panose="02040503050406030204" pitchFamily="18" charset="0"/>
+                        </a:rPr>
+                        <m:t>)</m:t>
+                      </m:r>
+                    </m:oMath>
+                  </m:oMathPara>
+                </a14:m>
+                <a:endParaRPr lang="de-DE" sz="2000" dirty="0"/>
+              </a:p>
+            </p:txBody>
+          </p:sp>
+        </mc:Choice>
+        <mc:Fallback>
+          <p:sp>
+            <p:nvSpPr>
+              <p:cNvPr id="3" name="Textfeld 2">
+                <a:extLst>
+                  <a:ext uri="{FF2B5EF4-FFF2-40B4-BE49-F238E27FC236}">
+                    <a16:creationId xmlns:a16="http://schemas.microsoft.com/office/drawing/2014/main" id="{205CBF97-2230-AF49-AA63-7B27281E20D3}"/>
+                  </a:ext>
+                </a:extLst>
+              </p:cNvPr>
+              <p:cNvSpPr txBox="1">
+                <a:spLocks noRot="1" noChangeAspect="1" noMove="1" noResize="1" noEditPoints="1" noAdjustHandles="1" noChangeArrowheads="1" noChangeShapeType="1" noTextEdit="1"/>
+              </p:cNvSpPr>
+              <p:nvPr/>
+            </p:nvSpPr>
+            <p:spPr>
+              <a:xfrm>
+                <a:off x="1483589" y="4681564"/>
+                <a:ext cx="6176819" cy="347403"/>
+              </a:xfrm>
+              <a:prstGeom prst="rect">
+                <a:avLst/>
+              </a:prstGeom>
+              <a:blipFill>
+                <a:blip r:embed="rId4"/>
+                <a:stretch>
+                  <a:fillRect l="-411" r="-821" b="-21429"/>
+                </a:stretch>
+              </a:blipFill>
+            </p:spPr>
+            <p:txBody>
+              <a:bodyPr/>
+              <a:lstStyle/>
+              <a:p>
+                <a:r>
+                  <a:rPr lang="de-DE">
+                    <a:noFill/>
+                  </a:rPr>
+                  <a:t> </a:t>
+                </a:r>
+              </a:p>
+            </p:txBody>
+          </p:sp>
+        </mc:Fallback>
+      </mc:AlternateContent>
+      <p:grpSp>
+        <p:nvGrpSpPr>
+          <p:cNvPr id="8" name="Gruppieren 7">
+            <a:extLst>
+              <a:ext uri="{FF2B5EF4-FFF2-40B4-BE49-F238E27FC236}">
+                <a16:creationId xmlns:a16="http://schemas.microsoft.com/office/drawing/2014/main" id="{A7228FA9-8A40-3244-890B-6242A5EC6C7B}"/>
+              </a:ext>
+            </a:extLst>
+          </p:cNvPr>
+          <p:cNvGrpSpPr/>
+          <p:nvPr/>
+        </p:nvGrpSpPr>
+        <p:grpSpPr>
+          <a:xfrm>
+            <a:off x="1483589" y="5235024"/>
+            <a:ext cx="3582669" cy="909352"/>
+            <a:chOff x="2136074" y="5270620"/>
+            <a:chExt cx="3582669" cy="909352"/>
+          </a:xfrm>
+        </p:grpSpPr>
+        <mc:AlternateContent xmlns:mc="http://schemas.openxmlformats.org/markup-compatibility/2006">
+          <mc:Choice xmlns:a14="http://schemas.microsoft.com/office/drawing/2010/main" Requires="a14">
+            <p:sp>
+              <p:nvSpPr>
+                <p:cNvPr id="5" name="Textfeld 4">
+                  <a:extLst>
+                    <a:ext uri="{FF2B5EF4-FFF2-40B4-BE49-F238E27FC236}">
+                      <a16:creationId xmlns:a16="http://schemas.microsoft.com/office/drawing/2014/main" id="{A6AA1DE5-2894-1949-9185-61E09984BCCA}"/>
+                    </a:ext>
+                  </a:extLst>
+                </p:cNvPr>
+                <p:cNvSpPr txBox="1"/>
+                <p:nvPr/>
+              </p:nvSpPr>
+              <p:spPr>
+                <a:xfrm>
+                  <a:off x="3164774" y="5270620"/>
+                  <a:ext cx="2553969" cy="909352"/>
+                </a:xfrm>
+                <a:prstGeom prst="rect">
+                  <a:avLst/>
+                </a:prstGeom>
+                <a:noFill/>
+              </p:spPr>
+              <p:txBody>
+                <a:bodyPr wrap="none" lIns="0" tIns="0" rIns="0" bIns="0" rtlCol="0">
+                  <a:spAutoFit/>
+                </a:bodyPr>
+                <a:lstStyle/>
+                <a:p>
+                  <a14:m>
+                    <m:oMathPara xmlns:m="http://schemas.openxmlformats.org/officeDocument/2006/math">
+                      <m:oMathParaPr>
+                        <m:jc m:val="centerGroup"/>
+                      </m:oMathParaPr>
+                      <m:oMath xmlns:m="http://schemas.openxmlformats.org/officeDocument/2006/math">
+                        <m:r>
+                          <a:rPr lang="de-DE" sz="2000" b="0" i="1" smtClean="0">
+                            <a:latin typeface="Cambria Math" panose="02040503050406030204" pitchFamily="18" charset="0"/>
+                          </a:rPr>
+                          <m:t>𝛽</m:t>
+                        </m:r>
+                        <m:d>
+                          <m:dPr>
+                            <m:ctrlPr>
+                              <a:rPr lang="de-DE" sz="2000" b="0" i="1" smtClean="0">
+                                <a:latin typeface="Cambria Math" panose="02040503050406030204" pitchFamily="18" charset="0"/>
+                              </a:rPr>
+                            </m:ctrlPr>
+                          </m:dPr>
+                          <m:e>
+                            <m:r>
+                              <a:rPr lang="de-DE" sz="2000" b="0" i="1" smtClean="0">
+                                <a:latin typeface="Cambria Math" panose="02040503050406030204" pitchFamily="18" charset="0"/>
+                              </a:rPr>
+                              <m:t>𝑠</m:t>
+                            </m:r>
+                          </m:e>
+                        </m:d>
+                        <m:r>
+                          <a:rPr lang="de-DE" sz="2000" b="0" i="1" smtClean="0">
+                            <a:latin typeface="Cambria Math" panose="02040503050406030204" pitchFamily="18" charset="0"/>
+                          </a:rPr>
+                          <m:t>= </m:t>
+                        </m:r>
+                        <m:rad>
+                          <m:radPr>
+                            <m:degHide m:val="on"/>
+                            <m:ctrlPr>
+                              <a:rPr lang="de-DE" sz="2000" b="0" i="1" smtClean="0">
+                                <a:latin typeface="Cambria Math" panose="02040503050406030204" pitchFamily="18" charset="0"/>
+                              </a:rPr>
+                            </m:ctrlPr>
+                          </m:radPr>
+                          <m:deg/>
+                          <m:e>
+                            <m:f>
+                              <m:fPr>
+                                <m:ctrlPr>
+                                  <a:rPr lang="de-DE" sz="2000" b="0" i="1" smtClean="0">
+                                    <a:latin typeface="Cambria Math" panose="02040503050406030204" pitchFamily="18" charset="0"/>
+                                  </a:rPr>
+                                </m:ctrlPr>
+                              </m:fPr>
+                              <m:num>
+                                <m:r>
+                                  <a:rPr lang="de-DE" sz="2000" b="0" i="1" smtClean="0">
+                                    <a:latin typeface="Cambria Math" panose="02040503050406030204" pitchFamily="18" charset="0"/>
+                                  </a:rPr>
+                                  <m:t>𝐾</m:t>
+                                </m:r>
+                              </m:num>
+                              <m:den>
+                                <m:r>
+                                  <a:rPr lang="de-DE" sz="2000" b="0" i="1" smtClean="0">
+                                    <a:latin typeface="Cambria Math" panose="02040503050406030204" pitchFamily="18" charset="0"/>
+                                  </a:rPr>
+                                  <m:t>3 </m:t>
+                                </m:r>
+                                <m:r>
+                                  <a:rPr lang="de-DE" sz="2000" b="0" i="1" smtClean="0">
+                                    <a:latin typeface="Cambria Math" panose="02040503050406030204" pitchFamily="18" charset="0"/>
+                                    <a:ea typeface="Cambria Math" panose="02040503050406030204" pitchFamily="18" charset="0"/>
+                                  </a:rPr>
+                                  <m:t>∙</m:t>
+                                </m:r>
+                                <m:r>
+                                  <a:rPr lang="de-DE" sz="2000" b="0" i="1" smtClean="0">
+                                    <a:latin typeface="Cambria Math" panose="02040503050406030204" pitchFamily="18" charset="0"/>
+                                    <a:ea typeface="Cambria Math" panose="02040503050406030204" pitchFamily="18" charset="0"/>
+                                  </a:rPr>
+                                  <m:t>𝑁</m:t>
+                                </m:r>
+                                <m:d>
+                                  <m:dPr>
+                                    <m:ctrlPr>
+                                      <a:rPr lang="de-DE" sz="2000" b="0" i="1" smtClean="0">
+                                        <a:latin typeface="Cambria Math" panose="02040503050406030204" pitchFamily="18" charset="0"/>
+                                        <a:ea typeface="Cambria Math" panose="02040503050406030204" pitchFamily="18" charset="0"/>
+                                      </a:rPr>
+                                    </m:ctrlPr>
+                                  </m:dPr>
+                                  <m:e>
+                                    <m:r>
+                                      <a:rPr lang="de-DE" sz="2000" b="0" i="1" smtClean="0">
+                                        <a:latin typeface="Cambria Math" panose="02040503050406030204" pitchFamily="18" charset="0"/>
+                                        <a:ea typeface="Cambria Math" panose="02040503050406030204" pitchFamily="18" charset="0"/>
+                                      </a:rPr>
+                                      <m:t>𝑠</m:t>
+                                    </m:r>
+                                  </m:e>
+                                </m:d>
+                                <m:r>
+                                  <a:rPr lang="de-DE" sz="2000" b="0" i="1" smtClean="0">
+                                    <a:latin typeface="Cambria Math" panose="02040503050406030204" pitchFamily="18" charset="0"/>
+                                    <a:ea typeface="Cambria Math" panose="02040503050406030204" pitchFamily="18" charset="0"/>
+                                  </a:rPr>
+                                  <m:t>+</m:t>
+                                </m:r>
+                                <m:r>
+                                  <a:rPr lang="de-DE" sz="2000" b="0" i="1" smtClean="0">
+                                    <a:latin typeface="Cambria Math" panose="02040503050406030204" pitchFamily="18" charset="0"/>
+                                    <a:ea typeface="Cambria Math" panose="02040503050406030204" pitchFamily="18" charset="0"/>
+                                  </a:rPr>
+                                  <m:t>𝐾</m:t>
+                                </m:r>
+                              </m:den>
+                            </m:f>
+                          </m:e>
+                        </m:rad>
+                      </m:oMath>
+                    </m:oMathPara>
+                  </a14:m>
+                  <a:endParaRPr lang="de-DE" sz="2000" dirty="0"/>
+                </a:p>
+              </p:txBody>
+            </p:sp>
+          </mc:Choice>
+          <mc:Fallback>
+            <p:sp>
+              <p:nvSpPr>
+                <p:cNvPr id="5" name="Textfeld 4">
+                  <a:extLst>
+                    <a:ext uri="{FF2B5EF4-FFF2-40B4-BE49-F238E27FC236}">
+                      <a16:creationId xmlns:a16="http://schemas.microsoft.com/office/drawing/2014/main" id="{A6AA1DE5-2894-1949-9185-61E09984BCCA}"/>
+                    </a:ext>
+                  </a:extLst>
+                </p:cNvPr>
+                <p:cNvSpPr txBox="1">
+                  <a:spLocks noRot="1" noChangeAspect="1" noMove="1" noResize="1" noEditPoints="1" noAdjustHandles="1" noChangeArrowheads="1" noChangeShapeType="1" noTextEdit="1"/>
+                </p:cNvSpPr>
+                <p:nvPr/>
+              </p:nvSpPr>
+              <p:spPr>
+                <a:xfrm>
+                  <a:off x="3164774" y="5270620"/>
+                  <a:ext cx="2553969" cy="909352"/>
+                </a:xfrm>
+                <a:prstGeom prst="rect">
+                  <a:avLst/>
+                </a:prstGeom>
+                <a:blipFill>
+                  <a:blip r:embed="rId5"/>
+                  <a:stretch>
+                    <a:fillRect l="-2970" r="-1485" b="-1370"/>
+                  </a:stretch>
+                </a:blipFill>
+              </p:spPr>
+              <p:txBody>
+                <a:bodyPr/>
+                <a:lstStyle/>
+                <a:p>
+                  <a:r>
+                    <a:rPr lang="de-DE">
+                      <a:noFill/>
+                    </a:rPr>
+                    <a:t> </a:t>
+                  </a:r>
+                </a:p>
+              </p:txBody>
+            </p:sp>
+          </mc:Fallback>
+        </mc:AlternateContent>
+        <p:sp>
+          <p:nvSpPr>
+            <p:cNvPr id="6" name="Textfeld 5">
+              <a:extLst>
+                <a:ext uri="{FF2B5EF4-FFF2-40B4-BE49-F238E27FC236}">
+                  <a16:creationId xmlns:a16="http://schemas.microsoft.com/office/drawing/2014/main" id="{27A45AC4-B231-ED4C-855A-D01B21E84CAA}"/>
+                </a:ext>
+              </a:extLst>
+            </p:cNvPr>
+            <p:cNvSpPr txBox="1"/>
+            <p:nvPr/>
+          </p:nvSpPr>
+          <p:spPr>
+            <a:xfrm>
+              <a:off x="2136074" y="5558485"/>
+              <a:ext cx="1028700" cy="400110"/>
+            </a:xfrm>
+            <a:prstGeom prst="rect">
+              <a:avLst/>
+            </a:prstGeom>
+            <a:noFill/>
+          </p:spPr>
+          <p:txBody>
+            <a:bodyPr wrap="square" rtlCol="0">
+              <a:spAutoFit/>
+            </a:bodyPr>
+            <a:lstStyle/>
+            <a:p>
+              <a:r>
+                <a:rPr lang="de-DE" sz="2000" dirty="0" err="1">
+                  <a:latin typeface="Helvetica Neue" panose="02000503000000020004" pitchFamily="2" charset="0"/>
+                  <a:ea typeface="Helvetica Neue" panose="02000503000000020004" pitchFamily="2" charset="0"/>
+                  <a:cs typeface="Helvetica Neue" panose="02000503000000020004" pitchFamily="2" charset="0"/>
+                </a:rPr>
+                <a:t>where</a:t>
+              </a:r>
+              <a:endParaRPr lang="de-DE" sz="2000" dirty="0">
+                <a:latin typeface="Helvetica Neue" panose="02000503000000020004" pitchFamily="2" charset="0"/>
+                <a:ea typeface="Helvetica Neue" panose="02000503000000020004" pitchFamily="2" charset="0"/>
+                <a:cs typeface="Helvetica Neue" panose="02000503000000020004" pitchFamily="2" charset="0"/>
+              </a:endParaRPr>
+            </a:p>
+          </p:txBody>
+        </p:sp>
+      </p:grpSp>
+    </p:spTree>
+    <p:extLst>
+      <p:ext uri="{BB962C8B-B14F-4D97-AF65-F5344CB8AC3E}">
+        <p14:creationId xmlns:p14="http://schemas.microsoft.com/office/powerpoint/2010/main" val="3137998640"/>
+      </p:ext>
+    </p:extLst>
+  </p:cSld>
+  <p:clrMapOvr>
+    <a:masterClrMapping/>
+  </p:clrMapOvr>
+</p:sld>
+</file>
+
+<file path=ppt/slides/slide11.xml><?xml version="1.0" encoding="utf-8"?>
+<p:sld xmlns:a="http://schemas.openxmlformats.org/drawingml/2006/main" xmlns:r="http://schemas.openxmlformats.org/officeDocument/2006/relationships" xmlns:p="http://schemas.openxmlformats.org/presentationml/2006/main">
+  <p:cSld>
+    <p:spTree>
+      <p:nvGrpSpPr>
+        <p:cNvPr id="1" name=""/>
+        <p:cNvGrpSpPr/>
+        <p:nvPr/>
+      </p:nvGrpSpPr>
+      <p:grpSpPr>
+        <a:xfrm>
+          <a:off x="0" y="0"/>
+          <a:ext cx="0" cy="0"/>
+          <a:chOff x="0" y="0"/>
+          <a:chExt cx="0" cy="0"/>
+        </a:xfrm>
+      </p:grpSpPr>
+      <p:sp>
+        <p:nvSpPr>
+          <p:cNvPr id="2" name="Titel 1">
+            <a:extLst>
+              <a:ext uri="{FF2B5EF4-FFF2-40B4-BE49-F238E27FC236}">
+                <a16:creationId xmlns:a16="http://schemas.microsoft.com/office/drawing/2014/main" id="{BFDC6B1A-C50B-EF45-9010-6D7A0B0ADB0E}"/>
+              </a:ext>
+            </a:extLst>
+          </p:cNvPr>
+          <p:cNvSpPr>
+            <a:spLocks noGrp="1"/>
+          </p:cNvSpPr>
+          <p:nvPr>
+            <p:ph type="title"/>
+          </p:nvPr>
+        </p:nvSpPr>
+        <p:spPr>
+          <a:xfrm>
+            <a:off x="628650" y="0"/>
+            <a:ext cx="7886700" cy="903767"/>
+          </a:xfrm>
+        </p:spPr>
+        <p:txBody>
+          <a:bodyPr>
+            <a:normAutofit/>
+          </a:bodyPr>
+          <a:lstStyle/>
+          <a:p>
+            <a:pPr algn="ctr"/>
+            <a:r>
+              <a:rPr lang="de-DE" sz="3200" dirty="0" err="1">
+                <a:latin typeface="Helvetica Neue" panose="02000503000000020004" pitchFamily="2" charset="0"/>
+                <a:ea typeface="Helvetica Neue" panose="02000503000000020004" pitchFamily="2" charset="0"/>
+                <a:cs typeface="Helvetica Neue" panose="02000503000000020004" pitchFamily="2" charset="0"/>
+              </a:rPr>
+              <a:t>Applications</a:t>
+            </a:r>
+            <a:r>
+              <a:rPr lang="de-DE" sz="3200" dirty="0">
+                <a:latin typeface="Helvetica Neue" panose="02000503000000020004" pitchFamily="2" charset="0"/>
+                <a:ea typeface="Helvetica Neue" panose="02000503000000020004" pitchFamily="2" charset="0"/>
+                <a:cs typeface="Helvetica Neue" panose="02000503000000020004" pitchFamily="2" charset="0"/>
+              </a:rPr>
+              <a:t>: </a:t>
+            </a:r>
+            <a:r>
+              <a:rPr lang="de-DE" sz="3200" dirty="0" err="1">
+                <a:latin typeface="Helvetica Neue" panose="02000503000000020004" pitchFamily="2" charset="0"/>
+                <a:ea typeface="Helvetica Neue" panose="02000503000000020004" pitchFamily="2" charset="0"/>
+                <a:cs typeface="Helvetica Neue" panose="02000503000000020004" pitchFamily="2" charset="0"/>
+              </a:rPr>
+              <a:t>Dec</a:t>
+            </a:r>
+            <a:r>
+              <a:rPr lang="de-DE" sz="3200" dirty="0">
+                <a:latin typeface="Helvetica Neue" panose="02000503000000020004" pitchFamily="2" charset="0"/>
+                <a:ea typeface="Helvetica Neue" panose="02000503000000020004" pitchFamily="2" charset="0"/>
+                <a:cs typeface="Helvetica Neue" panose="02000503000000020004" pitchFamily="2" charset="0"/>
+              </a:rPr>
+              <a:t>-MCTS</a:t>
+            </a:r>
+          </a:p>
+        </p:txBody>
+      </p:sp>
+      <p:cxnSp>
+        <p:nvCxnSpPr>
+          <p:cNvPr id="7" name="Gerade Verbindung 6">
+            <a:extLst>
+              <a:ext uri="{FF2B5EF4-FFF2-40B4-BE49-F238E27FC236}">
+                <a16:creationId xmlns:a16="http://schemas.microsoft.com/office/drawing/2014/main" id="{0AD69E0B-8821-6D4E-9CB0-419E45AE5D16}"/>
+              </a:ext>
+            </a:extLst>
+          </p:cNvPr>
+          <p:cNvCxnSpPr/>
+          <p:nvPr/>
+        </p:nvCxnSpPr>
+        <p:spPr>
+          <a:xfrm>
+            <a:off x="628650" y="701749"/>
+            <a:ext cx="7886700" cy="0"/>
+          </a:xfrm>
+          <a:prstGeom prst="line">
+            <a:avLst/>
+          </a:prstGeom>
+          <a:ln w="19050"/>
+        </p:spPr>
+        <p:style>
+          <a:lnRef idx="1">
+            <a:schemeClr val="accent1"/>
+          </a:lnRef>
+          <a:fillRef idx="0">
+            <a:schemeClr val="accent1"/>
+          </a:fillRef>
+          <a:effectRef idx="0">
+            <a:schemeClr val="accent1"/>
+          </a:effectRef>
+          <a:fontRef idx="minor">
+            <a:schemeClr val="tx1"/>
+          </a:fontRef>
+        </p:style>
+      </p:cxnSp>
+      <p:sp>
+        <p:nvSpPr>
+          <p:cNvPr id="10" name="Foliennummernplatzhalter 7">
+            <a:extLst>
+              <a:ext uri="{FF2B5EF4-FFF2-40B4-BE49-F238E27FC236}">
+                <a16:creationId xmlns:a16="http://schemas.microsoft.com/office/drawing/2014/main" id="{9071D67C-0761-AE40-B0C9-6FCD37958A2D}"/>
+              </a:ext>
+            </a:extLst>
+          </p:cNvPr>
+          <p:cNvSpPr>
+            <a:spLocks noGrp="1"/>
+          </p:cNvSpPr>
+          <p:nvPr>
+            <p:ph type="sldNum" sz="quarter" idx="12"/>
+          </p:nvPr>
+        </p:nvSpPr>
+        <p:spPr>
+          <a:xfrm>
+            <a:off x="6457950" y="6492875"/>
+            <a:ext cx="2057400" cy="365125"/>
+          </a:xfrm>
+        </p:spPr>
+        <p:txBody>
+          <a:bodyPr/>
+          <a:lstStyle/>
+          <a:p>
+            <a:fld id="{33D1F4C7-E7FD-814C-996E-6B4DFE7BF75E}" type="slidenum">
+              <a:rPr lang="de-DE" smtClean="0">
+                <a:solidFill>
+                  <a:schemeClr val="tx1"/>
+                </a:solidFill>
+                <a:latin typeface="Helvetica Neue" panose="02000503000000020004" pitchFamily="2" charset="0"/>
+                <a:ea typeface="Helvetica Neue" panose="02000503000000020004" pitchFamily="2" charset="0"/>
+                <a:cs typeface="Helvetica Neue" panose="02000503000000020004" pitchFamily="2" charset="0"/>
+              </a:rPr>
+              <a:pPr/>
+              <a:t>11</a:t>
+            </a:fld>
+            <a:endParaRPr lang="de-DE" dirty="0">
+              <a:solidFill>
+                <a:schemeClr val="tx1"/>
+              </a:solidFill>
+              <a:latin typeface="Helvetica Neue" panose="02000503000000020004" pitchFamily="2" charset="0"/>
+              <a:ea typeface="Helvetica Neue" panose="02000503000000020004" pitchFamily="2" charset="0"/>
+              <a:cs typeface="Helvetica Neue" panose="02000503000000020004" pitchFamily="2" charset="0"/>
+            </a:endParaRPr>
+          </a:p>
+        </p:txBody>
+      </p:sp>
+      <p:sp>
+        <p:nvSpPr>
+          <p:cNvPr id="13" name="Datumsplatzhalter 5">
+            <a:extLst>
+              <a:ext uri="{FF2B5EF4-FFF2-40B4-BE49-F238E27FC236}">
+                <a16:creationId xmlns:a16="http://schemas.microsoft.com/office/drawing/2014/main" id="{B76C9C4A-3763-EF48-AF20-A0BEFB490291}"/>
+              </a:ext>
+            </a:extLst>
+          </p:cNvPr>
+          <p:cNvSpPr>
+            <a:spLocks noGrp="1"/>
+          </p:cNvSpPr>
+          <p:nvPr>
+            <p:ph type="dt" sz="half" idx="10"/>
+          </p:nvPr>
+        </p:nvSpPr>
+        <p:spPr>
+          <a:xfrm>
+            <a:off x="628650" y="6492875"/>
+            <a:ext cx="2057400" cy="365125"/>
+          </a:xfrm>
+        </p:spPr>
+        <p:txBody>
+          <a:bodyPr/>
+          <a:lstStyle/>
+          <a:p>
+            <a:r>
+              <a:rPr lang="de-DE" dirty="0">
+                <a:solidFill>
+                  <a:schemeClr val="tx1"/>
+                </a:solidFill>
+                <a:latin typeface="Helvetica Neue" panose="02000503000000020004" pitchFamily="2" charset="0"/>
+                <a:ea typeface="Helvetica Neue" panose="02000503000000020004" pitchFamily="2" charset="0"/>
+                <a:cs typeface="Helvetica Neue" panose="02000503000000020004" pitchFamily="2" charset="0"/>
+              </a:rPr>
+              <a:t>14.08.20</a:t>
+            </a:r>
+          </a:p>
+        </p:txBody>
+      </p:sp>
+      <p:sp>
+        <p:nvSpPr>
+          <p:cNvPr id="14" name="Fußzeilenplatzhalter 6">
+            <a:extLst>
+              <a:ext uri="{FF2B5EF4-FFF2-40B4-BE49-F238E27FC236}">
+                <a16:creationId xmlns:a16="http://schemas.microsoft.com/office/drawing/2014/main" id="{C47564DE-68CC-DB46-9239-AD5A89282CC1}"/>
+              </a:ext>
+            </a:extLst>
+          </p:cNvPr>
+          <p:cNvSpPr>
+            <a:spLocks noGrp="1"/>
+          </p:cNvSpPr>
+          <p:nvPr>
+            <p:ph type="ftr" sz="quarter" idx="11"/>
+          </p:nvPr>
+        </p:nvSpPr>
+        <p:spPr>
+          <a:xfrm>
+            <a:off x="2669721" y="6501821"/>
+            <a:ext cx="3804557" cy="365125"/>
+          </a:xfrm>
+        </p:spPr>
+        <p:txBody>
+          <a:bodyPr/>
+          <a:lstStyle/>
+          <a:p>
+            <a:r>
+              <a:rPr lang="de-DE" dirty="0">
+                <a:solidFill>
+                  <a:schemeClr val="tx1"/>
+                </a:solidFill>
+                <a:latin typeface="Helvetica Neue" panose="02000503000000020004" pitchFamily="2" charset="0"/>
+                <a:ea typeface="Helvetica Neue" panose="02000503000000020004" pitchFamily="2" charset="0"/>
+                <a:cs typeface="Helvetica Neue" panose="02000503000000020004" pitchFamily="2" charset="0"/>
+              </a:rPr>
+              <a:t>Seminar </a:t>
+            </a:r>
+            <a:r>
+              <a:rPr lang="en-US" dirty="0">
+                <a:solidFill>
+                  <a:schemeClr val="tx1"/>
+                </a:solidFill>
+                <a:latin typeface="Helvetica Neue" panose="02000503000000020004" pitchFamily="2" charset="0"/>
+                <a:ea typeface="Helvetica Neue" panose="02000503000000020004" pitchFamily="2" charset="0"/>
+                <a:cs typeface="Helvetica Neue" panose="02000503000000020004" pitchFamily="2" charset="0"/>
+              </a:rPr>
+              <a:t>Ubiquitous</a:t>
+            </a:r>
+            <a:r>
+              <a:rPr lang="de-DE" dirty="0">
+                <a:solidFill>
+                  <a:schemeClr val="tx1"/>
+                </a:solidFill>
+                <a:latin typeface="Helvetica Neue" panose="02000503000000020004" pitchFamily="2" charset="0"/>
+                <a:ea typeface="Helvetica Neue" panose="02000503000000020004" pitchFamily="2" charset="0"/>
+                <a:cs typeface="Helvetica Neue" panose="02000503000000020004" pitchFamily="2" charset="0"/>
+              </a:rPr>
+              <a:t> Computing - Simon Schwarz</a:t>
+            </a:r>
+          </a:p>
+        </p:txBody>
+      </p:sp>
+      <p:pic>
+        <p:nvPicPr>
+          <p:cNvPr id="5" name="Grafik 4" descr="Ein Bild, das Text enthält.&#10;&#10;Automatisch generierte Beschreibung">
+            <a:extLst>
+              <a:ext uri="{FF2B5EF4-FFF2-40B4-BE49-F238E27FC236}">
+                <a16:creationId xmlns:a16="http://schemas.microsoft.com/office/drawing/2014/main" id="{58B7C1DD-B6AA-6844-93E6-405587F990D5}"/>
+              </a:ext>
+            </a:extLst>
+          </p:cNvPr>
+          <p:cNvPicPr>
+            <a:picLocks noChangeAspect="1"/>
+          </p:cNvPicPr>
+          <p:nvPr/>
+        </p:nvPicPr>
+        <p:blipFill>
+          <a:blip r:embed="rId3"/>
+          <a:stretch>
+            <a:fillRect/>
+          </a:stretch>
+        </p:blipFill>
+        <p:spPr>
+          <a:xfrm>
+            <a:off x="628649" y="903767"/>
+            <a:ext cx="7886700" cy="5464057"/>
+          </a:xfrm>
+          <a:prstGeom prst="rect">
+            <a:avLst/>
+          </a:prstGeom>
+        </p:spPr>
+      </p:pic>
+    </p:spTree>
+    <p:extLst>
+      <p:ext uri="{BB962C8B-B14F-4D97-AF65-F5344CB8AC3E}">
+        <p14:creationId xmlns:p14="http://schemas.microsoft.com/office/powerpoint/2010/main" val="2871821221"/>
+      </p:ext>
+    </p:extLst>
+  </p:cSld>
+  <p:clrMapOvr>
+    <a:masterClrMapping/>
+  </p:clrMapOvr>
+</p:sld>
+</file>
+
+<file path=ppt/slides/slide12.xml><?xml version="1.0" encoding="utf-8"?>
+<p:sld xmlns:a="http://schemas.openxmlformats.org/drawingml/2006/main" xmlns:r="http://schemas.openxmlformats.org/officeDocument/2006/relationships" xmlns:p="http://schemas.openxmlformats.org/presentationml/2006/main">
+  <p:cSld>
+    <p:spTree>
+      <p:nvGrpSpPr>
+        <p:cNvPr id="1" name=""/>
+        <p:cNvGrpSpPr/>
+        <p:nvPr/>
+      </p:nvGrpSpPr>
+      <p:grpSpPr>
+        <a:xfrm>
+          <a:off x="0" y="0"/>
+          <a:ext cx="0" cy="0"/>
+          <a:chOff x="0" y="0"/>
+          <a:chExt cx="0" cy="0"/>
+        </a:xfrm>
+      </p:grpSpPr>
+      <p:sp>
+        <p:nvSpPr>
+          <p:cNvPr id="2" name="Titel 1">
+            <a:extLst>
+              <a:ext uri="{FF2B5EF4-FFF2-40B4-BE49-F238E27FC236}">
+                <a16:creationId xmlns:a16="http://schemas.microsoft.com/office/drawing/2014/main" id="{BFDC6B1A-C50B-EF45-9010-6D7A0B0ADB0E}"/>
+              </a:ext>
+            </a:extLst>
+          </p:cNvPr>
+          <p:cNvSpPr>
+            <a:spLocks noGrp="1"/>
+          </p:cNvSpPr>
+          <p:nvPr>
+            <p:ph type="title"/>
+          </p:nvPr>
+        </p:nvSpPr>
+        <p:spPr>
+          <a:xfrm>
+            <a:off x="628650" y="0"/>
+            <a:ext cx="7886700" cy="903767"/>
+          </a:xfrm>
+        </p:spPr>
+        <p:txBody>
+          <a:bodyPr>
+            <a:normAutofit fontScale="90000"/>
+          </a:bodyPr>
+          <a:lstStyle/>
+          <a:p>
+            <a:pPr algn="ctr"/>
+            <a:r>
+              <a:rPr lang="de-DE" sz="3200" dirty="0" err="1">
+                <a:latin typeface="Helvetica Neue" panose="02000503000000020004" pitchFamily="2" charset="0"/>
+                <a:ea typeface="Helvetica Neue" panose="02000503000000020004" pitchFamily="2" charset="0"/>
+                <a:cs typeface="Helvetica Neue" panose="02000503000000020004" pitchFamily="2" charset="0"/>
+              </a:rPr>
+              <a:t>Applications</a:t>
+            </a:r>
+            <a:r>
+              <a:rPr lang="de-DE" sz="3200" dirty="0">
+                <a:latin typeface="Helvetica Neue" panose="02000503000000020004" pitchFamily="2" charset="0"/>
+                <a:ea typeface="Helvetica Neue" panose="02000503000000020004" pitchFamily="2" charset="0"/>
+                <a:cs typeface="Helvetica Neue" panose="02000503000000020004" pitchFamily="2" charset="0"/>
+              </a:rPr>
+              <a:t>: </a:t>
+            </a:r>
+            <a:r>
+              <a:rPr lang="de-DE" sz="3200" dirty="0" err="1">
+                <a:latin typeface="Helvetica Neue" panose="02000503000000020004" pitchFamily="2" charset="0"/>
+                <a:ea typeface="Helvetica Neue" panose="02000503000000020004" pitchFamily="2" charset="0"/>
+                <a:cs typeface="Helvetica Neue" panose="02000503000000020004" pitchFamily="2" charset="0"/>
+              </a:rPr>
+              <a:t>Geometrical</a:t>
+            </a:r>
+            <a:r>
+              <a:rPr lang="de-DE" sz="3200" dirty="0">
+                <a:latin typeface="Helvetica Neue" panose="02000503000000020004" pitchFamily="2" charset="0"/>
+                <a:ea typeface="Helvetica Neue" panose="02000503000000020004" pitchFamily="2" charset="0"/>
+                <a:cs typeface="Helvetica Neue" panose="02000503000000020004" pitchFamily="2" charset="0"/>
+              </a:rPr>
+              <a:t> Graph </a:t>
+            </a:r>
+            <a:r>
+              <a:rPr lang="de-DE" sz="3200" dirty="0" err="1">
+                <a:latin typeface="Helvetica Neue" panose="02000503000000020004" pitchFamily="2" charset="0"/>
+                <a:ea typeface="Helvetica Neue" panose="02000503000000020004" pitchFamily="2" charset="0"/>
+                <a:cs typeface="Helvetica Neue" panose="02000503000000020004" pitchFamily="2" charset="0"/>
+              </a:rPr>
+              <a:t>Matching</a:t>
+            </a:r>
+            <a:endParaRPr lang="de-DE" sz="3200" dirty="0">
+              <a:latin typeface="Helvetica Neue" panose="02000503000000020004" pitchFamily="2" charset="0"/>
+              <a:ea typeface="Helvetica Neue" panose="02000503000000020004" pitchFamily="2" charset="0"/>
+              <a:cs typeface="Helvetica Neue" panose="02000503000000020004" pitchFamily="2" charset="0"/>
+            </a:endParaRPr>
+          </a:p>
+        </p:txBody>
+      </p:sp>
+      <p:cxnSp>
+        <p:nvCxnSpPr>
+          <p:cNvPr id="7" name="Gerade Verbindung 6">
+            <a:extLst>
+              <a:ext uri="{FF2B5EF4-FFF2-40B4-BE49-F238E27FC236}">
+                <a16:creationId xmlns:a16="http://schemas.microsoft.com/office/drawing/2014/main" id="{0AD69E0B-8821-6D4E-9CB0-419E45AE5D16}"/>
+              </a:ext>
+            </a:extLst>
+          </p:cNvPr>
+          <p:cNvCxnSpPr/>
+          <p:nvPr/>
+        </p:nvCxnSpPr>
+        <p:spPr>
+          <a:xfrm>
+            <a:off x="628650" y="701749"/>
+            <a:ext cx="7886700" cy="0"/>
+          </a:xfrm>
+          <a:prstGeom prst="line">
+            <a:avLst/>
+          </a:prstGeom>
+          <a:ln w="19050"/>
+        </p:spPr>
+        <p:style>
+          <a:lnRef idx="1">
+            <a:schemeClr val="accent1"/>
+          </a:lnRef>
+          <a:fillRef idx="0">
+            <a:schemeClr val="accent1"/>
+          </a:fillRef>
+          <a:effectRef idx="0">
+            <a:schemeClr val="accent1"/>
+          </a:effectRef>
+          <a:fontRef idx="minor">
+            <a:schemeClr val="tx1"/>
+          </a:fontRef>
+        </p:style>
+      </p:cxnSp>
+      <p:sp>
+        <p:nvSpPr>
+          <p:cNvPr id="10" name="Foliennummernplatzhalter 7">
+            <a:extLst>
+              <a:ext uri="{FF2B5EF4-FFF2-40B4-BE49-F238E27FC236}">
+                <a16:creationId xmlns:a16="http://schemas.microsoft.com/office/drawing/2014/main" id="{9071D67C-0761-AE40-B0C9-6FCD37958A2D}"/>
+              </a:ext>
+            </a:extLst>
+          </p:cNvPr>
+          <p:cNvSpPr>
+            <a:spLocks noGrp="1"/>
+          </p:cNvSpPr>
+          <p:nvPr>
+            <p:ph type="sldNum" sz="quarter" idx="12"/>
+          </p:nvPr>
+        </p:nvSpPr>
+        <p:spPr>
+          <a:xfrm>
+            <a:off x="6457950" y="6492875"/>
+            <a:ext cx="2057400" cy="365125"/>
+          </a:xfrm>
+        </p:spPr>
+        <p:txBody>
+          <a:bodyPr/>
+          <a:lstStyle/>
+          <a:p>
+            <a:fld id="{33D1F4C7-E7FD-814C-996E-6B4DFE7BF75E}" type="slidenum">
+              <a:rPr lang="de-DE" smtClean="0">
+                <a:solidFill>
+                  <a:schemeClr val="tx1"/>
+                </a:solidFill>
+                <a:latin typeface="Helvetica Neue" panose="02000503000000020004" pitchFamily="2" charset="0"/>
+                <a:ea typeface="Helvetica Neue" panose="02000503000000020004" pitchFamily="2" charset="0"/>
+                <a:cs typeface="Helvetica Neue" panose="02000503000000020004" pitchFamily="2" charset="0"/>
+              </a:rPr>
+              <a:pPr/>
+              <a:t>12</a:t>
+            </a:fld>
+            <a:endParaRPr lang="de-DE" dirty="0">
+              <a:solidFill>
+                <a:schemeClr val="tx1"/>
+              </a:solidFill>
+              <a:latin typeface="Helvetica Neue" panose="02000503000000020004" pitchFamily="2" charset="0"/>
+              <a:ea typeface="Helvetica Neue" panose="02000503000000020004" pitchFamily="2" charset="0"/>
+              <a:cs typeface="Helvetica Neue" panose="02000503000000020004" pitchFamily="2" charset="0"/>
+            </a:endParaRPr>
+          </a:p>
+        </p:txBody>
+      </p:sp>
+      <p:sp>
+        <p:nvSpPr>
+          <p:cNvPr id="13" name="Datumsplatzhalter 5">
+            <a:extLst>
+              <a:ext uri="{FF2B5EF4-FFF2-40B4-BE49-F238E27FC236}">
+                <a16:creationId xmlns:a16="http://schemas.microsoft.com/office/drawing/2014/main" id="{B76C9C4A-3763-EF48-AF20-A0BEFB490291}"/>
+              </a:ext>
+            </a:extLst>
+          </p:cNvPr>
+          <p:cNvSpPr>
+            <a:spLocks noGrp="1"/>
+          </p:cNvSpPr>
+          <p:nvPr>
+            <p:ph type="dt" sz="half" idx="10"/>
+          </p:nvPr>
+        </p:nvSpPr>
+        <p:spPr>
+          <a:xfrm>
+            <a:off x="628650" y="6492875"/>
+            <a:ext cx="2057400" cy="365125"/>
+          </a:xfrm>
+        </p:spPr>
+        <p:txBody>
+          <a:bodyPr/>
+          <a:lstStyle/>
+          <a:p>
+            <a:r>
+              <a:rPr lang="de-DE" dirty="0">
+                <a:solidFill>
+                  <a:schemeClr val="tx1"/>
+                </a:solidFill>
+                <a:latin typeface="Helvetica Neue" panose="02000503000000020004" pitchFamily="2" charset="0"/>
+                <a:ea typeface="Helvetica Neue" panose="02000503000000020004" pitchFamily="2" charset="0"/>
+                <a:cs typeface="Helvetica Neue" panose="02000503000000020004" pitchFamily="2" charset="0"/>
+              </a:rPr>
+              <a:t>14.08.20</a:t>
+            </a:r>
+          </a:p>
+        </p:txBody>
+      </p:sp>
+      <p:sp>
+        <p:nvSpPr>
+          <p:cNvPr id="14" name="Fußzeilenplatzhalter 6">
+            <a:extLst>
+              <a:ext uri="{FF2B5EF4-FFF2-40B4-BE49-F238E27FC236}">
+                <a16:creationId xmlns:a16="http://schemas.microsoft.com/office/drawing/2014/main" id="{C47564DE-68CC-DB46-9239-AD5A89282CC1}"/>
+              </a:ext>
+            </a:extLst>
+          </p:cNvPr>
+          <p:cNvSpPr>
+            <a:spLocks noGrp="1"/>
+          </p:cNvSpPr>
+          <p:nvPr>
+            <p:ph type="ftr" sz="quarter" idx="11"/>
+          </p:nvPr>
+        </p:nvSpPr>
+        <p:spPr>
+          <a:xfrm>
+            <a:off x="2669721" y="6501821"/>
+            <a:ext cx="3804557" cy="365125"/>
+          </a:xfrm>
+        </p:spPr>
+        <p:txBody>
+          <a:bodyPr/>
+          <a:lstStyle/>
+          <a:p>
+            <a:r>
+              <a:rPr lang="de-DE" dirty="0">
+                <a:solidFill>
+                  <a:schemeClr val="tx1"/>
+                </a:solidFill>
+                <a:latin typeface="Helvetica Neue" panose="02000503000000020004" pitchFamily="2" charset="0"/>
+                <a:ea typeface="Helvetica Neue" panose="02000503000000020004" pitchFamily="2" charset="0"/>
+                <a:cs typeface="Helvetica Neue" panose="02000503000000020004" pitchFamily="2" charset="0"/>
+              </a:rPr>
+              <a:t>Seminar </a:t>
+            </a:r>
+            <a:r>
+              <a:rPr lang="en-US" dirty="0">
+                <a:solidFill>
+                  <a:schemeClr val="tx1"/>
+                </a:solidFill>
+                <a:latin typeface="Helvetica Neue" panose="02000503000000020004" pitchFamily="2" charset="0"/>
+                <a:ea typeface="Helvetica Neue" panose="02000503000000020004" pitchFamily="2" charset="0"/>
+                <a:cs typeface="Helvetica Neue" panose="02000503000000020004" pitchFamily="2" charset="0"/>
+              </a:rPr>
+              <a:t>Ubiquitous</a:t>
+            </a:r>
+            <a:r>
+              <a:rPr lang="de-DE" dirty="0">
+                <a:solidFill>
+                  <a:schemeClr val="tx1"/>
+                </a:solidFill>
+                <a:latin typeface="Helvetica Neue" panose="02000503000000020004" pitchFamily="2" charset="0"/>
+                <a:ea typeface="Helvetica Neue" panose="02000503000000020004" pitchFamily="2" charset="0"/>
+                <a:cs typeface="Helvetica Neue" panose="02000503000000020004" pitchFamily="2" charset="0"/>
+              </a:rPr>
+              <a:t> Computing - Simon Schwarz</a:t>
+            </a:r>
+          </a:p>
+        </p:txBody>
+      </p:sp>
+      <p:pic>
+        <p:nvPicPr>
+          <p:cNvPr id="4" name="Grafik 3">
+            <a:extLst>
+              <a:ext uri="{FF2B5EF4-FFF2-40B4-BE49-F238E27FC236}">
+                <a16:creationId xmlns:a16="http://schemas.microsoft.com/office/drawing/2014/main" id="{B0B22595-EF64-8746-9D8A-B726F6EA605C}"/>
+              </a:ext>
+            </a:extLst>
+          </p:cNvPr>
+          <p:cNvPicPr>
+            <a:picLocks noChangeAspect="1"/>
+          </p:cNvPicPr>
+          <p:nvPr/>
+        </p:nvPicPr>
+        <p:blipFill>
+          <a:blip r:embed="rId3"/>
+          <a:stretch>
+            <a:fillRect/>
+          </a:stretch>
+        </p:blipFill>
+        <p:spPr>
+          <a:xfrm>
+            <a:off x="1488554" y="817710"/>
+            <a:ext cx="6166890" cy="5580162"/>
+          </a:xfrm>
+          <a:prstGeom prst="rect">
+            <a:avLst/>
+          </a:prstGeom>
+        </p:spPr>
+      </p:pic>
+    </p:spTree>
+    <p:extLst>
+      <p:ext uri="{BB962C8B-B14F-4D97-AF65-F5344CB8AC3E}">
+        <p14:creationId xmlns:p14="http://schemas.microsoft.com/office/powerpoint/2010/main" val="565660040"/>
+      </p:ext>
+    </p:extLst>
+  </p:cSld>
+  <p:clrMapOvr>
+    <a:masterClrMapping/>
+  </p:clrMapOvr>
+</p:sld>
+</file>
+
+<file path=ppt/slides/slide13.xml><?xml version="1.0" encoding="utf-8"?>
+<p:sld xmlns:a="http://schemas.openxmlformats.org/drawingml/2006/main" xmlns:r="http://schemas.openxmlformats.org/officeDocument/2006/relationships" xmlns:p="http://schemas.openxmlformats.org/presentationml/2006/main">
+  <p:cSld>
+    <p:spTree>
+      <p:nvGrpSpPr>
+        <p:cNvPr id="1" name=""/>
+        <p:cNvGrpSpPr/>
+        <p:nvPr/>
+      </p:nvGrpSpPr>
+      <p:grpSpPr>
+        <a:xfrm>
+          <a:off x="0" y="0"/>
+          <a:ext cx="0" cy="0"/>
+          <a:chOff x="0" y="0"/>
+          <a:chExt cx="0" cy="0"/>
+        </a:xfrm>
+      </p:grpSpPr>
+      <p:sp>
+        <p:nvSpPr>
+          <p:cNvPr id="2" name="Titel 1">
+            <a:extLst>
+              <a:ext uri="{FF2B5EF4-FFF2-40B4-BE49-F238E27FC236}">
+                <a16:creationId xmlns:a16="http://schemas.microsoft.com/office/drawing/2014/main" id="{BFDC6B1A-C50B-EF45-9010-6D7A0B0ADB0E}"/>
+              </a:ext>
+            </a:extLst>
+          </p:cNvPr>
+          <p:cNvSpPr>
+            <a:spLocks noGrp="1"/>
+          </p:cNvSpPr>
+          <p:nvPr>
+            <p:ph type="title"/>
+          </p:nvPr>
+        </p:nvSpPr>
+        <p:spPr>
+          <a:xfrm>
+            <a:off x="628650" y="0"/>
+            <a:ext cx="7886700" cy="903767"/>
+          </a:xfrm>
+        </p:spPr>
+        <p:txBody>
+          <a:bodyPr>
+            <a:normAutofit/>
+          </a:bodyPr>
+          <a:lstStyle/>
+          <a:p>
+            <a:pPr algn="ctr"/>
+            <a:r>
+              <a:rPr lang="de-DE" sz="3200" dirty="0" err="1">
+                <a:latin typeface="Helvetica Neue" panose="02000503000000020004" pitchFamily="2" charset="0"/>
+                <a:ea typeface="Helvetica Neue" panose="02000503000000020004" pitchFamily="2" charset="0"/>
+                <a:cs typeface="Helvetica Neue" panose="02000503000000020004" pitchFamily="2" charset="0"/>
+              </a:rPr>
+              <a:t>Applications</a:t>
+            </a:r>
+            <a:r>
+              <a:rPr lang="de-DE" sz="3200" dirty="0">
+                <a:latin typeface="Helvetica Neue" panose="02000503000000020004" pitchFamily="2" charset="0"/>
+                <a:ea typeface="Helvetica Neue" panose="02000503000000020004" pitchFamily="2" charset="0"/>
+                <a:cs typeface="Helvetica Neue" panose="02000503000000020004" pitchFamily="2" charset="0"/>
+              </a:rPr>
+              <a:t>: </a:t>
+            </a:r>
+            <a:r>
+              <a:rPr lang="de-DE" sz="3200" dirty="0" err="1">
+                <a:latin typeface="Helvetica Neue" panose="02000503000000020004" pitchFamily="2" charset="0"/>
+                <a:ea typeface="Helvetica Neue" panose="02000503000000020004" pitchFamily="2" charset="0"/>
+                <a:cs typeface="Helvetica Neue" panose="02000503000000020004" pitchFamily="2" charset="0"/>
+              </a:rPr>
+              <a:t>Ms</a:t>
+            </a:r>
+            <a:r>
+              <a:rPr lang="de-DE" sz="3200" dirty="0">
+                <a:latin typeface="Helvetica Neue" panose="02000503000000020004" pitchFamily="2" charset="0"/>
+                <a:ea typeface="Helvetica Neue" panose="02000503000000020004" pitchFamily="2" charset="0"/>
+                <a:cs typeface="Helvetica Neue" panose="02000503000000020004" pitchFamily="2" charset="0"/>
+              </a:rPr>
+              <a:t> </a:t>
+            </a:r>
+            <a:r>
+              <a:rPr lang="de-DE" sz="3200" dirty="0" err="1">
+                <a:latin typeface="Helvetica Neue" panose="02000503000000020004" pitchFamily="2" charset="0"/>
+                <a:ea typeface="Helvetica Neue" panose="02000503000000020004" pitchFamily="2" charset="0"/>
+                <a:cs typeface="Helvetica Neue" panose="02000503000000020004" pitchFamily="2" charset="0"/>
+              </a:rPr>
+              <a:t>Pacman</a:t>
+            </a:r>
+            <a:endParaRPr lang="de-DE" sz="3200" dirty="0">
+              <a:latin typeface="Helvetica Neue" panose="02000503000000020004" pitchFamily="2" charset="0"/>
+              <a:ea typeface="Helvetica Neue" panose="02000503000000020004" pitchFamily="2" charset="0"/>
+              <a:cs typeface="Helvetica Neue" panose="02000503000000020004" pitchFamily="2" charset="0"/>
+            </a:endParaRPr>
+          </a:p>
+        </p:txBody>
+      </p:sp>
+      <p:cxnSp>
+        <p:nvCxnSpPr>
+          <p:cNvPr id="7" name="Gerade Verbindung 6">
+            <a:extLst>
+              <a:ext uri="{FF2B5EF4-FFF2-40B4-BE49-F238E27FC236}">
+                <a16:creationId xmlns:a16="http://schemas.microsoft.com/office/drawing/2014/main" id="{0AD69E0B-8821-6D4E-9CB0-419E45AE5D16}"/>
+              </a:ext>
+            </a:extLst>
+          </p:cNvPr>
+          <p:cNvCxnSpPr/>
+          <p:nvPr/>
+        </p:nvCxnSpPr>
+        <p:spPr>
+          <a:xfrm>
+            <a:off x="628650" y="701749"/>
+            <a:ext cx="7886700" cy="0"/>
+          </a:xfrm>
+          <a:prstGeom prst="line">
+            <a:avLst/>
+          </a:prstGeom>
+          <a:ln w="19050"/>
+        </p:spPr>
+        <p:style>
+          <a:lnRef idx="1">
+            <a:schemeClr val="accent1"/>
+          </a:lnRef>
+          <a:fillRef idx="0">
+            <a:schemeClr val="accent1"/>
+          </a:fillRef>
+          <a:effectRef idx="0">
+            <a:schemeClr val="accent1"/>
+          </a:effectRef>
+          <a:fontRef idx="minor">
+            <a:schemeClr val="tx1"/>
+          </a:fontRef>
+        </p:style>
+      </p:cxnSp>
+      <p:sp>
+        <p:nvSpPr>
+          <p:cNvPr id="10" name="Foliennummernplatzhalter 7">
+            <a:extLst>
+              <a:ext uri="{FF2B5EF4-FFF2-40B4-BE49-F238E27FC236}">
+                <a16:creationId xmlns:a16="http://schemas.microsoft.com/office/drawing/2014/main" id="{9071D67C-0761-AE40-B0C9-6FCD37958A2D}"/>
+              </a:ext>
+            </a:extLst>
+          </p:cNvPr>
+          <p:cNvSpPr>
+            <a:spLocks noGrp="1"/>
+          </p:cNvSpPr>
+          <p:nvPr>
+            <p:ph type="sldNum" sz="quarter" idx="12"/>
+          </p:nvPr>
+        </p:nvSpPr>
+        <p:spPr>
+          <a:xfrm>
+            <a:off x="6457950" y="6492875"/>
+            <a:ext cx="2057400" cy="365125"/>
+          </a:xfrm>
+        </p:spPr>
+        <p:txBody>
+          <a:bodyPr/>
+          <a:lstStyle/>
+          <a:p>
+            <a:fld id="{33D1F4C7-E7FD-814C-996E-6B4DFE7BF75E}" type="slidenum">
+              <a:rPr lang="de-DE" smtClean="0">
+                <a:solidFill>
+                  <a:schemeClr val="tx1"/>
+                </a:solidFill>
+                <a:latin typeface="Helvetica Neue" panose="02000503000000020004" pitchFamily="2" charset="0"/>
+                <a:ea typeface="Helvetica Neue" panose="02000503000000020004" pitchFamily="2" charset="0"/>
+                <a:cs typeface="Helvetica Neue" panose="02000503000000020004" pitchFamily="2" charset="0"/>
+              </a:rPr>
+              <a:pPr/>
+              <a:t>13</a:t>
+            </a:fld>
+            <a:endParaRPr lang="de-DE" dirty="0">
+              <a:solidFill>
+                <a:schemeClr val="tx1"/>
+              </a:solidFill>
+              <a:latin typeface="Helvetica Neue" panose="02000503000000020004" pitchFamily="2" charset="0"/>
+              <a:ea typeface="Helvetica Neue" panose="02000503000000020004" pitchFamily="2" charset="0"/>
+              <a:cs typeface="Helvetica Neue" panose="02000503000000020004" pitchFamily="2" charset="0"/>
+            </a:endParaRPr>
+          </a:p>
+        </p:txBody>
+      </p:sp>
+      <p:sp>
+        <p:nvSpPr>
+          <p:cNvPr id="13" name="Datumsplatzhalter 5">
+            <a:extLst>
+              <a:ext uri="{FF2B5EF4-FFF2-40B4-BE49-F238E27FC236}">
+                <a16:creationId xmlns:a16="http://schemas.microsoft.com/office/drawing/2014/main" id="{B76C9C4A-3763-EF48-AF20-A0BEFB490291}"/>
+              </a:ext>
+            </a:extLst>
+          </p:cNvPr>
+          <p:cNvSpPr>
+            <a:spLocks noGrp="1"/>
+          </p:cNvSpPr>
+          <p:nvPr>
+            <p:ph type="dt" sz="half" idx="10"/>
+          </p:nvPr>
+        </p:nvSpPr>
+        <p:spPr>
+          <a:xfrm>
+            <a:off x="628650" y="6492875"/>
+            <a:ext cx="2057400" cy="365125"/>
+          </a:xfrm>
+        </p:spPr>
+        <p:txBody>
+          <a:bodyPr/>
+          <a:lstStyle/>
+          <a:p>
+            <a:r>
+              <a:rPr lang="de-DE" dirty="0">
+                <a:solidFill>
+                  <a:schemeClr val="tx1"/>
+                </a:solidFill>
+                <a:latin typeface="Helvetica Neue" panose="02000503000000020004" pitchFamily="2" charset="0"/>
+                <a:ea typeface="Helvetica Neue" panose="02000503000000020004" pitchFamily="2" charset="0"/>
+                <a:cs typeface="Helvetica Neue" panose="02000503000000020004" pitchFamily="2" charset="0"/>
+              </a:rPr>
+              <a:t>14.08.20</a:t>
+            </a:r>
+          </a:p>
+        </p:txBody>
+      </p:sp>
+      <p:sp>
+        <p:nvSpPr>
+          <p:cNvPr id="14" name="Fußzeilenplatzhalter 6">
+            <a:extLst>
+              <a:ext uri="{FF2B5EF4-FFF2-40B4-BE49-F238E27FC236}">
+                <a16:creationId xmlns:a16="http://schemas.microsoft.com/office/drawing/2014/main" id="{C47564DE-68CC-DB46-9239-AD5A89282CC1}"/>
+              </a:ext>
+            </a:extLst>
+          </p:cNvPr>
+          <p:cNvSpPr>
+            <a:spLocks noGrp="1"/>
+          </p:cNvSpPr>
+          <p:nvPr>
+            <p:ph type="ftr" sz="quarter" idx="11"/>
+          </p:nvPr>
+        </p:nvSpPr>
+        <p:spPr>
+          <a:xfrm>
+            <a:off x="2669721" y="6501821"/>
+            <a:ext cx="3804557" cy="365125"/>
+          </a:xfrm>
+        </p:spPr>
+        <p:txBody>
+          <a:bodyPr/>
+          <a:lstStyle/>
+          <a:p>
+            <a:r>
+              <a:rPr lang="de-DE" dirty="0">
+                <a:solidFill>
+                  <a:schemeClr val="tx1"/>
+                </a:solidFill>
+                <a:latin typeface="Helvetica Neue" panose="02000503000000020004" pitchFamily="2" charset="0"/>
+                <a:ea typeface="Helvetica Neue" panose="02000503000000020004" pitchFamily="2" charset="0"/>
+                <a:cs typeface="Helvetica Neue" panose="02000503000000020004" pitchFamily="2" charset="0"/>
+              </a:rPr>
+              <a:t>Seminar </a:t>
+            </a:r>
+            <a:r>
+              <a:rPr lang="en-US" dirty="0">
+                <a:solidFill>
+                  <a:schemeClr val="tx1"/>
+                </a:solidFill>
+                <a:latin typeface="Helvetica Neue" panose="02000503000000020004" pitchFamily="2" charset="0"/>
+                <a:ea typeface="Helvetica Neue" panose="02000503000000020004" pitchFamily="2" charset="0"/>
+                <a:cs typeface="Helvetica Neue" panose="02000503000000020004" pitchFamily="2" charset="0"/>
+              </a:rPr>
+              <a:t>Ubiquitous</a:t>
+            </a:r>
+            <a:r>
+              <a:rPr lang="de-DE" dirty="0">
+                <a:solidFill>
+                  <a:schemeClr val="tx1"/>
+                </a:solidFill>
+                <a:latin typeface="Helvetica Neue" panose="02000503000000020004" pitchFamily="2" charset="0"/>
+                <a:ea typeface="Helvetica Neue" panose="02000503000000020004" pitchFamily="2" charset="0"/>
+                <a:cs typeface="Helvetica Neue" panose="02000503000000020004" pitchFamily="2" charset="0"/>
+              </a:rPr>
+              <a:t> Computing - Simon Schwarz</a:t>
+            </a:r>
+          </a:p>
+        </p:txBody>
+      </p:sp>
+      <p:pic>
+        <p:nvPicPr>
+          <p:cNvPr id="4" name="Grafik 3" descr="Ein Bild, das Text, Karte enthält.&#10;&#10;Automatisch generierte Beschreibung">
+            <a:extLst>
+              <a:ext uri="{FF2B5EF4-FFF2-40B4-BE49-F238E27FC236}">
+                <a16:creationId xmlns:a16="http://schemas.microsoft.com/office/drawing/2014/main" id="{A96DA30F-79A9-7D41-A30D-E56348C88DCE}"/>
+              </a:ext>
+            </a:extLst>
+          </p:cNvPr>
+          <p:cNvPicPr>
+            <a:picLocks noChangeAspect="1"/>
+          </p:cNvPicPr>
+          <p:nvPr/>
+        </p:nvPicPr>
+        <p:blipFill>
+          <a:blip r:embed="rId3"/>
+          <a:stretch>
+            <a:fillRect/>
+          </a:stretch>
+        </p:blipFill>
+        <p:spPr>
+          <a:xfrm>
+            <a:off x="0" y="1465153"/>
+            <a:ext cx="3952103" cy="4289890"/>
+          </a:xfrm>
+          <a:prstGeom prst="rect">
+            <a:avLst/>
+          </a:prstGeom>
+        </p:spPr>
+      </p:pic>
+      <p:pic>
+        <p:nvPicPr>
+          <p:cNvPr id="6" name="Grafik 5" descr="Ein Bild, das Karte, Zeichnung enthält.&#10;&#10;Automatisch generierte Beschreibung">
+            <a:extLst>
+              <a:ext uri="{FF2B5EF4-FFF2-40B4-BE49-F238E27FC236}">
+                <a16:creationId xmlns:a16="http://schemas.microsoft.com/office/drawing/2014/main" id="{DF91795D-9E26-E141-8AF0-F6AFF5669BAA}"/>
+              </a:ext>
+            </a:extLst>
+          </p:cNvPr>
+          <p:cNvPicPr>
+            <a:picLocks noChangeAspect="1"/>
+          </p:cNvPicPr>
+          <p:nvPr/>
+        </p:nvPicPr>
+        <p:blipFill>
+          <a:blip r:embed="rId4"/>
+          <a:stretch>
+            <a:fillRect/>
+          </a:stretch>
+        </p:blipFill>
+        <p:spPr>
+          <a:xfrm>
+            <a:off x="4129855" y="2308822"/>
+            <a:ext cx="4807595" cy="2240355"/>
+          </a:xfrm>
+          <a:prstGeom prst="rect">
+            <a:avLst/>
+          </a:prstGeom>
+        </p:spPr>
+      </p:pic>
+    </p:spTree>
+    <p:extLst>
+      <p:ext uri="{BB962C8B-B14F-4D97-AF65-F5344CB8AC3E}">
+        <p14:creationId xmlns:p14="http://schemas.microsoft.com/office/powerpoint/2010/main" val="2164196287"/>
+      </p:ext>
+    </p:extLst>
+  </p:cSld>
+  <p:clrMapOvr>
+    <a:masterClrMapping/>
+  </p:clrMapOvr>
+</p:sld>
+</file>
+
+<file path=ppt/slides/slide14.xml><?xml version="1.0" encoding="utf-8"?>
+<p:sld xmlns:a="http://schemas.openxmlformats.org/drawingml/2006/main" xmlns:r="http://schemas.openxmlformats.org/officeDocument/2006/relationships" xmlns:p="http://schemas.openxmlformats.org/presentationml/2006/main">
+  <p:cSld>
+    <p:spTree>
+      <p:nvGrpSpPr>
+        <p:cNvPr id="1" name=""/>
+        <p:cNvGrpSpPr/>
+        <p:nvPr/>
+      </p:nvGrpSpPr>
+      <p:grpSpPr>
+        <a:xfrm>
+          <a:off x="0" y="0"/>
+          <a:ext cx="0" cy="0"/>
+          <a:chOff x="0" y="0"/>
+          <a:chExt cx="0" cy="0"/>
+        </a:xfrm>
+      </p:grpSpPr>
+      <p:sp>
+        <p:nvSpPr>
+          <p:cNvPr id="2" name="Titel 1">
+            <a:extLst>
+              <a:ext uri="{FF2B5EF4-FFF2-40B4-BE49-F238E27FC236}">
+                <a16:creationId xmlns:a16="http://schemas.microsoft.com/office/drawing/2014/main" id="{BFDC6B1A-C50B-EF45-9010-6D7A0B0ADB0E}"/>
+              </a:ext>
+            </a:extLst>
+          </p:cNvPr>
+          <p:cNvSpPr>
+            <a:spLocks noGrp="1"/>
+          </p:cNvSpPr>
+          <p:nvPr>
+            <p:ph type="title"/>
+          </p:nvPr>
+        </p:nvSpPr>
+        <p:spPr>
+          <a:xfrm>
+            <a:off x="628650" y="0"/>
+            <a:ext cx="7886700" cy="903767"/>
+          </a:xfrm>
+        </p:spPr>
+        <p:txBody>
+          <a:bodyPr>
+            <a:normAutofit/>
+          </a:bodyPr>
+          <a:lstStyle/>
+          <a:p>
+            <a:pPr algn="ctr"/>
+            <a:r>
+              <a:rPr lang="de-DE" sz="3200" dirty="0" err="1">
+                <a:latin typeface="Helvetica Neue" panose="02000503000000020004" pitchFamily="2" charset="0"/>
+                <a:ea typeface="Helvetica Neue" panose="02000503000000020004" pitchFamily="2" charset="0"/>
+                <a:cs typeface="Helvetica Neue" panose="02000503000000020004" pitchFamily="2" charset="0"/>
+              </a:rPr>
+              <a:t>Applications</a:t>
+            </a:r>
+            <a:r>
+              <a:rPr lang="de-DE" sz="3200" dirty="0">
+                <a:latin typeface="Helvetica Neue" panose="02000503000000020004" pitchFamily="2" charset="0"/>
+                <a:ea typeface="Helvetica Neue" panose="02000503000000020004" pitchFamily="2" charset="0"/>
+                <a:cs typeface="Helvetica Neue" panose="02000503000000020004" pitchFamily="2" charset="0"/>
+              </a:rPr>
+              <a:t>: </a:t>
+            </a:r>
+            <a:r>
+              <a:rPr lang="de-DE" sz="3200" dirty="0" err="1">
+                <a:latin typeface="Helvetica Neue" panose="02000503000000020004" pitchFamily="2" charset="0"/>
+                <a:ea typeface="Helvetica Neue" panose="02000503000000020004" pitchFamily="2" charset="0"/>
+                <a:cs typeface="Helvetica Neue" panose="02000503000000020004" pitchFamily="2" charset="0"/>
+              </a:rPr>
+              <a:t>AlphaGo</a:t>
+            </a:r>
+            <a:endParaRPr lang="de-DE" sz="3200" dirty="0">
+              <a:latin typeface="Helvetica Neue" panose="02000503000000020004" pitchFamily="2" charset="0"/>
+              <a:ea typeface="Helvetica Neue" panose="02000503000000020004" pitchFamily="2" charset="0"/>
+              <a:cs typeface="Helvetica Neue" panose="02000503000000020004" pitchFamily="2" charset="0"/>
+            </a:endParaRPr>
+          </a:p>
+        </p:txBody>
+      </p:sp>
+      <p:cxnSp>
+        <p:nvCxnSpPr>
+          <p:cNvPr id="7" name="Gerade Verbindung 6">
+            <a:extLst>
+              <a:ext uri="{FF2B5EF4-FFF2-40B4-BE49-F238E27FC236}">
+                <a16:creationId xmlns:a16="http://schemas.microsoft.com/office/drawing/2014/main" id="{0AD69E0B-8821-6D4E-9CB0-419E45AE5D16}"/>
+              </a:ext>
+            </a:extLst>
+          </p:cNvPr>
+          <p:cNvCxnSpPr/>
+          <p:nvPr/>
+        </p:nvCxnSpPr>
+        <p:spPr>
+          <a:xfrm>
+            <a:off x="628650" y="701749"/>
+            <a:ext cx="7886700" cy="0"/>
+          </a:xfrm>
+          <a:prstGeom prst="line">
+            <a:avLst/>
+          </a:prstGeom>
+          <a:ln w="19050"/>
+        </p:spPr>
+        <p:style>
+          <a:lnRef idx="1">
+            <a:schemeClr val="accent1"/>
+          </a:lnRef>
+          <a:fillRef idx="0">
+            <a:schemeClr val="accent1"/>
+          </a:fillRef>
+          <a:effectRef idx="0">
+            <a:schemeClr val="accent1"/>
+          </a:effectRef>
+          <a:fontRef idx="minor">
+            <a:schemeClr val="tx1"/>
+          </a:fontRef>
+        </p:style>
+      </p:cxnSp>
+      <p:sp>
+        <p:nvSpPr>
+          <p:cNvPr id="10" name="Foliennummernplatzhalter 7">
+            <a:extLst>
+              <a:ext uri="{FF2B5EF4-FFF2-40B4-BE49-F238E27FC236}">
+                <a16:creationId xmlns:a16="http://schemas.microsoft.com/office/drawing/2014/main" id="{9071D67C-0761-AE40-B0C9-6FCD37958A2D}"/>
+              </a:ext>
+            </a:extLst>
+          </p:cNvPr>
+          <p:cNvSpPr>
+            <a:spLocks noGrp="1"/>
+          </p:cNvSpPr>
+          <p:nvPr>
+            <p:ph type="sldNum" sz="quarter" idx="12"/>
+          </p:nvPr>
+        </p:nvSpPr>
+        <p:spPr>
+          <a:xfrm>
+            <a:off x="6457950" y="6492875"/>
+            <a:ext cx="2057400" cy="365125"/>
+          </a:xfrm>
+        </p:spPr>
+        <p:txBody>
+          <a:bodyPr/>
+          <a:lstStyle/>
+          <a:p>
+            <a:fld id="{33D1F4C7-E7FD-814C-996E-6B4DFE7BF75E}" type="slidenum">
+              <a:rPr lang="de-DE" smtClean="0">
+                <a:solidFill>
+                  <a:schemeClr val="tx1"/>
+                </a:solidFill>
+                <a:latin typeface="Helvetica Neue" panose="02000503000000020004" pitchFamily="2" charset="0"/>
+                <a:ea typeface="Helvetica Neue" panose="02000503000000020004" pitchFamily="2" charset="0"/>
+                <a:cs typeface="Helvetica Neue" panose="02000503000000020004" pitchFamily="2" charset="0"/>
+              </a:rPr>
+              <a:pPr/>
+              <a:t>14</a:t>
+            </a:fld>
+            <a:endParaRPr lang="de-DE" dirty="0">
+              <a:solidFill>
+                <a:schemeClr val="tx1"/>
+              </a:solidFill>
+              <a:latin typeface="Helvetica Neue" panose="02000503000000020004" pitchFamily="2" charset="0"/>
+              <a:ea typeface="Helvetica Neue" panose="02000503000000020004" pitchFamily="2" charset="0"/>
+              <a:cs typeface="Helvetica Neue" panose="02000503000000020004" pitchFamily="2" charset="0"/>
+            </a:endParaRPr>
+          </a:p>
+        </p:txBody>
+      </p:sp>
+      <p:sp>
+        <p:nvSpPr>
+          <p:cNvPr id="13" name="Datumsplatzhalter 5">
+            <a:extLst>
+              <a:ext uri="{FF2B5EF4-FFF2-40B4-BE49-F238E27FC236}">
+                <a16:creationId xmlns:a16="http://schemas.microsoft.com/office/drawing/2014/main" id="{B76C9C4A-3763-EF48-AF20-A0BEFB490291}"/>
+              </a:ext>
+            </a:extLst>
+          </p:cNvPr>
+          <p:cNvSpPr>
+            <a:spLocks noGrp="1"/>
+          </p:cNvSpPr>
+          <p:nvPr>
+            <p:ph type="dt" sz="half" idx="10"/>
+          </p:nvPr>
+        </p:nvSpPr>
+        <p:spPr>
+          <a:xfrm>
+            <a:off x="628650" y="6492875"/>
+            <a:ext cx="2057400" cy="365125"/>
+          </a:xfrm>
+        </p:spPr>
+        <p:txBody>
+          <a:bodyPr/>
+          <a:lstStyle/>
+          <a:p>
+            <a:r>
+              <a:rPr lang="de-DE" dirty="0">
+                <a:solidFill>
+                  <a:schemeClr val="tx1"/>
+                </a:solidFill>
+                <a:latin typeface="Helvetica Neue" panose="02000503000000020004" pitchFamily="2" charset="0"/>
+                <a:ea typeface="Helvetica Neue" panose="02000503000000020004" pitchFamily="2" charset="0"/>
+                <a:cs typeface="Helvetica Neue" panose="02000503000000020004" pitchFamily="2" charset="0"/>
+              </a:rPr>
+              <a:t>14.08.20</a:t>
+            </a:r>
+          </a:p>
+        </p:txBody>
+      </p:sp>
+      <p:sp>
+        <p:nvSpPr>
+          <p:cNvPr id="14" name="Fußzeilenplatzhalter 6">
+            <a:extLst>
+              <a:ext uri="{FF2B5EF4-FFF2-40B4-BE49-F238E27FC236}">
+                <a16:creationId xmlns:a16="http://schemas.microsoft.com/office/drawing/2014/main" id="{C47564DE-68CC-DB46-9239-AD5A89282CC1}"/>
+              </a:ext>
+            </a:extLst>
+          </p:cNvPr>
+          <p:cNvSpPr>
+            <a:spLocks noGrp="1"/>
+          </p:cNvSpPr>
+          <p:nvPr>
+            <p:ph type="ftr" sz="quarter" idx="11"/>
+          </p:nvPr>
+        </p:nvSpPr>
+        <p:spPr>
+          <a:xfrm>
+            <a:off x="2669721" y="6501821"/>
+            <a:ext cx="3804557" cy="365125"/>
+          </a:xfrm>
+        </p:spPr>
+        <p:txBody>
+          <a:bodyPr/>
+          <a:lstStyle/>
+          <a:p>
+            <a:r>
+              <a:rPr lang="de-DE" dirty="0">
+                <a:solidFill>
+                  <a:schemeClr val="tx1"/>
+                </a:solidFill>
+                <a:latin typeface="Helvetica Neue" panose="02000503000000020004" pitchFamily="2" charset="0"/>
+                <a:ea typeface="Helvetica Neue" panose="02000503000000020004" pitchFamily="2" charset="0"/>
+                <a:cs typeface="Helvetica Neue" panose="02000503000000020004" pitchFamily="2" charset="0"/>
+              </a:rPr>
+              <a:t>Seminar </a:t>
+            </a:r>
+            <a:r>
+              <a:rPr lang="en-US" dirty="0">
+                <a:solidFill>
+                  <a:schemeClr val="tx1"/>
+                </a:solidFill>
+                <a:latin typeface="Helvetica Neue" panose="02000503000000020004" pitchFamily="2" charset="0"/>
+                <a:ea typeface="Helvetica Neue" panose="02000503000000020004" pitchFamily="2" charset="0"/>
+                <a:cs typeface="Helvetica Neue" panose="02000503000000020004" pitchFamily="2" charset="0"/>
+              </a:rPr>
+              <a:t>Ubiquitous</a:t>
+            </a:r>
+            <a:r>
+              <a:rPr lang="de-DE" dirty="0">
+                <a:solidFill>
+                  <a:schemeClr val="tx1"/>
+                </a:solidFill>
+                <a:latin typeface="Helvetica Neue" panose="02000503000000020004" pitchFamily="2" charset="0"/>
+                <a:ea typeface="Helvetica Neue" panose="02000503000000020004" pitchFamily="2" charset="0"/>
+                <a:cs typeface="Helvetica Neue" panose="02000503000000020004" pitchFamily="2" charset="0"/>
+              </a:rPr>
+              <a:t> Computing - Simon Schwarz</a:t>
+            </a:r>
+          </a:p>
+        </p:txBody>
+      </p:sp>
+      <p:pic>
+        <p:nvPicPr>
+          <p:cNvPr id="4" name="Grafik 3" descr="Ein Bild, das Screenshot, Uhr enthält.&#10;&#10;Automatisch generierte Beschreibung">
+            <a:extLst>
+              <a:ext uri="{FF2B5EF4-FFF2-40B4-BE49-F238E27FC236}">
+                <a16:creationId xmlns:a16="http://schemas.microsoft.com/office/drawing/2014/main" id="{DE39CA67-B74C-1443-95B6-F1FC5C4B75B3}"/>
+              </a:ext>
+            </a:extLst>
+          </p:cNvPr>
+          <p:cNvPicPr>
+            <a:picLocks noChangeAspect="1"/>
+          </p:cNvPicPr>
+          <p:nvPr/>
+        </p:nvPicPr>
+        <p:blipFill>
+          <a:blip r:embed="rId3"/>
+          <a:stretch>
+            <a:fillRect/>
+          </a:stretch>
+        </p:blipFill>
+        <p:spPr>
+          <a:xfrm>
+            <a:off x="106878" y="2140526"/>
+            <a:ext cx="9037122" cy="2607787"/>
+          </a:xfrm>
+          <a:prstGeom prst="rect">
+            <a:avLst/>
+          </a:prstGeom>
+        </p:spPr>
+      </p:pic>
+    </p:spTree>
+    <p:extLst>
+      <p:ext uri="{BB962C8B-B14F-4D97-AF65-F5344CB8AC3E}">
+        <p14:creationId xmlns:p14="http://schemas.microsoft.com/office/powerpoint/2010/main" val="1763117440"/>
+      </p:ext>
+    </p:extLst>
+  </p:cSld>
+  <p:clrMapOvr>
+    <a:masterClrMapping/>
+  </p:clrMapOvr>
+</p:sld>
+</file>
+
+<file path=ppt/slides/slide15.xml><?xml version="1.0" encoding="utf-8"?>
+<p:sld xmlns:a="http://schemas.openxmlformats.org/drawingml/2006/main" xmlns:r="http://schemas.openxmlformats.org/officeDocument/2006/relationships" xmlns:p="http://schemas.openxmlformats.org/presentationml/2006/main">
+  <p:cSld>
+    <p:spTree>
+      <p:nvGrpSpPr>
+        <p:cNvPr id="1" name=""/>
+        <p:cNvGrpSpPr/>
+        <p:nvPr/>
+      </p:nvGrpSpPr>
+      <p:grpSpPr>
+        <a:xfrm>
+          <a:off x="0" y="0"/>
+          <a:ext cx="0" cy="0"/>
+          <a:chOff x="0" y="0"/>
+          <a:chExt cx="0" cy="0"/>
+        </a:xfrm>
+      </p:grpSpPr>
+      <p:sp>
+        <p:nvSpPr>
+          <p:cNvPr id="2" name="Titel 1">
+            <a:extLst>
+              <a:ext uri="{FF2B5EF4-FFF2-40B4-BE49-F238E27FC236}">
+                <a16:creationId xmlns:a16="http://schemas.microsoft.com/office/drawing/2014/main" id="{BFDC6B1A-C50B-EF45-9010-6D7A0B0ADB0E}"/>
+              </a:ext>
+            </a:extLst>
+          </p:cNvPr>
+          <p:cNvSpPr>
+            <a:spLocks noGrp="1"/>
+          </p:cNvSpPr>
+          <p:nvPr>
+            <p:ph type="title"/>
+          </p:nvPr>
+        </p:nvSpPr>
+        <p:spPr>
+          <a:xfrm>
+            <a:off x="628650" y="0"/>
+            <a:ext cx="7886700" cy="903767"/>
+          </a:xfrm>
+        </p:spPr>
+        <p:txBody>
+          <a:bodyPr>
+            <a:normAutofit/>
+          </a:bodyPr>
+          <a:lstStyle/>
+          <a:p>
+            <a:pPr algn="ctr"/>
+            <a:r>
+              <a:rPr lang="de-DE" sz="3200" dirty="0" err="1">
+                <a:latin typeface="Helvetica Neue" panose="02000503000000020004" pitchFamily="2" charset="0"/>
+                <a:ea typeface="Helvetica Neue" panose="02000503000000020004" pitchFamily="2" charset="0"/>
+                <a:cs typeface="Helvetica Neue" panose="02000503000000020004" pitchFamily="2" charset="0"/>
+              </a:rPr>
+              <a:t>Applications</a:t>
+            </a:r>
+            <a:r>
+              <a:rPr lang="de-DE" sz="3200" dirty="0">
+                <a:latin typeface="Helvetica Neue" panose="02000503000000020004" pitchFamily="2" charset="0"/>
+                <a:ea typeface="Helvetica Neue" panose="02000503000000020004" pitchFamily="2" charset="0"/>
+                <a:cs typeface="Helvetica Neue" panose="02000503000000020004" pitchFamily="2" charset="0"/>
+              </a:rPr>
+              <a:t>: </a:t>
+            </a:r>
+            <a:r>
+              <a:rPr lang="de-DE" sz="3200" dirty="0" err="1">
+                <a:latin typeface="Helvetica Neue" panose="02000503000000020004" pitchFamily="2" charset="0"/>
+                <a:ea typeface="Helvetica Neue" panose="02000503000000020004" pitchFamily="2" charset="0"/>
+                <a:cs typeface="Helvetica Neue" panose="02000503000000020004" pitchFamily="2" charset="0"/>
+              </a:rPr>
+              <a:t>Deep</a:t>
+            </a:r>
+            <a:r>
+              <a:rPr lang="de-DE" sz="3200" dirty="0">
+                <a:latin typeface="Helvetica Neue" panose="02000503000000020004" pitchFamily="2" charset="0"/>
+                <a:ea typeface="Helvetica Neue" panose="02000503000000020004" pitchFamily="2" charset="0"/>
+                <a:cs typeface="Helvetica Neue" panose="02000503000000020004" pitchFamily="2" charset="0"/>
+              </a:rPr>
+              <a:t> </a:t>
+            </a:r>
+            <a:r>
+              <a:rPr lang="de-DE" sz="3200" dirty="0" err="1">
+                <a:latin typeface="Helvetica Neue" panose="02000503000000020004" pitchFamily="2" charset="0"/>
+                <a:ea typeface="Helvetica Neue" panose="02000503000000020004" pitchFamily="2" charset="0"/>
+                <a:cs typeface="Helvetica Neue" panose="02000503000000020004" pitchFamily="2" charset="0"/>
+              </a:rPr>
+              <a:t>Architect</a:t>
+            </a:r>
+            <a:endParaRPr lang="de-DE" sz="3200" dirty="0">
+              <a:latin typeface="Helvetica Neue" panose="02000503000000020004" pitchFamily="2" charset="0"/>
+              <a:ea typeface="Helvetica Neue" panose="02000503000000020004" pitchFamily="2" charset="0"/>
+              <a:cs typeface="Helvetica Neue" panose="02000503000000020004" pitchFamily="2" charset="0"/>
+            </a:endParaRPr>
+          </a:p>
+        </p:txBody>
+      </p:sp>
+      <p:cxnSp>
+        <p:nvCxnSpPr>
+          <p:cNvPr id="7" name="Gerade Verbindung 6">
+            <a:extLst>
+              <a:ext uri="{FF2B5EF4-FFF2-40B4-BE49-F238E27FC236}">
+                <a16:creationId xmlns:a16="http://schemas.microsoft.com/office/drawing/2014/main" id="{0AD69E0B-8821-6D4E-9CB0-419E45AE5D16}"/>
+              </a:ext>
+            </a:extLst>
+          </p:cNvPr>
+          <p:cNvCxnSpPr/>
+          <p:nvPr/>
+        </p:nvCxnSpPr>
+        <p:spPr>
+          <a:xfrm>
+            <a:off x="628650" y="701749"/>
+            <a:ext cx="7886700" cy="0"/>
+          </a:xfrm>
+          <a:prstGeom prst="line">
+            <a:avLst/>
+          </a:prstGeom>
+          <a:ln w="19050"/>
+        </p:spPr>
+        <p:style>
+          <a:lnRef idx="1">
+            <a:schemeClr val="accent1"/>
+          </a:lnRef>
+          <a:fillRef idx="0">
+            <a:schemeClr val="accent1"/>
+          </a:fillRef>
+          <a:effectRef idx="0">
+            <a:schemeClr val="accent1"/>
+          </a:effectRef>
+          <a:fontRef idx="minor">
+            <a:schemeClr val="tx1"/>
+          </a:fontRef>
+        </p:style>
+      </p:cxnSp>
+      <p:sp>
+        <p:nvSpPr>
+          <p:cNvPr id="10" name="Foliennummernplatzhalter 7">
+            <a:extLst>
+              <a:ext uri="{FF2B5EF4-FFF2-40B4-BE49-F238E27FC236}">
+                <a16:creationId xmlns:a16="http://schemas.microsoft.com/office/drawing/2014/main" id="{9071D67C-0761-AE40-B0C9-6FCD37958A2D}"/>
+              </a:ext>
+            </a:extLst>
+          </p:cNvPr>
+          <p:cNvSpPr>
+            <a:spLocks noGrp="1"/>
+          </p:cNvSpPr>
+          <p:nvPr>
+            <p:ph type="sldNum" sz="quarter" idx="12"/>
+          </p:nvPr>
+        </p:nvSpPr>
+        <p:spPr>
+          <a:xfrm>
+            <a:off x="6457950" y="6492875"/>
+            <a:ext cx="2057400" cy="365125"/>
+          </a:xfrm>
+        </p:spPr>
+        <p:txBody>
+          <a:bodyPr/>
+          <a:lstStyle/>
+          <a:p>
+            <a:fld id="{33D1F4C7-E7FD-814C-996E-6B4DFE7BF75E}" type="slidenum">
+              <a:rPr lang="de-DE" smtClean="0">
+                <a:solidFill>
+                  <a:schemeClr val="tx1"/>
+                </a:solidFill>
+                <a:latin typeface="Helvetica Neue" panose="02000503000000020004" pitchFamily="2" charset="0"/>
+                <a:ea typeface="Helvetica Neue" panose="02000503000000020004" pitchFamily="2" charset="0"/>
+                <a:cs typeface="Helvetica Neue" panose="02000503000000020004" pitchFamily="2" charset="0"/>
+              </a:rPr>
+              <a:pPr/>
+              <a:t>15</a:t>
+            </a:fld>
+            <a:endParaRPr lang="de-DE" dirty="0">
+              <a:solidFill>
+                <a:schemeClr val="tx1"/>
+              </a:solidFill>
+              <a:latin typeface="Helvetica Neue" panose="02000503000000020004" pitchFamily="2" charset="0"/>
+              <a:ea typeface="Helvetica Neue" panose="02000503000000020004" pitchFamily="2" charset="0"/>
+              <a:cs typeface="Helvetica Neue" panose="02000503000000020004" pitchFamily="2" charset="0"/>
+            </a:endParaRPr>
+          </a:p>
+        </p:txBody>
+      </p:sp>
+      <p:sp>
+        <p:nvSpPr>
+          <p:cNvPr id="13" name="Datumsplatzhalter 5">
+            <a:extLst>
+              <a:ext uri="{FF2B5EF4-FFF2-40B4-BE49-F238E27FC236}">
+                <a16:creationId xmlns:a16="http://schemas.microsoft.com/office/drawing/2014/main" id="{B76C9C4A-3763-EF48-AF20-A0BEFB490291}"/>
+              </a:ext>
+            </a:extLst>
+          </p:cNvPr>
+          <p:cNvSpPr>
+            <a:spLocks noGrp="1"/>
+          </p:cNvSpPr>
+          <p:nvPr>
+            <p:ph type="dt" sz="half" idx="10"/>
+          </p:nvPr>
+        </p:nvSpPr>
+        <p:spPr>
+          <a:xfrm>
+            <a:off x="628650" y="6492875"/>
+            <a:ext cx="2057400" cy="365125"/>
+          </a:xfrm>
+        </p:spPr>
+        <p:txBody>
+          <a:bodyPr/>
+          <a:lstStyle/>
+          <a:p>
+            <a:r>
+              <a:rPr lang="de-DE" dirty="0">
+                <a:solidFill>
+                  <a:schemeClr val="tx1"/>
+                </a:solidFill>
+                <a:latin typeface="Helvetica Neue" panose="02000503000000020004" pitchFamily="2" charset="0"/>
+                <a:ea typeface="Helvetica Neue" panose="02000503000000020004" pitchFamily="2" charset="0"/>
+                <a:cs typeface="Helvetica Neue" panose="02000503000000020004" pitchFamily="2" charset="0"/>
+              </a:rPr>
+              <a:t>14.08.20</a:t>
+            </a:r>
+          </a:p>
+        </p:txBody>
+      </p:sp>
+      <p:sp>
+        <p:nvSpPr>
+          <p:cNvPr id="14" name="Fußzeilenplatzhalter 6">
+            <a:extLst>
+              <a:ext uri="{FF2B5EF4-FFF2-40B4-BE49-F238E27FC236}">
+                <a16:creationId xmlns:a16="http://schemas.microsoft.com/office/drawing/2014/main" id="{C47564DE-68CC-DB46-9239-AD5A89282CC1}"/>
+              </a:ext>
+            </a:extLst>
+          </p:cNvPr>
+          <p:cNvSpPr>
+            <a:spLocks noGrp="1"/>
+          </p:cNvSpPr>
+          <p:nvPr>
+            <p:ph type="ftr" sz="quarter" idx="11"/>
+          </p:nvPr>
+        </p:nvSpPr>
+        <p:spPr>
+          <a:xfrm>
+            <a:off x="2669721" y="6501821"/>
+            <a:ext cx="3804557" cy="365125"/>
+          </a:xfrm>
+        </p:spPr>
+        <p:txBody>
+          <a:bodyPr/>
+          <a:lstStyle/>
+          <a:p>
+            <a:r>
+              <a:rPr lang="de-DE" dirty="0">
+                <a:solidFill>
+                  <a:schemeClr val="tx1"/>
+                </a:solidFill>
+                <a:latin typeface="Helvetica Neue" panose="02000503000000020004" pitchFamily="2" charset="0"/>
+                <a:ea typeface="Helvetica Neue" panose="02000503000000020004" pitchFamily="2" charset="0"/>
+                <a:cs typeface="Helvetica Neue" panose="02000503000000020004" pitchFamily="2" charset="0"/>
+              </a:rPr>
+              <a:t>Seminar </a:t>
+            </a:r>
+            <a:r>
+              <a:rPr lang="en-US" dirty="0">
+                <a:solidFill>
+                  <a:schemeClr val="tx1"/>
+                </a:solidFill>
+                <a:latin typeface="Helvetica Neue" panose="02000503000000020004" pitchFamily="2" charset="0"/>
+                <a:ea typeface="Helvetica Neue" panose="02000503000000020004" pitchFamily="2" charset="0"/>
+                <a:cs typeface="Helvetica Neue" panose="02000503000000020004" pitchFamily="2" charset="0"/>
+              </a:rPr>
+              <a:t>Ubiquitous</a:t>
+            </a:r>
+            <a:r>
+              <a:rPr lang="de-DE" dirty="0">
+                <a:solidFill>
+                  <a:schemeClr val="tx1"/>
+                </a:solidFill>
+                <a:latin typeface="Helvetica Neue" panose="02000503000000020004" pitchFamily="2" charset="0"/>
+                <a:ea typeface="Helvetica Neue" panose="02000503000000020004" pitchFamily="2" charset="0"/>
+                <a:cs typeface="Helvetica Neue" panose="02000503000000020004" pitchFamily="2" charset="0"/>
+              </a:rPr>
+              <a:t> Computing - Simon Schwarz</a:t>
+            </a:r>
+          </a:p>
+        </p:txBody>
+      </p:sp>
+      <p:pic>
+        <p:nvPicPr>
+          <p:cNvPr id="5" name="Grafik 4">
+            <a:extLst>
+              <a:ext uri="{FF2B5EF4-FFF2-40B4-BE49-F238E27FC236}">
+                <a16:creationId xmlns:a16="http://schemas.microsoft.com/office/drawing/2014/main" id="{B3832426-36DA-CA47-BE63-5754FF48C8C3}"/>
+              </a:ext>
+            </a:extLst>
+          </p:cNvPr>
+          <p:cNvPicPr>
+            <a:picLocks noChangeAspect="1"/>
+          </p:cNvPicPr>
+          <p:nvPr/>
+        </p:nvPicPr>
+        <p:blipFill>
+          <a:blip r:embed="rId3"/>
+          <a:stretch>
+            <a:fillRect/>
+          </a:stretch>
+        </p:blipFill>
+        <p:spPr>
+          <a:xfrm>
+            <a:off x="800100" y="1898650"/>
+            <a:ext cx="7543800" cy="3060700"/>
+          </a:xfrm>
+          <a:prstGeom prst="rect">
+            <a:avLst/>
+          </a:prstGeom>
+        </p:spPr>
+      </p:pic>
+    </p:spTree>
+    <p:extLst>
+      <p:ext uri="{BB962C8B-B14F-4D97-AF65-F5344CB8AC3E}">
+        <p14:creationId xmlns:p14="http://schemas.microsoft.com/office/powerpoint/2010/main" val="3895809308"/>
+      </p:ext>
+    </p:extLst>
+  </p:cSld>
+  <p:clrMapOvr>
+    <a:masterClrMapping/>
+  </p:clrMapOvr>
+</p:sld>
+</file>
+
+<file path=ppt/slides/slide16.xml><?xml version="1.0" encoding="utf-8"?>
+<p:sld xmlns:a="http://schemas.openxmlformats.org/drawingml/2006/main" xmlns:r="http://schemas.openxmlformats.org/officeDocument/2006/relationships" xmlns:p="http://schemas.openxmlformats.org/presentationml/2006/main">
+  <p:cSld>
+    <p:spTree>
+      <p:nvGrpSpPr>
+        <p:cNvPr id="1" name=""/>
+        <p:cNvGrpSpPr/>
+        <p:nvPr/>
+      </p:nvGrpSpPr>
+      <p:grpSpPr>
+        <a:xfrm>
+          <a:off x="0" y="0"/>
+          <a:ext cx="0" cy="0"/>
+          <a:chOff x="0" y="0"/>
+          <a:chExt cx="0" cy="0"/>
+        </a:xfrm>
+      </p:grpSpPr>
+      <p:sp>
+        <p:nvSpPr>
+          <p:cNvPr id="2" name="Titel 1">
+            <a:extLst>
+              <a:ext uri="{FF2B5EF4-FFF2-40B4-BE49-F238E27FC236}">
+                <a16:creationId xmlns:a16="http://schemas.microsoft.com/office/drawing/2014/main" id="{BFDC6B1A-C50B-EF45-9010-6D7A0B0ADB0E}"/>
+              </a:ext>
+            </a:extLst>
+          </p:cNvPr>
+          <p:cNvSpPr>
+            <a:spLocks noGrp="1"/>
+          </p:cNvSpPr>
+          <p:nvPr>
+            <p:ph type="title"/>
+          </p:nvPr>
+        </p:nvSpPr>
+        <p:spPr>
+          <a:xfrm>
+            <a:off x="628650" y="0"/>
+            <a:ext cx="7886700" cy="903767"/>
+          </a:xfrm>
+        </p:spPr>
+        <p:txBody>
+          <a:bodyPr>
+            <a:normAutofit/>
+          </a:bodyPr>
+          <a:lstStyle/>
+          <a:p>
+            <a:pPr algn="ctr"/>
+            <a:r>
+              <a:rPr lang="de-DE" sz="3200" dirty="0" err="1">
+                <a:latin typeface="Helvetica Neue" panose="02000503000000020004" pitchFamily="2" charset="0"/>
+                <a:ea typeface="Helvetica Neue" panose="02000503000000020004" pitchFamily="2" charset="0"/>
+                <a:cs typeface="Helvetica Neue" panose="02000503000000020004" pitchFamily="2" charset="0"/>
+              </a:rPr>
+              <a:t>Conclusion</a:t>
+            </a:r>
+            <a:endParaRPr lang="de-DE" sz="3200" dirty="0">
+              <a:latin typeface="Helvetica Neue" panose="02000503000000020004" pitchFamily="2" charset="0"/>
+              <a:ea typeface="Helvetica Neue" panose="02000503000000020004" pitchFamily="2" charset="0"/>
+              <a:cs typeface="Helvetica Neue" panose="02000503000000020004" pitchFamily="2" charset="0"/>
+            </a:endParaRPr>
+          </a:p>
+        </p:txBody>
+      </p:sp>
+      <p:sp>
+        <p:nvSpPr>
+          <p:cNvPr id="3" name="Inhaltsplatzhalter 2">
+            <a:extLst>
+              <a:ext uri="{FF2B5EF4-FFF2-40B4-BE49-F238E27FC236}">
+                <a16:creationId xmlns:a16="http://schemas.microsoft.com/office/drawing/2014/main" id="{F5811B9C-926A-9A46-B41C-3D8E1933BF2B}"/>
+              </a:ext>
+            </a:extLst>
+          </p:cNvPr>
+          <p:cNvSpPr>
+            <a:spLocks noGrp="1"/>
+          </p:cNvSpPr>
+          <p:nvPr>
+            <p:ph idx="1"/>
+          </p:nvPr>
+        </p:nvSpPr>
+        <p:spPr>
+          <a:xfrm>
+            <a:off x="235244" y="921857"/>
+            <a:ext cx="8908755" cy="5475321"/>
+          </a:xfrm>
+        </p:spPr>
+        <p:txBody>
+          <a:bodyPr>
+            <a:normAutofit/>
+          </a:bodyPr>
+          <a:lstStyle/>
+          <a:p>
+            <a:r>
+              <a:rPr lang="en-US" sz="2400" dirty="0">
+                <a:latin typeface="Helvetica Neue" panose="02000503000000020004" pitchFamily="2" charset="0"/>
+                <a:ea typeface="Helvetica Neue" panose="02000503000000020004" pitchFamily="2" charset="0"/>
+                <a:cs typeface="Helvetica Neue" panose="02000503000000020004" pitchFamily="2" charset="0"/>
+              </a:rPr>
+              <a:t>Go…</a:t>
+            </a:r>
+          </a:p>
+        </p:txBody>
+      </p:sp>
+      <p:sp>
+        <p:nvSpPr>
+          <p:cNvPr id="11" name="Foliennummernplatzhalter 7">
+            <a:extLst>
+              <a:ext uri="{FF2B5EF4-FFF2-40B4-BE49-F238E27FC236}">
+                <a16:creationId xmlns:a16="http://schemas.microsoft.com/office/drawing/2014/main" id="{1FB1F040-1A5F-FD42-988A-36F71C3500AA}"/>
+              </a:ext>
+            </a:extLst>
+          </p:cNvPr>
+          <p:cNvSpPr>
+            <a:spLocks noGrp="1"/>
+          </p:cNvSpPr>
+          <p:nvPr>
+            <p:ph type="sldNum" sz="quarter" idx="12"/>
+          </p:nvPr>
+        </p:nvSpPr>
+        <p:spPr>
+          <a:xfrm>
+            <a:off x="6457950" y="6492875"/>
+            <a:ext cx="2057400" cy="365125"/>
+          </a:xfrm>
+        </p:spPr>
+        <p:txBody>
+          <a:bodyPr/>
+          <a:lstStyle/>
+          <a:p>
+            <a:fld id="{33D1F4C7-E7FD-814C-996E-6B4DFE7BF75E}" type="slidenum">
+              <a:rPr lang="de-DE" smtClean="0">
+                <a:solidFill>
+                  <a:schemeClr val="tx1"/>
+                </a:solidFill>
+                <a:latin typeface="Helvetica Neue" panose="02000503000000020004" pitchFamily="2" charset="0"/>
+                <a:ea typeface="Helvetica Neue" panose="02000503000000020004" pitchFamily="2" charset="0"/>
+                <a:cs typeface="Helvetica Neue" panose="02000503000000020004" pitchFamily="2" charset="0"/>
+              </a:rPr>
+              <a:pPr/>
+              <a:t>16</a:t>
+            </a:fld>
+            <a:endParaRPr lang="de-DE" dirty="0">
+              <a:solidFill>
+                <a:schemeClr val="tx1"/>
+              </a:solidFill>
+              <a:latin typeface="Helvetica Neue" panose="02000503000000020004" pitchFamily="2" charset="0"/>
+              <a:ea typeface="Helvetica Neue" panose="02000503000000020004" pitchFamily="2" charset="0"/>
+              <a:cs typeface="Helvetica Neue" panose="02000503000000020004" pitchFamily="2" charset="0"/>
+            </a:endParaRPr>
+          </a:p>
+        </p:txBody>
+      </p:sp>
+      <p:cxnSp>
+        <p:nvCxnSpPr>
+          <p:cNvPr id="12" name="Gerade Verbindung 11">
+            <a:extLst>
+              <a:ext uri="{FF2B5EF4-FFF2-40B4-BE49-F238E27FC236}">
+                <a16:creationId xmlns:a16="http://schemas.microsoft.com/office/drawing/2014/main" id="{CC0CD278-CCB2-DB41-BDE1-2B0E99215440}"/>
+              </a:ext>
+            </a:extLst>
+          </p:cNvPr>
+          <p:cNvCxnSpPr/>
+          <p:nvPr/>
+        </p:nvCxnSpPr>
+        <p:spPr>
+          <a:xfrm>
+            <a:off x="628650" y="701749"/>
+            <a:ext cx="7886700" cy="0"/>
+          </a:xfrm>
+          <a:prstGeom prst="line">
+            <a:avLst/>
+          </a:prstGeom>
+          <a:ln w="19050"/>
+        </p:spPr>
+        <p:style>
+          <a:lnRef idx="1">
+            <a:schemeClr val="accent1"/>
+          </a:lnRef>
+          <a:fillRef idx="0">
+            <a:schemeClr val="accent1"/>
+          </a:fillRef>
+          <a:effectRef idx="0">
+            <a:schemeClr val="accent1"/>
+          </a:effectRef>
+          <a:fontRef idx="minor">
+            <a:schemeClr val="tx1"/>
+          </a:fontRef>
+        </p:style>
+      </p:cxnSp>
+      <p:sp>
+        <p:nvSpPr>
+          <p:cNvPr id="10" name="Datumsplatzhalter 5">
+            <a:extLst>
+              <a:ext uri="{FF2B5EF4-FFF2-40B4-BE49-F238E27FC236}">
+                <a16:creationId xmlns:a16="http://schemas.microsoft.com/office/drawing/2014/main" id="{6CC0421A-F3BB-3D47-B3D1-24AEC93F5041}"/>
+              </a:ext>
+            </a:extLst>
+          </p:cNvPr>
+          <p:cNvSpPr>
+            <a:spLocks noGrp="1"/>
+          </p:cNvSpPr>
+          <p:nvPr>
+            <p:ph type="dt" sz="half" idx="10"/>
+          </p:nvPr>
+        </p:nvSpPr>
+        <p:spPr>
+          <a:xfrm>
+            <a:off x="628650" y="6492875"/>
+            <a:ext cx="2057400" cy="365125"/>
+          </a:xfrm>
+        </p:spPr>
+        <p:txBody>
+          <a:bodyPr/>
+          <a:lstStyle/>
+          <a:p>
+            <a:r>
+              <a:rPr lang="de-DE" dirty="0">
+                <a:solidFill>
+                  <a:schemeClr val="tx1"/>
+                </a:solidFill>
+                <a:latin typeface="Helvetica Neue" panose="02000503000000020004" pitchFamily="2" charset="0"/>
+                <a:ea typeface="Helvetica Neue" panose="02000503000000020004" pitchFamily="2" charset="0"/>
+                <a:cs typeface="Helvetica Neue" panose="02000503000000020004" pitchFamily="2" charset="0"/>
+              </a:rPr>
+              <a:t>14.08.20</a:t>
+            </a:r>
+          </a:p>
+        </p:txBody>
+      </p:sp>
+      <p:sp>
+        <p:nvSpPr>
+          <p:cNvPr id="13" name="Fußzeilenplatzhalter 6">
+            <a:extLst>
+              <a:ext uri="{FF2B5EF4-FFF2-40B4-BE49-F238E27FC236}">
+                <a16:creationId xmlns:a16="http://schemas.microsoft.com/office/drawing/2014/main" id="{FB671D82-30DC-644D-A376-CB50FD529040}"/>
+              </a:ext>
+            </a:extLst>
+          </p:cNvPr>
+          <p:cNvSpPr>
+            <a:spLocks noGrp="1"/>
+          </p:cNvSpPr>
+          <p:nvPr>
+            <p:ph type="ftr" sz="quarter" idx="11"/>
+          </p:nvPr>
+        </p:nvSpPr>
+        <p:spPr>
+          <a:xfrm>
+            <a:off x="2669721" y="6501821"/>
+            <a:ext cx="3804557" cy="365125"/>
+          </a:xfrm>
+        </p:spPr>
+        <p:txBody>
+          <a:bodyPr/>
+          <a:lstStyle/>
+          <a:p>
+            <a:r>
+              <a:rPr lang="de-DE" dirty="0">
+                <a:solidFill>
+                  <a:schemeClr val="tx1"/>
+                </a:solidFill>
+                <a:latin typeface="Helvetica Neue" panose="02000503000000020004" pitchFamily="2" charset="0"/>
+                <a:ea typeface="Helvetica Neue" panose="02000503000000020004" pitchFamily="2" charset="0"/>
+                <a:cs typeface="Helvetica Neue" panose="02000503000000020004" pitchFamily="2" charset="0"/>
+              </a:rPr>
+              <a:t>Seminar </a:t>
+            </a:r>
+            <a:r>
+              <a:rPr lang="en-US" dirty="0">
+                <a:solidFill>
+                  <a:schemeClr val="tx1"/>
+                </a:solidFill>
+                <a:latin typeface="Helvetica Neue" panose="02000503000000020004" pitchFamily="2" charset="0"/>
+                <a:ea typeface="Helvetica Neue" panose="02000503000000020004" pitchFamily="2" charset="0"/>
+                <a:cs typeface="Helvetica Neue" panose="02000503000000020004" pitchFamily="2" charset="0"/>
+              </a:rPr>
+              <a:t>Ubiquitous</a:t>
+            </a:r>
+            <a:r>
+              <a:rPr lang="de-DE" dirty="0">
+                <a:solidFill>
+                  <a:schemeClr val="tx1"/>
+                </a:solidFill>
+                <a:latin typeface="Helvetica Neue" panose="02000503000000020004" pitchFamily="2" charset="0"/>
+                <a:ea typeface="Helvetica Neue" panose="02000503000000020004" pitchFamily="2" charset="0"/>
+                <a:cs typeface="Helvetica Neue" panose="02000503000000020004" pitchFamily="2" charset="0"/>
+              </a:rPr>
+              <a:t> Computing - Simon Schwarz</a:t>
+            </a:r>
+          </a:p>
+        </p:txBody>
+      </p:sp>
+    </p:spTree>
+    <p:extLst>
+      <p:ext uri="{BB962C8B-B14F-4D97-AF65-F5344CB8AC3E}">
+        <p14:creationId xmlns:p14="http://schemas.microsoft.com/office/powerpoint/2010/main" val="2028176055"/>
+      </p:ext>
+    </p:extLst>
+  </p:cSld>
+  <p:clrMapOvr>
+    <a:masterClrMapping/>
+  </p:clrMapOvr>
+</p:sld>
+</file>
+
 <file path=ppt/slides/slide2.xml><?xml version="1.0" encoding="utf-8"?>
 <p:sld xmlns:a="http://schemas.openxmlformats.org/drawingml/2006/main" xmlns:r="http://schemas.openxmlformats.org/officeDocument/2006/relationships" xmlns:p="http://schemas.openxmlformats.org/presentationml/2006/main">
   <p:cSld>
@@ -4437,23 +7862,7 @@
                 <a:ea typeface="Helvetica Neue" panose="02000503000000020004" pitchFamily="2" charset="0"/>
                 <a:cs typeface="Helvetica Neue" panose="02000503000000020004" pitchFamily="2" charset="0"/>
               </a:rPr>
-              <a:t>Monte Carlo </a:t>
-            </a:r>
-            <a:r>
-              <a:rPr lang="de-DE" sz="3200" dirty="0" err="1">
-                <a:latin typeface="Helvetica Neue" panose="02000503000000020004" pitchFamily="2" charset="0"/>
-                <a:ea typeface="Helvetica Neue" panose="02000503000000020004" pitchFamily="2" charset="0"/>
-                <a:cs typeface="Helvetica Neue" panose="02000503000000020004" pitchFamily="2" charset="0"/>
-              </a:rPr>
-              <a:t>Tree</a:t>
-            </a:r>
-            <a:r>
-              <a:rPr lang="de-DE" sz="3200" dirty="0">
-                <a:latin typeface="Helvetica Neue" panose="02000503000000020004" pitchFamily="2" charset="0"/>
-                <a:ea typeface="Helvetica Neue" panose="02000503000000020004" pitchFamily="2" charset="0"/>
-                <a:cs typeface="Helvetica Neue" panose="02000503000000020004" pitchFamily="2" charset="0"/>
-              </a:rPr>
-              <a:t> Search</a:t>
+              <a:t>Basics: Setting</a:t>
             </a:r>
           </a:p>
         </p:txBody>
@@ -4648,10 +8057,10 @@
       </p:sp>
       <p:pic>
         <p:nvPicPr>
-          <p:cNvPr id="17" name="Grafik 16" descr="Ein Bild, das Text enthält.&#10;&#10;Automatisch generierte Beschreibung">
+          <p:cNvPr id="9" name="Grafik 8" descr="Ein Bild, das Objekt, Lampe, Spiel enthält.&#10;&#10;Automatisch generierte Beschreibung">
             <a:extLst>
               <a:ext uri="{FF2B5EF4-FFF2-40B4-BE49-F238E27FC236}">
-                <a16:creationId xmlns:a16="http://schemas.microsoft.com/office/drawing/2014/main" id="{747C74CC-9A47-FB43-A74E-3839C8EBD1F8}"/>
+                <a16:creationId xmlns:a16="http://schemas.microsoft.com/office/drawing/2014/main" id="{F649E69F-5280-CC4E-820A-10196956D747}"/>
               </a:ext>
             </a:extLst>
           </p:cNvPr>
@@ -4668,14 +8077,887 @@
         </p:blipFill>
         <p:spPr>
           <a:xfrm>
-            <a:off x="1056903" y="817500"/>
-            <a:ext cx="7030192" cy="5565568"/>
+            <a:off x="628650" y="881818"/>
+            <a:ext cx="5449083" cy="5274433"/>
           </a:xfrm>
           <a:prstGeom prst="rect">
             <a:avLst/>
           </a:prstGeom>
         </p:spPr>
       </p:pic>
+      <p:sp>
+        <p:nvSpPr>
+          <p:cNvPr id="11" name="Textfeld 10">
+            <a:extLst>
+              <a:ext uri="{FF2B5EF4-FFF2-40B4-BE49-F238E27FC236}">
+                <a16:creationId xmlns:a16="http://schemas.microsoft.com/office/drawing/2014/main" id="{93FE53EE-F62E-9841-B927-2A5A7297B390}"/>
+              </a:ext>
+            </a:extLst>
+          </p:cNvPr>
+          <p:cNvSpPr txBox="1"/>
+          <p:nvPr/>
+        </p:nvSpPr>
+        <p:spPr>
+          <a:xfrm>
+            <a:off x="1634490" y="1741023"/>
+            <a:ext cx="731520" cy="523220"/>
+          </a:xfrm>
+          <a:prstGeom prst="rect">
+            <a:avLst/>
+          </a:prstGeom>
+          <a:noFill/>
+        </p:spPr>
+        <p:txBody>
+          <a:bodyPr wrap="square" rtlCol="0">
+            <a:spAutoFit/>
+          </a:bodyPr>
+          <a:lstStyle/>
+          <a:p>
+            <a:pPr algn="ctr"/>
+            <a:r>
+              <a:rPr lang="de-DE" sz="2800" dirty="0">
+                <a:ln w="0"/>
+                <a:solidFill>
+                  <a:schemeClr val="accent1"/>
+                </a:solidFill>
+                <a:effectLst>
+                  <a:outerShdw blurRad="38100" dist="25400" dir="5400000" algn="ctr" rotWithShape="0">
+                    <a:srgbClr val="6E747A">
+                      <a:alpha val="43000"/>
+                    </a:srgbClr>
+                  </a:outerShdw>
+                </a:effectLst>
+                <a:latin typeface="Cambria Math" panose="02040503050406030204" pitchFamily="18" charset="0"/>
+                <a:ea typeface="Cambria Math" panose="02040503050406030204" pitchFamily="18" charset="0"/>
+              </a:rPr>
+              <a:t>a</a:t>
+            </a:r>
+            <a:r>
+              <a:rPr lang="de-DE" sz="2800" baseline="-25000" dirty="0">
+                <a:ln w="0"/>
+                <a:solidFill>
+                  <a:schemeClr val="accent1"/>
+                </a:solidFill>
+                <a:effectLst>
+                  <a:outerShdw blurRad="38100" dist="25400" dir="5400000" algn="ctr" rotWithShape="0">
+                    <a:srgbClr val="6E747A">
+                      <a:alpha val="43000"/>
+                    </a:srgbClr>
+                  </a:outerShdw>
+                </a:effectLst>
+                <a:latin typeface="Cambria Math" panose="02040503050406030204" pitchFamily="18" charset="0"/>
+                <a:ea typeface="Cambria Math" panose="02040503050406030204" pitchFamily="18" charset="0"/>
+              </a:rPr>
+              <a:t>0</a:t>
+            </a:r>
+            <a:endParaRPr lang="de-DE" baseline="-25000" dirty="0">
+              <a:ln w="0"/>
+              <a:solidFill>
+                <a:schemeClr val="accent1"/>
+              </a:solidFill>
+              <a:effectLst>
+                <a:outerShdw blurRad="38100" dist="25400" dir="5400000" algn="ctr" rotWithShape="0">
+                  <a:srgbClr val="6E747A">
+                    <a:alpha val="43000"/>
+                  </a:srgbClr>
+                </a:outerShdw>
+              </a:effectLst>
+              <a:latin typeface="Cambria Math" panose="02040503050406030204" pitchFamily="18" charset="0"/>
+              <a:ea typeface="Cambria Math" panose="02040503050406030204" pitchFamily="18" charset="0"/>
+            </a:endParaRPr>
+          </a:p>
+        </p:txBody>
+      </p:sp>
+      <p:sp>
+        <p:nvSpPr>
+          <p:cNvPr id="16" name="Textfeld 15">
+            <a:extLst>
+              <a:ext uri="{FF2B5EF4-FFF2-40B4-BE49-F238E27FC236}">
+                <a16:creationId xmlns:a16="http://schemas.microsoft.com/office/drawing/2014/main" id="{8B256004-B370-B64D-B2AA-6EB08969355C}"/>
+              </a:ext>
+            </a:extLst>
+          </p:cNvPr>
+          <p:cNvSpPr txBox="1"/>
+          <p:nvPr/>
+        </p:nvSpPr>
+        <p:spPr>
+          <a:xfrm>
+            <a:off x="4415006" y="1744686"/>
+            <a:ext cx="731520" cy="523220"/>
+          </a:xfrm>
+          <a:prstGeom prst="rect">
+            <a:avLst/>
+          </a:prstGeom>
+          <a:noFill/>
+        </p:spPr>
+        <p:txBody>
+          <a:bodyPr wrap="square" rtlCol="0">
+            <a:spAutoFit/>
+          </a:bodyPr>
+          <a:lstStyle/>
+          <a:p>
+            <a:pPr algn="ctr"/>
+            <a:r>
+              <a:rPr lang="de-DE" sz="2800" dirty="0">
+                <a:ln w="0"/>
+                <a:solidFill>
+                  <a:schemeClr val="accent1"/>
+                </a:solidFill>
+                <a:effectLst>
+                  <a:outerShdw blurRad="38100" dist="25400" dir="5400000" algn="ctr" rotWithShape="0">
+                    <a:srgbClr val="6E747A">
+                      <a:alpha val="43000"/>
+                    </a:srgbClr>
+                  </a:outerShdw>
+                </a:effectLst>
+                <a:latin typeface="Cambria Math" panose="02040503050406030204" pitchFamily="18" charset="0"/>
+                <a:ea typeface="Cambria Math" panose="02040503050406030204" pitchFamily="18" charset="0"/>
+              </a:rPr>
+              <a:t>a</a:t>
+            </a:r>
+            <a:r>
+              <a:rPr lang="de-DE" sz="2800" baseline="-25000" dirty="0">
+                <a:ln w="0"/>
+                <a:solidFill>
+                  <a:schemeClr val="accent1"/>
+                </a:solidFill>
+                <a:effectLst>
+                  <a:outerShdw blurRad="38100" dist="25400" dir="5400000" algn="ctr" rotWithShape="0">
+                    <a:srgbClr val="6E747A">
+                      <a:alpha val="43000"/>
+                    </a:srgbClr>
+                  </a:outerShdw>
+                </a:effectLst>
+                <a:latin typeface="Cambria Math" panose="02040503050406030204" pitchFamily="18" charset="0"/>
+                <a:ea typeface="Cambria Math" panose="02040503050406030204" pitchFamily="18" charset="0"/>
+              </a:rPr>
+              <a:t>2</a:t>
+            </a:r>
+            <a:endParaRPr lang="de-DE" baseline="-25000" dirty="0">
+              <a:ln w="0"/>
+              <a:solidFill>
+                <a:schemeClr val="accent1"/>
+              </a:solidFill>
+              <a:effectLst>
+                <a:outerShdw blurRad="38100" dist="25400" dir="5400000" algn="ctr" rotWithShape="0">
+                  <a:srgbClr val="6E747A">
+                    <a:alpha val="43000"/>
+                  </a:srgbClr>
+                </a:outerShdw>
+              </a:effectLst>
+              <a:latin typeface="Cambria Math" panose="02040503050406030204" pitchFamily="18" charset="0"/>
+              <a:ea typeface="Cambria Math" panose="02040503050406030204" pitchFamily="18" charset="0"/>
+            </a:endParaRPr>
+          </a:p>
+        </p:txBody>
+      </p:sp>
+      <p:sp>
+        <p:nvSpPr>
+          <p:cNvPr id="18" name="Textfeld 17">
+            <a:extLst>
+              <a:ext uri="{FF2B5EF4-FFF2-40B4-BE49-F238E27FC236}">
+                <a16:creationId xmlns:a16="http://schemas.microsoft.com/office/drawing/2014/main" id="{13D95CC9-49D1-2B41-8705-1D4AA6C196C0}"/>
+              </a:ext>
+            </a:extLst>
+          </p:cNvPr>
+          <p:cNvSpPr txBox="1"/>
+          <p:nvPr/>
+        </p:nvSpPr>
+        <p:spPr>
+          <a:xfrm>
+            <a:off x="3219058" y="1741024"/>
+            <a:ext cx="731520" cy="523220"/>
+          </a:xfrm>
+          <a:prstGeom prst="rect">
+            <a:avLst/>
+          </a:prstGeom>
+          <a:noFill/>
+        </p:spPr>
+        <p:txBody>
+          <a:bodyPr wrap="square" rtlCol="0">
+            <a:spAutoFit/>
+          </a:bodyPr>
+          <a:lstStyle/>
+          <a:p>
+            <a:pPr algn="ctr"/>
+            <a:r>
+              <a:rPr lang="de-DE" sz="2800" dirty="0">
+                <a:ln w="0"/>
+                <a:solidFill>
+                  <a:schemeClr val="accent1"/>
+                </a:solidFill>
+                <a:effectLst>
+                  <a:outerShdw blurRad="38100" dist="25400" dir="5400000" algn="ctr" rotWithShape="0">
+                    <a:srgbClr val="6E747A">
+                      <a:alpha val="43000"/>
+                    </a:srgbClr>
+                  </a:outerShdw>
+                </a:effectLst>
+                <a:latin typeface="Cambria Math" panose="02040503050406030204" pitchFamily="18" charset="0"/>
+                <a:ea typeface="Cambria Math" panose="02040503050406030204" pitchFamily="18" charset="0"/>
+              </a:rPr>
+              <a:t>a</a:t>
+            </a:r>
+            <a:r>
+              <a:rPr lang="de-DE" sz="2800" baseline="-25000" dirty="0">
+                <a:ln w="0"/>
+                <a:solidFill>
+                  <a:schemeClr val="accent1"/>
+                </a:solidFill>
+                <a:effectLst>
+                  <a:outerShdw blurRad="38100" dist="25400" dir="5400000" algn="ctr" rotWithShape="0">
+                    <a:srgbClr val="6E747A">
+                      <a:alpha val="43000"/>
+                    </a:srgbClr>
+                  </a:outerShdw>
+                </a:effectLst>
+                <a:latin typeface="Cambria Math" panose="02040503050406030204" pitchFamily="18" charset="0"/>
+                <a:ea typeface="Cambria Math" panose="02040503050406030204" pitchFamily="18" charset="0"/>
+              </a:rPr>
+              <a:t>1</a:t>
+            </a:r>
+            <a:endParaRPr lang="de-DE" baseline="-25000" dirty="0">
+              <a:ln w="0"/>
+              <a:solidFill>
+                <a:schemeClr val="accent1"/>
+              </a:solidFill>
+              <a:effectLst>
+                <a:outerShdw blurRad="38100" dist="25400" dir="5400000" algn="ctr" rotWithShape="0">
+                  <a:srgbClr val="6E747A">
+                    <a:alpha val="43000"/>
+                  </a:srgbClr>
+                </a:outerShdw>
+              </a:effectLst>
+              <a:latin typeface="Cambria Math" panose="02040503050406030204" pitchFamily="18" charset="0"/>
+              <a:ea typeface="Cambria Math" panose="02040503050406030204" pitchFamily="18" charset="0"/>
+            </a:endParaRPr>
+          </a:p>
+        </p:txBody>
+      </p:sp>
+      <p:sp>
+        <p:nvSpPr>
+          <p:cNvPr id="19" name="Textfeld 18">
+            <a:extLst>
+              <a:ext uri="{FF2B5EF4-FFF2-40B4-BE49-F238E27FC236}">
+                <a16:creationId xmlns:a16="http://schemas.microsoft.com/office/drawing/2014/main" id="{D739FD8A-CC54-3C45-9452-5FFC50899972}"/>
+              </a:ext>
+            </a:extLst>
+          </p:cNvPr>
+          <p:cNvSpPr txBox="1"/>
+          <p:nvPr/>
+        </p:nvSpPr>
+        <p:spPr>
+          <a:xfrm>
+            <a:off x="3021720" y="1021194"/>
+            <a:ext cx="731521" cy="523220"/>
+          </a:xfrm>
+          <a:prstGeom prst="rect">
+            <a:avLst/>
+          </a:prstGeom>
+          <a:noFill/>
+        </p:spPr>
+        <p:txBody>
+          <a:bodyPr wrap="square" rtlCol="0">
+            <a:spAutoFit/>
+          </a:bodyPr>
+          <a:lstStyle/>
+          <a:p>
+            <a:pPr algn="ctr"/>
+            <a:r>
+              <a:rPr lang="de-DE" sz="2800" dirty="0">
+                <a:ln w="0"/>
+                <a:solidFill>
+                  <a:schemeClr val="accent1"/>
+                </a:solidFill>
+                <a:effectLst>
+                  <a:outerShdw blurRad="38100" dist="25400" dir="5400000" algn="ctr" rotWithShape="0">
+                    <a:srgbClr val="6E747A">
+                      <a:alpha val="43000"/>
+                    </a:srgbClr>
+                  </a:outerShdw>
+                </a:effectLst>
+                <a:latin typeface="Cambria Math" panose="02040503050406030204" pitchFamily="18" charset="0"/>
+                <a:ea typeface="Cambria Math" panose="02040503050406030204" pitchFamily="18" charset="0"/>
+              </a:rPr>
+              <a:t>v</a:t>
+            </a:r>
+            <a:endParaRPr lang="de-DE" baseline="-25000" dirty="0">
+              <a:ln w="0"/>
+              <a:solidFill>
+                <a:schemeClr val="accent1"/>
+              </a:solidFill>
+              <a:effectLst>
+                <a:outerShdw blurRad="38100" dist="25400" dir="5400000" algn="ctr" rotWithShape="0">
+                  <a:srgbClr val="6E747A">
+                    <a:alpha val="43000"/>
+                  </a:srgbClr>
+                </a:outerShdw>
+              </a:effectLst>
+              <a:latin typeface="Cambria Math" panose="02040503050406030204" pitchFamily="18" charset="0"/>
+              <a:ea typeface="Cambria Math" panose="02040503050406030204" pitchFamily="18" charset="0"/>
+            </a:endParaRPr>
+          </a:p>
+        </p:txBody>
+      </p:sp>
+      <p:sp>
+        <p:nvSpPr>
+          <p:cNvPr id="20" name="Textfeld 19">
+            <a:extLst>
+              <a:ext uri="{FF2B5EF4-FFF2-40B4-BE49-F238E27FC236}">
+                <a16:creationId xmlns:a16="http://schemas.microsoft.com/office/drawing/2014/main" id="{5C19307D-0208-8D43-ABC1-703A05065B70}"/>
+              </a:ext>
+            </a:extLst>
+          </p:cNvPr>
+          <p:cNvSpPr txBox="1"/>
+          <p:nvPr/>
+        </p:nvSpPr>
+        <p:spPr>
+          <a:xfrm>
+            <a:off x="1505340" y="2521129"/>
+            <a:ext cx="731521" cy="523220"/>
+          </a:xfrm>
+          <a:prstGeom prst="rect">
+            <a:avLst/>
+          </a:prstGeom>
+          <a:noFill/>
+        </p:spPr>
+        <p:txBody>
+          <a:bodyPr wrap="square" rtlCol="0">
+            <a:spAutoFit/>
+          </a:bodyPr>
+          <a:lstStyle/>
+          <a:p>
+            <a:pPr algn="ctr"/>
+            <a:r>
+              <a:rPr lang="de-DE" sz="2800" dirty="0">
+                <a:ln w="0"/>
+                <a:solidFill>
+                  <a:schemeClr val="accent1"/>
+                </a:solidFill>
+                <a:effectLst>
+                  <a:outerShdw blurRad="38100" dist="25400" dir="5400000" algn="ctr" rotWithShape="0">
+                    <a:srgbClr val="6E747A">
+                      <a:alpha val="43000"/>
+                    </a:srgbClr>
+                  </a:outerShdw>
+                </a:effectLst>
+                <a:latin typeface="Cambria Math" panose="02040503050406030204" pitchFamily="18" charset="0"/>
+                <a:ea typeface="Cambria Math" panose="02040503050406030204" pitchFamily="18" charset="0"/>
+              </a:rPr>
+              <a:t>v‘</a:t>
+            </a:r>
+            <a:endParaRPr lang="de-DE" dirty="0">
+              <a:ln w="0"/>
+              <a:solidFill>
+                <a:schemeClr val="accent1"/>
+              </a:solidFill>
+              <a:effectLst>
+                <a:outerShdw blurRad="38100" dist="25400" dir="5400000" algn="ctr" rotWithShape="0">
+                  <a:srgbClr val="6E747A">
+                    <a:alpha val="43000"/>
+                  </a:srgbClr>
+                </a:outerShdw>
+              </a:effectLst>
+              <a:latin typeface="Cambria Math" panose="02040503050406030204" pitchFamily="18" charset="0"/>
+              <a:ea typeface="Cambria Math" panose="02040503050406030204" pitchFamily="18" charset="0"/>
+            </a:endParaRPr>
+          </a:p>
+        </p:txBody>
+      </p:sp>
+      <p:sp>
+        <p:nvSpPr>
+          <p:cNvPr id="21" name="Textfeld 20">
+            <a:extLst>
+              <a:ext uri="{FF2B5EF4-FFF2-40B4-BE49-F238E27FC236}">
+                <a16:creationId xmlns:a16="http://schemas.microsoft.com/office/drawing/2014/main" id="{6F0C6748-7DE7-B14B-B6CE-591455B1C3D2}"/>
+              </a:ext>
+            </a:extLst>
+          </p:cNvPr>
+          <p:cNvSpPr txBox="1"/>
+          <p:nvPr/>
+        </p:nvSpPr>
+        <p:spPr>
+          <a:xfrm>
+            <a:off x="3021719" y="2521129"/>
+            <a:ext cx="731521" cy="523220"/>
+          </a:xfrm>
+          <a:prstGeom prst="rect">
+            <a:avLst/>
+          </a:prstGeom>
+          <a:noFill/>
+        </p:spPr>
+        <p:txBody>
+          <a:bodyPr wrap="square" rtlCol="0">
+            <a:spAutoFit/>
+          </a:bodyPr>
+          <a:lstStyle/>
+          <a:p>
+            <a:pPr algn="ctr"/>
+            <a:r>
+              <a:rPr lang="de-DE" sz="2800" dirty="0">
+                <a:ln w="0"/>
+                <a:solidFill>
+                  <a:schemeClr val="accent1"/>
+                </a:solidFill>
+                <a:effectLst>
+                  <a:outerShdw blurRad="38100" dist="25400" dir="5400000" algn="ctr" rotWithShape="0">
+                    <a:srgbClr val="6E747A">
+                      <a:alpha val="43000"/>
+                    </a:srgbClr>
+                  </a:outerShdw>
+                </a:effectLst>
+                <a:latin typeface="Cambria Math" panose="02040503050406030204" pitchFamily="18" charset="0"/>
+                <a:ea typeface="Cambria Math" panose="02040503050406030204" pitchFamily="18" charset="0"/>
+              </a:rPr>
+              <a:t>v‘‘</a:t>
+            </a:r>
+            <a:endParaRPr lang="de-DE" dirty="0">
+              <a:ln w="0"/>
+              <a:solidFill>
+                <a:schemeClr val="accent1"/>
+              </a:solidFill>
+              <a:effectLst>
+                <a:outerShdw blurRad="38100" dist="25400" dir="5400000" algn="ctr" rotWithShape="0">
+                  <a:srgbClr val="6E747A">
+                    <a:alpha val="43000"/>
+                  </a:srgbClr>
+                </a:outerShdw>
+              </a:effectLst>
+              <a:latin typeface="Cambria Math" panose="02040503050406030204" pitchFamily="18" charset="0"/>
+              <a:ea typeface="Cambria Math" panose="02040503050406030204" pitchFamily="18" charset="0"/>
+            </a:endParaRPr>
+          </a:p>
+        </p:txBody>
+      </p:sp>
+      <p:sp>
+        <p:nvSpPr>
+          <p:cNvPr id="22" name="Textfeld 21">
+            <a:extLst>
+              <a:ext uri="{FF2B5EF4-FFF2-40B4-BE49-F238E27FC236}">
+                <a16:creationId xmlns:a16="http://schemas.microsoft.com/office/drawing/2014/main" id="{CFE162F2-B661-8448-8D09-580027533014}"/>
+              </a:ext>
+            </a:extLst>
+          </p:cNvPr>
+          <p:cNvSpPr txBox="1"/>
+          <p:nvPr/>
+        </p:nvSpPr>
+        <p:spPr>
+          <a:xfrm>
+            <a:off x="4538098" y="2545146"/>
+            <a:ext cx="731521" cy="523220"/>
+          </a:xfrm>
+          <a:prstGeom prst="rect">
+            <a:avLst/>
+          </a:prstGeom>
+          <a:noFill/>
+        </p:spPr>
+        <p:txBody>
+          <a:bodyPr wrap="square" rtlCol="0">
+            <a:spAutoFit/>
+          </a:bodyPr>
+          <a:lstStyle/>
+          <a:p>
+            <a:pPr algn="ctr"/>
+            <a:r>
+              <a:rPr lang="de-DE" sz="2800" dirty="0">
+                <a:ln w="0"/>
+                <a:solidFill>
+                  <a:schemeClr val="accent1"/>
+                </a:solidFill>
+                <a:effectLst>
+                  <a:outerShdw blurRad="38100" dist="25400" dir="5400000" algn="ctr" rotWithShape="0">
+                    <a:srgbClr val="6E747A">
+                      <a:alpha val="43000"/>
+                    </a:srgbClr>
+                  </a:outerShdw>
+                </a:effectLst>
+                <a:latin typeface="Cambria Math" panose="02040503050406030204" pitchFamily="18" charset="0"/>
+                <a:ea typeface="Cambria Math" panose="02040503050406030204" pitchFamily="18" charset="0"/>
+              </a:rPr>
+              <a:t>v</a:t>
+            </a:r>
+            <a:r>
+              <a:rPr lang="de-DE" sz="2800" baseline="30000" dirty="0">
+                <a:ln w="0"/>
+                <a:solidFill>
+                  <a:schemeClr val="accent1"/>
+                </a:solidFill>
+                <a:effectLst>
+                  <a:outerShdw blurRad="38100" dist="25400" dir="5400000" algn="ctr" rotWithShape="0">
+                    <a:srgbClr val="6E747A">
+                      <a:alpha val="43000"/>
+                    </a:srgbClr>
+                  </a:outerShdw>
+                </a:effectLst>
+                <a:latin typeface="Cambria Math" panose="02040503050406030204" pitchFamily="18" charset="0"/>
+                <a:ea typeface="Cambria Math" panose="02040503050406030204" pitchFamily="18" charset="0"/>
+              </a:rPr>
+              <a:t>(3)</a:t>
+            </a:r>
+            <a:endParaRPr lang="de-DE" baseline="30000" dirty="0">
+              <a:ln w="0"/>
+              <a:solidFill>
+                <a:schemeClr val="accent1"/>
+              </a:solidFill>
+              <a:effectLst>
+                <a:outerShdw blurRad="38100" dist="25400" dir="5400000" algn="ctr" rotWithShape="0">
+                  <a:srgbClr val="6E747A">
+                    <a:alpha val="43000"/>
+                  </a:srgbClr>
+                </a:outerShdw>
+              </a:effectLst>
+              <a:latin typeface="Cambria Math" panose="02040503050406030204" pitchFamily="18" charset="0"/>
+              <a:ea typeface="Cambria Math" panose="02040503050406030204" pitchFamily="18" charset="0"/>
+            </a:endParaRPr>
+          </a:p>
+        </p:txBody>
+      </p:sp>
+      <p:cxnSp>
+        <p:nvCxnSpPr>
+          <p:cNvPr id="24" name="Gerade Verbindung 23">
+            <a:extLst>
+              <a:ext uri="{FF2B5EF4-FFF2-40B4-BE49-F238E27FC236}">
+                <a16:creationId xmlns:a16="http://schemas.microsoft.com/office/drawing/2014/main" id="{A920FCE1-9F92-334A-80DB-947683A4E7A7}"/>
+              </a:ext>
+            </a:extLst>
+          </p:cNvPr>
+          <p:cNvCxnSpPr>
+            <a:cxnSpLocks/>
+            <a:stCxn id="29" idx="1"/>
+            <a:endCxn id="19" idx="3"/>
+          </p:cNvCxnSpPr>
+          <p:nvPr/>
+        </p:nvCxnSpPr>
+        <p:spPr>
+          <a:xfrm flipH="1" flipV="1">
+            <a:off x="3753241" y="1282804"/>
+            <a:ext cx="3001786" cy="721479"/>
+          </a:xfrm>
+          <a:prstGeom prst="line">
+            <a:avLst/>
+          </a:prstGeom>
+          <a:ln w="19050">
+            <a:solidFill>
+              <a:schemeClr val="accent1"/>
+            </a:solidFill>
+          </a:ln>
+        </p:spPr>
+        <p:style>
+          <a:lnRef idx="1">
+            <a:schemeClr val="accent1"/>
+          </a:lnRef>
+          <a:fillRef idx="0">
+            <a:schemeClr val="accent1"/>
+          </a:fillRef>
+          <a:effectRef idx="0">
+            <a:schemeClr val="accent1"/>
+          </a:effectRef>
+          <a:fontRef idx="minor">
+            <a:schemeClr val="tx1"/>
+          </a:fontRef>
+        </p:style>
+      </p:cxnSp>
+      <p:grpSp>
+        <p:nvGrpSpPr>
+          <p:cNvPr id="37" name="Gruppieren 36">
+            <a:extLst>
+              <a:ext uri="{FF2B5EF4-FFF2-40B4-BE49-F238E27FC236}">
+                <a16:creationId xmlns:a16="http://schemas.microsoft.com/office/drawing/2014/main" id="{099BCE8A-C4ED-594B-81BE-A17997124703}"/>
+              </a:ext>
+            </a:extLst>
+          </p:cNvPr>
+          <p:cNvGrpSpPr/>
+          <p:nvPr/>
+        </p:nvGrpSpPr>
+        <p:grpSpPr>
+          <a:xfrm>
+            <a:off x="6754992" y="1315204"/>
+            <a:ext cx="1815392" cy="1374858"/>
+            <a:chOff x="6765194" y="960457"/>
+            <a:chExt cx="1815392" cy="1374858"/>
+          </a:xfrm>
+        </p:grpSpPr>
+        <p:sp>
+          <p:nvSpPr>
+            <p:cNvPr id="29" name="Textfeld 28">
+              <a:extLst>
+                <a:ext uri="{FF2B5EF4-FFF2-40B4-BE49-F238E27FC236}">
+                  <a16:creationId xmlns:a16="http://schemas.microsoft.com/office/drawing/2014/main" id="{3569F7C3-87C4-6A4F-BFCE-99D0FABF6DA4}"/>
+                </a:ext>
+              </a:extLst>
+            </p:cNvPr>
+            <p:cNvSpPr txBox="1"/>
+            <p:nvPr/>
+          </p:nvSpPr>
+          <p:spPr>
+            <a:xfrm>
+              <a:off x="6765229" y="1418703"/>
+              <a:ext cx="907714" cy="461665"/>
+            </a:xfrm>
+            <a:prstGeom prst="rect">
+              <a:avLst/>
+            </a:prstGeom>
+          </p:spPr>
+          <p:style>
+            <a:lnRef idx="2">
+              <a:schemeClr val="accent1"/>
+            </a:lnRef>
+            <a:fillRef idx="1">
+              <a:schemeClr val="lt1"/>
+            </a:fillRef>
+            <a:effectRef idx="0">
+              <a:schemeClr val="accent1"/>
+            </a:effectRef>
+            <a:fontRef idx="minor">
+              <a:schemeClr val="dk1"/>
+            </a:fontRef>
+          </p:style>
+          <p:txBody>
+            <a:bodyPr wrap="square" rtlCol="0">
+              <a:spAutoFit/>
+            </a:bodyPr>
+            <a:lstStyle/>
+            <a:p>
+              <a:pPr algn="ctr"/>
+              <a:r>
+                <a:rPr lang="de-DE" sz="2400" dirty="0">
+                  <a:latin typeface="Cambria Math" panose="02040503050406030204" pitchFamily="18" charset="0"/>
+                  <a:ea typeface="Cambria Math" panose="02040503050406030204" pitchFamily="18" charset="0"/>
+                </a:rPr>
+                <a:t>s(v)</a:t>
+              </a:r>
+            </a:p>
+          </p:txBody>
+        </p:sp>
+        <p:sp>
+          <p:nvSpPr>
+            <p:cNvPr id="30" name="Textfeld 29">
+              <a:extLst>
+                <a:ext uri="{FF2B5EF4-FFF2-40B4-BE49-F238E27FC236}">
+                  <a16:creationId xmlns:a16="http://schemas.microsoft.com/office/drawing/2014/main" id="{30393C5C-223B-244F-83B4-F27DB256E8D6}"/>
+                </a:ext>
+              </a:extLst>
+            </p:cNvPr>
+            <p:cNvSpPr txBox="1"/>
+            <p:nvPr/>
+          </p:nvSpPr>
+          <p:spPr>
+            <a:xfrm>
+              <a:off x="7672872" y="1415344"/>
+              <a:ext cx="907714" cy="461665"/>
+            </a:xfrm>
+            <a:prstGeom prst="rect">
+              <a:avLst/>
+            </a:prstGeom>
+          </p:spPr>
+          <p:style>
+            <a:lnRef idx="2">
+              <a:schemeClr val="accent1"/>
+            </a:lnRef>
+            <a:fillRef idx="1">
+              <a:schemeClr val="lt1"/>
+            </a:fillRef>
+            <a:effectRef idx="0">
+              <a:schemeClr val="accent1"/>
+            </a:effectRef>
+            <a:fontRef idx="minor">
+              <a:schemeClr val="dk1"/>
+            </a:fontRef>
+          </p:style>
+          <p:txBody>
+            <a:bodyPr wrap="square" rtlCol="0">
+              <a:spAutoFit/>
+            </a:bodyPr>
+            <a:lstStyle/>
+            <a:p>
+              <a:pPr algn="ctr"/>
+              <a:r>
+                <a:rPr lang="de-DE" sz="2400" dirty="0">
+                  <a:latin typeface="Cambria Math" panose="02040503050406030204" pitchFamily="18" charset="0"/>
+                  <a:ea typeface="Cambria Math" panose="02040503050406030204" pitchFamily="18" charset="0"/>
+                </a:rPr>
+                <a:t>a(v)</a:t>
+              </a:r>
+            </a:p>
+          </p:txBody>
+        </p:sp>
+        <p:sp>
+          <p:nvSpPr>
+            <p:cNvPr id="31" name="Textfeld 30">
+              <a:extLst>
+                <a:ext uri="{FF2B5EF4-FFF2-40B4-BE49-F238E27FC236}">
+                  <a16:creationId xmlns:a16="http://schemas.microsoft.com/office/drawing/2014/main" id="{A9C4C968-AE34-164A-B36C-38006A818438}"/>
+                </a:ext>
+              </a:extLst>
+            </p:cNvPr>
+            <p:cNvSpPr txBox="1"/>
+            <p:nvPr/>
+          </p:nvSpPr>
+          <p:spPr>
+            <a:xfrm>
+              <a:off x="6765229" y="1873650"/>
+              <a:ext cx="907714" cy="461665"/>
+            </a:xfrm>
+            <a:prstGeom prst="rect">
+              <a:avLst/>
+            </a:prstGeom>
+          </p:spPr>
+          <p:style>
+            <a:lnRef idx="2">
+              <a:schemeClr val="accent1"/>
+            </a:lnRef>
+            <a:fillRef idx="1">
+              <a:schemeClr val="lt1"/>
+            </a:fillRef>
+            <a:effectRef idx="0">
+              <a:schemeClr val="accent1"/>
+            </a:effectRef>
+            <a:fontRef idx="minor">
+              <a:schemeClr val="dk1"/>
+            </a:fontRef>
+          </p:style>
+          <p:txBody>
+            <a:bodyPr wrap="square" rtlCol="0">
+              <a:spAutoFit/>
+            </a:bodyPr>
+            <a:lstStyle/>
+            <a:p>
+              <a:pPr algn="ctr"/>
+              <a:r>
+                <a:rPr lang="de-DE" sz="2400" dirty="0">
+                  <a:latin typeface="Cambria Math" panose="02040503050406030204" pitchFamily="18" charset="0"/>
+                  <a:ea typeface="Cambria Math" panose="02040503050406030204" pitchFamily="18" charset="0"/>
+                </a:rPr>
+                <a:t>Q(v)</a:t>
+              </a:r>
+            </a:p>
+          </p:txBody>
+        </p:sp>
+        <p:sp>
+          <p:nvSpPr>
+            <p:cNvPr id="32" name="Textfeld 31">
+              <a:extLst>
+                <a:ext uri="{FF2B5EF4-FFF2-40B4-BE49-F238E27FC236}">
+                  <a16:creationId xmlns:a16="http://schemas.microsoft.com/office/drawing/2014/main" id="{5F35388E-54E6-EA47-B1F5-D12709D8F3B3}"/>
+                </a:ext>
+              </a:extLst>
+            </p:cNvPr>
+            <p:cNvSpPr txBox="1"/>
+            <p:nvPr/>
+          </p:nvSpPr>
+          <p:spPr>
+            <a:xfrm>
+              <a:off x="7672872" y="1873650"/>
+              <a:ext cx="907714" cy="461665"/>
+            </a:xfrm>
+            <a:prstGeom prst="rect">
+              <a:avLst/>
+            </a:prstGeom>
+          </p:spPr>
+          <p:style>
+            <a:lnRef idx="2">
+              <a:schemeClr val="accent1"/>
+            </a:lnRef>
+            <a:fillRef idx="1">
+              <a:schemeClr val="lt1"/>
+            </a:fillRef>
+            <a:effectRef idx="0">
+              <a:schemeClr val="accent1"/>
+            </a:effectRef>
+            <a:fontRef idx="minor">
+              <a:schemeClr val="dk1"/>
+            </a:fontRef>
+          </p:style>
+          <p:txBody>
+            <a:bodyPr wrap="square" rtlCol="0">
+              <a:spAutoFit/>
+            </a:bodyPr>
+            <a:lstStyle/>
+            <a:p>
+              <a:pPr algn="ctr"/>
+              <a:r>
+                <a:rPr lang="de-DE" sz="2400" dirty="0">
+                  <a:latin typeface="Cambria Math" panose="02040503050406030204" pitchFamily="18" charset="0"/>
+                  <a:ea typeface="Cambria Math" panose="02040503050406030204" pitchFamily="18" charset="0"/>
+                </a:rPr>
+                <a:t>N(v)</a:t>
+              </a:r>
+            </a:p>
+          </p:txBody>
+        </p:sp>
+        <p:sp>
+          <p:nvSpPr>
+            <p:cNvPr id="36" name="Textfeld 35">
+              <a:extLst>
+                <a:ext uri="{FF2B5EF4-FFF2-40B4-BE49-F238E27FC236}">
+                  <a16:creationId xmlns:a16="http://schemas.microsoft.com/office/drawing/2014/main" id="{D9BD14BF-6DA4-4C4A-BF78-9533B5C58E82}"/>
+                </a:ext>
+              </a:extLst>
+            </p:cNvPr>
+            <p:cNvSpPr txBox="1"/>
+            <p:nvPr/>
+          </p:nvSpPr>
+          <p:spPr>
+            <a:xfrm>
+              <a:off x="6765194" y="960457"/>
+              <a:ext cx="1815392" cy="461665"/>
+            </a:xfrm>
+            <a:prstGeom prst="rect">
+              <a:avLst/>
+            </a:prstGeom>
+            <a:ln>
+              <a:solidFill>
+                <a:schemeClr val="accent1"/>
+              </a:solidFill>
+            </a:ln>
+          </p:spPr>
+          <p:style>
+            <a:lnRef idx="2">
+              <a:schemeClr val="accent1"/>
+            </a:lnRef>
+            <a:fillRef idx="1">
+              <a:schemeClr val="lt1"/>
+            </a:fillRef>
+            <a:effectRef idx="0">
+              <a:schemeClr val="accent1"/>
+            </a:effectRef>
+            <a:fontRef idx="minor">
+              <a:schemeClr val="dk1"/>
+            </a:fontRef>
+          </p:style>
+          <p:txBody>
+            <a:bodyPr wrap="square" rtlCol="0">
+              <a:spAutoFit/>
+            </a:bodyPr>
+            <a:lstStyle/>
+            <a:p>
+              <a:pPr algn="ctr"/>
+              <a:r>
+                <a:rPr lang="de-DE" sz="2400" dirty="0">
+                  <a:ln w="0"/>
+                  <a:solidFill>
+                    <a:schemeClr val="accent1"/>
+                  </a:solidFill>
+                  <a:effectLst>
+                    <a:outerShdw blurRad="38100" dist="25400" dir="5400000" algn="ctr" rotWithShape="0">
+                      <a:srgbClr val="6E747A">
+                        <a:alpha val="43000"/>
+                      </a:srgbClr>
+                    </a:outerShdw>
+                  </a:effectLst>
+                  <a:latin typeface="Cambria Math" panose="02040503050406030204" pitchFamily="18" charset="0"/>
+                  <a:ea typeface="Cambria Math" panose="02040503050406030204" pitchFamily="18" charset="0"/>
+                </a:rPr>
+                <a:t>v</a:t>
+              </a:r>
+              <a:endParaRPr lang="de-DE" sz="2400" dirty="0">
+                <a:latin typeface="Cambria Math" panose="02040503050406030204" pitchFamily="18" charset="0"/>
+                <a:ea typeface="Cambria Math" panose="02040503050406030204" pitchFamily="18" charset="0"/>
+              </a:endParaRPr>
+            </a:p>
+          </p:txBody>
+        </p:sp>
+      </p:grpSp>
     </p:spTree>
     <p:extLst>
       <p:ext uri="{BB962C8B-B14F-4D97-AF65-F5344CB8AC3E}">
@@ -4741,7 +9023,7 @@
                 <a:ea typeface="Helvetica Neue" panose="02000503000000020004" pitchFamily="2" charset="0"/>
                 <a:cs typeface="Helvetica Neue" panose="02000503000000020004" pitchFamily="2" charset="0"/>
               </a:rPr>
-              <a:t>All </a:t>
+              <a:t>Basics: Monte Carlo </a:t>
             </a:r>
             <a:r>
               <a:rPr lang="de-DE" sz="3200" dirty="0" err="1">
@@ -4749,7 +9031,7 @@
                 <a:ea typeface="Helvetica Neue" panose="02000503000000020004" pitchFamily="2" charset="0"/>
                 <a:cs typeface="Helvetica Neue" panose="02000503000000020004" pitchFamily="2" charset="0"/>
               </a:rPr>
-              <a:t>Moves</a:t>
+              <a:t>Tree</a:t>
             </a:r>
             <a:r>
               <a:rPr lang="de-DE" sz="3200" dirty="0">
@@ -4757,7 +9039,7 @@
                 <a:ea typeface="Helvetica Neue" panose="02000503000000020004" pitchFamily="2" charset="0"/>
                 <a:cs typeface="Helvetica Neue" panose="02000503000000020004" pitchFamily="2" charset="0"/>
               </a:rPr>
-              <a:t> As First</a:t>
+              <a:t> Search</a:t>
             </a:r>
           </a:p>
         </p:txBody>
@@ -4952,10 +9234,10 @@
       </p:sp>
       <p:pic>
         <p:nvPicPr>
-          <p:cNvPr id="4" name="Grafik 3" descr="Ein Bild, das Text, Karte enthält.&#10;&#10;Automatisch generierte Beschreibung">
+          <p:cNvPr id="17" name="Grafik 16" descr="Ein Bild, das Text enthält.&#10;&#10;Automatisch generierte Beschreibung">
             <a:extLst>
               <a:ext uri="{FF2B5EF4-FFF2-40B4-BE49-F238E27FC236}">
-                <a16:creationId xmlns:a16="http://schemas.microsoft.com/office/drawing/2014/main" id="{D26BCE71-17E2-7246-81C0-20F08FA66C67}"/>
+                <a16:creationId xmlns:a16="http://schemas.microsoft.com/office/drawing/2014/main" id="{747C74CC-9A47-FB43-A74E-3839C8EBD1F8}"/>
               </a:ext>
             </a:extLst>
           </p:cNvPr>
@@ -4972,8 +9254,8 @@
         </p:blipFill>
         <p:spPr>
           <a:xfrm>
-            <a:off x="2222285" y="903767"/>
-            <a:ext cx="5264365" cy="5536192"/>
+            <a:off x="1056903" y="817500"/>
+            <a:ext cx="7030192" cy="5565568"/>
           </a:xfrm>
           <a:prstGeom prst="rect">
             <a:avLst/>
@@ -4983,7 +9265,7 @@
     </p:spTree>
     <p:extLst>
       <p:ext uri="{BB962C8B-B14F-4D97-AF65-F5344CB8AC3E}">
-        <p14:creationId xmlns:p14="http://schemas.microsoft.com/office/powerpoint/2010/main" val="161781958"/>
+        <p14:creationId xmlns:p14="http://schemas.microsoft.com/office/powerpoint/2010/main" val="2730683799"/>
       </p:ext>
     </p:extLst>
   </p:cSld>
@@ -5040,18 +9322,13 @@
           <a:p>
             <a:pPr algn="ctr"/>
             <a:r>
-              <a:rPr lang="de-DE" sz="3200" dirty="0" err="1">
-                <a:latin typeface="Helvetica Neue" panose="02000503000000020004" pitchFamily="2" charset="0"/>
-                <a:ea typeface="Helvetica Neue" panose="02000503000000020004" pitchFamily="2" charset="0"/>
-                <a:cs typeface="Helvetica Neue" panose="02000503000000020004" pitchFamily="2" charset="0"/>
-              </a:rPr>
-              <a:t>AlphaGo</a:t>
-            </a:r>
-            <a:endParaRPr lang="de-DE" sz="3200" dirty="0">
-              <a:latin typeface="Helvetica Neue" panose="02000503000000020004" pitchFamily="2" charset="0"/>
-              <a:ea typeface="Helvetica Neue" panose="02000503000000020004" pitchFamily="2" charset="0"/>
-              <a:cs typeface="Helvetica Neue" panose="02000503000000020004" pitchFamily="2" charset="0"/>
-            </a:endParaRPr>
+              <a:rPr lang="de-DE" sz="3200" dirty="0">
+                <a:latin typeface="Helvetica Neue" panose="02000503000000020004" pitchFamily="2" charset="0"/>
+                <a:ea typeface="Helvetica Neue" panose="02000503000000020004" pitchFamily="2" charset="0"/>
+                <a:cs typeface="Helvetica Neue" panose="02000503000000020004" pitchFamily="2" charset="0"/>
+              </a:rPr>
+              <a:t>Basics: UCT</a:t>
+            </a:r>
           </a:p>
         </p:txBody>
       </p:sp>
@@ -5243,40 +9520,629 @@
           </a:p>
         </p:txBody>
       </p:sp>
-      <p:pic>
-        <p:nvPicPr>
-          <p:cNvPr id="4" name="Grafik 3" descr="Ein Bild, das Screenshot, Uhr enthält.&#10;&#10;Automatisch generierte Beschreibung">
+      <p:grpSp>
+        <p:nvGrpSpPr>
+          <p:cNvPr id="12" name="Gruppieren 11">
             <a:extLst>
               <a:ext uri="{FF2B5EF4-FFF2-40B4-BE49-F238E27FC236}">
-                <a16:creationId xmlns:a16="http://schemas.microsoft.com/office/drawing/2014/main" id="{DE39CA67-B74C-1443-95B6-F1FC5C4B75B3}"/>
+                <a16:creationId xmlns:a16="http://schemas.microsoft.com/office/drawing/2014/main" id="{460F93C7-FB92-9C43-BF82-CA09995E520C}"/>
               </a:ext>
             </a:extLst>
           </p:cNvPr>
-          <p:cNvPicPr>
-            <a:picLocks noChangeAspect="1"/>
-          </p:cNvPicPr>
+          <p:cNvGrpSpPr/>
           <p:nvPr/>
-        </p:nvPicPr>
-        <p:blipFill>
-          <a:blip r:embed="rId3"/>
-          <a:stretch>
-            <a:fillRect/>
-          </a:stretch>
-        </p:blipFill>
-        <p:spPr>
-          <a:xfrm>
-            <a:off x="106878" y="2140526"/>
-            <a:ext cx="9037122" cy="2607787"/>
-          </a:xfrm>
-          <a:prstGeom prst="rect">
-            <a:avLst/>
-          </a:prstGeom>
-        </p:spPr>
-      </p:pic>
+        </p:nvGrpSpPr>
+        <p:grpSpPr>
+          <a:xfrm>
+            <a:off x="2065551" y="1687110"/>
+            <a:ext cx="5012895" cy="3491476"/>
+            <a:chOff x="2490083" y="1737788"/>
+            <a:chExt cx="5012895" cy="3491476"/>
+          </a:xfrm>
+        </p:grpSpPr>
+        <mc:AlternateContent xmlns:mc="http://schemas.openxmlformats.org/markup-compatibility/2006" xmlns:a14="http://schemas.microsoft.com/office/drawing/2010/main">
+          <mc:Choice Requires="a14">
+            <p:sp>
+              <p:nvSpPr>
+                <p:cNvPr id="3" name="Textfeld 2">
+                  <a:extLst>
+                    <a:ext uri="{FF2B5EF4-FFF2-40B4-BE49-F238E27FC236}">
+                      <a16:creationId xmlns:a16="http://schemas.microsoft.com/office/drawing/2014/main" id="{5676A394-F5D5-144A-8181-B816CD901860}"/>
+                    </a:ext>
+                  </a:extLst>
+                </p:cNvPr>
+                <p:cNvSpPr txBox="1"/>
+                <p:nvPr/>
+              </p:nvSpPr>
+              <p:spPr>
+                <a:xfrm>
+                  <a:off x="2490083" y="2883402"/>
+                  <a:ext cx="4737515" cy="1091196"/>
+                </a:xfrm>
+                <a:prstGeom prst="rect">
+                  <a:avLst/>
+                </a:prstGeom>
+                <a:noFill/>
+              </p:spPr>
+              <p:txBody>
+                <a:bodyPr wrap="none" lIns="0" tIns="0" rIns="0" bIns="0" rtlCol="0">
+                  <a:spAutoFit/>
+                </a:bodyPr>
+                <a:lstStyle/>
+                <a:p>
+                  <a:pPr/>
+                  <a14:m>
+                    <m:oMathPara xmlns:m="http://schemas.openxmlformats.org/officeDocument/2006/math">
+                      <m:oMathParaPr>
+                        <m:jc m:val="centerGroup"/>
+                      </m:oMathParaPr>
+                      <m:oMath xmlns:m="http://schemas.openxmlformats.org/officeDocument/2006/math">
+                        <m:r>
+                          <a:rPr lang="de-DE" sz="2400" b="0" i="1" smtClean="0">
+                            <a:latin typeface="Cambria Math" panose="02040503050406030204" pitchFamily="18" charset="0"/>
+                          </a:rPr>
+                          <m:t>𝑈𝐶𝑇</m:t>
+                        </m:r>
+                        <m:d>
+                          <m:dPr>
+                            <m:ctrlPr>
+                              <a:rPr lang="de-DE" sz="2400" b="0" i="1" smtClean="0">
+                                <a:latin typeface="Cambria Math" panose="02040503050406030204" pitchFamily="18" charset="0"/>
+                              </a:rPr>
+                            </m:ctrlPr>
+                          </m:dPr>
+                          <m:e>
+                            <m:r>
+                              <a:rPr lang="de-DE" sz="2400" b="0" i="1" smtClean="0">
+                                <a:latin typeface="Cambria Math" panose="02040503050406030204" pitchFamily="18" charset="0"/>
+                              </a:rPr>
+                              <m:t>𝑣</m:t>
+                            </m:r>
+                          </m:e>
+                        </m:d>
+                        <m:r>
+                          <a:rPr lang="de-DE" sz="2400" i="1" smtClean="0">
+                            <a:latin typeface="Cambria Math" panose="02040503050406030204" pitchFamily="18" charset="0"/>
+                          </a:rPr>
+                          <m:t>=</m:t>
+                        </m:r>
+                        <m:f>
+                          <m:fPr>
+                            <m:ctrlPr>
+                              <a:rPr lang="de-DE" sz="2400" i="1" smtClean="0">
+                                <a:latin typeface="Cambria Math" panose="02040503050406030204" pitchFamily="18" charset="0"/>
+                              </a:rPr>
+                            </m:ctrlPr>
+                          </m:fPr>
+                          <m:num>
+                            <m:r>
+                              <a:rPr lang="de-DE" sz="2400" b="0" i="1" smtClean="0">
+                                <a:latin typeface="Cambria Math" panose="02040503050406030204" pitchFamily="18" charset="0"/>
+                              </a:rPr>
+                              <m:t>𝑄</m:t>
+                            </m:r>
+                            <m:d>
+                              <m:dPr>
+                                <m:ctrlPr>
+                                  <a:rPr lang="de-DE" sz="2400" b="0" i="1" smtClean="0">
+                                    <a:latin typeface="Cambria Math" panose="02040503050406030204" pitchFamily="18" charset="0"/>
+                                  </a:rPr>
+                                </m:ctrlPr>
+                              </m:dPr>
+                              <m:e>
+                                <m:sSup>
+                                  <m:sSupPr>
+                                    <m:ctrlPr>
+                                      <a:rPr lang="de-DE" sz="2400" b="0" i="1" smtClean="0">
+                                        <a:latin typeface="Cambria Math" panose="02040503050406030204" pitchFamily="18" charset="0"/>
+                                      </a:rPr>
+                                    </m:ctrlPr>
+                                  </m:sSupPr>
+                                  <m:e>
+                                    <m:r>
+                                      <a:rPr lang="de-DE" sz="2400" b="0" i="1" smtClean="0">
+                                        <a:latin typeface="Cambria Math" panose="02040503050406030204" pitchFamily="18" charset="0"/>
+                                      </a:rPr>
+                                      <m:t>𝑣</m:t>
+                                    </m:r>
+                                  </m:e>
+                                  <m:sup>
+                                    <m:r>
+                                      <a:rPr lang="de-DE" sz="2400" b="0" i="1" smtClean="0">
+                                        <a:latin typeface="Cambria Math" panose="02040503050406030204" pitchFamily="18" charset="0"/>
+                                      </a:rPr>
+                                      <m:t>′</m:t>
+                                    </m:r>
+                                  </m:sup>
+                                </m:sSup>
+                              </m:e>
+                            </m:d>
+                          </m:num>
+                          <m:den>
+                            <m:r>
+                              <a:rPr lang="de-DE" sz="2400" b="0" i="1" smtClean="0">
+                                <a:latin typeface="Cambria Math" panose="02040503050406030204" pitchFamily="18" charset="0"/>
+                              </a:rPr>
+                              <m:t>𝑁</m:t>
+                            </m:r>
+                            <m:d>
+                              <m:dPr>
+                                <m:ctrlPr>
+                                  <a:rPr lang="de-DE" sz="2400" b="0" i="1" smtClean="0">
+                                    <a:latin typeface="Cambria Math" panose="02040503050406030204" pitchFamily="18" charset="0"/>
+                                  </a:rPr>
+                                </m:ctrlPr>
+                              </m:dPr>
+                              <m:e>
+                                <m:sSup>
+                                  <m:sSupPr>
+                                    <m:ctrlPr>
+                                      <a:rPr lang="de-DE" sz="2400" b="0" i="1" smtClean="0">
+                                        <a:latin typeface="Cambria Math" panose="02040503050406030204" pitchFamily="18" charset="0"/>
+                                      </a:rPr>
+                                    </m:ctrlPr>
+                                  </m:sSupPr>
+                                  <m:e>
+                                    <m:r>
+                                      <a:rPr lang="de-DE" sz="2400" b="0" i="1" smtClean="0">
+                                        <a:latin typeface="Cambria Math" panose="02040503050406030204" pitchFamily="18" charset="0"/>
+                                      </a:rPr>
+                                      <m:t>𝑣</m:t>
+                                    </m:r>
+                                  </m:e>
+                                  <m:sup>
+                                    <m:r>
+                                      <a:rPr lang="de-DE" sz="2400" b="0" i="1" smtClean="0">
+                                        <a:latin typeface="Cambria Math" panose="02040503050406030204" pitchFamily="18" charset="0"/>
+                                      </a:rPr>
+                                      <m:t>′</m:t>
+                                    </m:r>
+                                  </m:sup>
+                                </m:sSup>
+                              </m:e>
+                            </m:d>
+                          </m:den>
+                        </m:f>
+                        <m:r>
+                          <a:rPr lang="de-DE" sz="2400" b="0" i="1" smtClean="0">
+                            <a:latin typeface="Cambria Math" panose="02040503050406030204" pitchFamily="18" charset="0"/>
+                          </a:rPr>
+                          <m:t>+</m:t>
+                        </m:r>
+                        <m:sSub>
+                          <m:sSubPr>
+                            <m:ctrlPr>
+                              <a:rPr lang="de-DE" sz="2400" b="0" i="1" smtClean="0">
+                                <a:latin typeface="Cambria Math" panose="02040503050406030204" pitchFamily="18" charset="0"/>
+                              </a:rPr>
+                            </m:ctrlPr>
+                          </m:sSubPr>
+                          <m:e>
+                            <m:r>
+                              <a:rPr lang="de-DE" sz="2400" b="0" i="1" smtClean="0">
+                                <a:latin typeface="Cambria Math" panose="02040503050406030204" pitchFamily="18" charset="0"/>
+                              </a:rPr>
+                              <m:t>𝐶</m:t>
+                            </m:r>
+                          </m:e>
+                          <m:sub>
+                            <m:r>
+                              <a:rPr lang="de-DE" sz="2400" b="0" i="1" smtClean="0">
+                                <a:latin typeface="Cambria Math" panose="02040503050406030204" pitchFamily="18" charset="0"/>
+                              </a:rPr>
+                              <m:t>𝑝</m:t>
+                            </m:r>
+                          </m:sub>
+                        </m:sSub>
+                        <m:r>
+                          <a:rPr lang="de-DE" sz="2400" i="1">
+                            <a:latin typeface="Cambria Math" panose="02040503050406030204" pitchFamily="18" charset="0"/>
+                            <a:ea typeface="Cambria Math" panose="02040503050406030204" pitchFamily="18" charset="0"/>
+                          </a:rPr>
+                          <m:t>∙</m:t>
+                        </m:r>
+                        <m:rad>
+                          <m:radPr>
+                            <m:degHide m:val="on"/>
+                            <m:ctrlPr>
+                              <a:rPr lang="de-DE" sz="2400" b="0" i="1" smtClean="0">
+                                <a:latin typeface="Cambria Math" panose="02040503050406030204" pitchFamily="18" charset="0"/>
+                              </a:rPr>
+                            </m:ctrlPr>
+                          </m:radPr>
+                          <m:deg/>
+                          <m:e>
+                            <m:f>
+                              <m:fPr>
+                                <m:ctrlPr>
+                                  <a:rPr lang="de-DE" sz="2400" b="0" i="1" smtClean="0">
+                                    <a:latin typeface="Cambria Math" panose="02040503050406030204" pitchFamily="18" charset="0"/>
+                                  </a:rPr>
+                                </m:ctrlPr>
+                              </m:fPr>
+                              <m:num>
+                                <m:r>
+                                  <a:rPr lang="de-DE" sz="2400" b="0" i="1" smtClean="0">
+                                    <a:latin typeface="Cambria Math" panose="02040503050406030204" pitchFamily="18" charset="0"/>
+                                  </a:rPr>
+                                  <m:t>2</m:t>
+                                </m:r>
+                                <m:func>
+                                  <m:funcPr>
+                                    <m:ctrlPr>
+                                      <a:rPr lang="de-DE" sz="2400" b="0" i="1" smtClean="0">
+                                        <a:latin typeface="Cambria Math" panose="02040503050406030204" pitchFamily="18" charset="0"/>
+                                      </a:rPr>
+                                    </m:ctrlPr>
+                                  </m:funcPr>
+                                  <m:fName>
+                                    <m:r>
+                                      <m:rPr>
+                                        <m:sty m:val="p"/>
+                                      </m:rPr>
+                                      <a:rPr lang="de-DE" sz="2400" b="0" i="0" smtClean="0">
+                                        <a:latin typeface="Cambria Math" panose="02040503050406030204" pitchFamily="18" charset="0"/>
+                                      </a:rPr>
+                                      <m:t>log</m:t>
+                                    </m:r>
+                                  </m:fName>
+                                  <m:e>
+                                    <m:r>
+                                      <a:rPr lang="de-DE" sz="2400" b="0" i="1" smtClean="0">
+                                        <a:latin typeface="Cambria Math" panose="02040503050406030204" pitchFamily="18" charset="0"/>
+                                      </a:rPr>
+                                      <m:t>𝑁</m:t>
+                                    </m:r>
+                                    <m:r>
+                                      <a:rPr lang="de-DE" sz="2400" b="0" i="1" smtClean="0">
+                                        <a:latin typeface="Cambria Math" panose="02040503050406030204" pitchFamily="18" charset="0"/>
+                                      </a:rPr>
+                                      <m:t>(</m:t>
+                                    </m:r>
+                                    <m:r>
+                                      <a:rPr lang="de-DE" sz="2400" b="0" i="1" smtClean="0">
+                                        <a:latin typeface="Cambria Math" panose="02040503050406030204" pitchFamily="18" charset="0"/>
+                                      </a:rPr>
+                                      <m:t>𝑣</m:t>
+                                    </m:r>
+                                    <m:r>
+                                      <a:rPr lang="de-DE" sz="2400" b="0" i="1" smtClean="0">
+                                        <a:latin typeface="Cambria Math" panose="02040503050406030204" pitchFamily="18" charset="0"/>
+                                      </a:rPr>
+                                      <m:t>)</m:t>
+                                    </m:r>
+                                  </m:e>
+                                </m:func>
+                              </m:num>
+                              <m:den>
+                                <m:r>
+                                  <a:rPr lang="de-DE" sz="2400" b="0" i="1" smtClean="0">
+                                    <a:latin typeface="Cambria Math" panose="02040503050406030204" pitchFamily="18" charset="0"/>
+                                  </a:rPr>
+                                  <m:t>𝑁</m:t>
+                                </m:r>
+                                <m:r>
+                                  <a:rPr lang="de-DE" sz="2400" b="0" i="1" smtClean="0">
+                                    <a:latin typeface="Cambria Math" panose="02040503050406030204" pitchFamily="18" charset="0"/>
+                                  </a:rPr>
+                                  <m:t>(</m:t>
+                                </m:r>
+                                <m:r>
+                                  <a:rPr lang="de-DE" sz="2400" b="0" i="1" smtClean="0">
+                                    <a:latin typeface="Cambria Math" panose="02040503050406030204" pitchFamily="18" charset="0"/>
+                                  </a:rPr>
+                                  <m:t>𝑣</m:t>
+                                </m:r>
+                                <m:r>
+                                  <a:rPr lang="de-DE" sz="2400" b="0" i="1" smtClean="0">
+                                    <a:latin typeface="Cambria Math" panose="02040503050406030204" pitchFamily="18" charset="0"/>
+                                  </a:rPr>
+                                  <m:t>′)</m:t>
+                                </m:r>
+                              </m:den>
+                            </m:f>
+                          </m:e>
+                        </m:rad>
+                      </m:oMath>
+                    </m:oMathPara>
+                  </a14:m>
+                  <a:endParaRPr lang="de-DE" dirty="0"/>
+                </a:p>
+              </p:txBody>
+            </p:sp>
+          </mc:Choice>
+          <mc:Fallback xmlns="">
+            <p:sp>
+              <p:nvSpPr>
+                <p:cNvPr id="3" name="Textfeld 2">
+                  <a:extLst>
+                    <a:ext uri="{FF2B5EF4-FFF2-40B4-BE49-F238E27FC236}">
+                      <a16:creationId xmlns:a16="http://schemas.microsoft.com/office/drawing/2014/main" id="{5676A394-F5D5-144A-8181-B816CD901860}"/>
+                    </a:ext>
+                  </a:extLst>
+                </p:cNvPr>
+                <p:cNvSpPr txBox="1">
+                  <a:spLocks noRot="1" noChangeAspect="1" noMove="1" noResize="1" noEditPoints="1" noAdjustHandles="1" noChangeArrowheads="1" noChangeShapeType="1" noTextEdit="1"/>
+                </p:cNvSpPr>
+                <p:nvPr/>
+              </p:nvSpPr>
+              <p:spPr>
+                <a:xfrm>
+                  <a:off x="2490083" y="2883402"/>
+                  <a:ext cx="4737515" cy="1091196"/>
+                </a:xfrm>
+                <a:prstGeom prst="rect">
+                  <a:avLst/>
+                </a:prstGeom>
+                <a:blipFill>
+                  <a:blip r:embed="rId3"/>
+                  <a:stretch>
+                    <a:fillRect l="-1070" r="-1604"/>
+                  </a:stretch>
+                </a:blipFill>
+              </p:spPr>
+              <p:txBody>
+                <a:bodyPr/>
+                <a:lstStyle/>
+                <a:p>
+                  <a:r>
+                    <a:rPr lang="de-DE">
+                      <a:noFill/>
+                    </a:rPr>
+                    <a:t> </a:t>
+                  </a:r>
+                </a:p>
+              </p:txBody>
+            </p:sp>
+          </mc:Fallback>
+        </mc:AlternateContent>
+        <p:grpSp>
+          <p:nvGrpSpPr>
+            <p:cNvPr id="9" name="Gruppieren 8">
+              <a:extLst>
+                <a:ext uri="{FF2B5EF4-FFF2-40B4-BE49-F238E27FC236}">
+                  <a16:creationId xmlns:a16="http://schemas.microsoft.com/office/drawing/2014/main" id="{2CFE0FD1-3823-7A45-BEE7-B1E5AA8687EA}"/>
+                </a:ext>
+              </a:extLst>
+            </p:cNvPr>
+            <p:cNvGrpSpPr/>
+            <p:nvPr/>
+          </p:nvGrpSpPr>
+          <p:grpSpPr>
+            <a:xfrm rot="10800000">
+              <a:off x="3286661" y="1737788"/>
+              <a:ext cx="2057401" cy="1145614"/>
+              <a:chOff x="1112595" y="4653642"/>
+              <a:chExt cx="2057401" cy="1145614"/>
+            </a:xfrm>
+          </p:grpSpPr>
+          <p:sp>
+            <p:nvSpPr>
+              <p:cNvPr id="15" name="Textfeld 14">
+                <a:extLst>
+                  <a:ext uri="{FF2B5EF4-FFF2-40B4-BE49-F238E27FC236}">
+                    <a16:creationId xmlns:a16="http://schemas.microsoft.com/office/drawing/2014/main" id="{C2D9E399-3CB1-944D-AA2F-054F65A10196}"/>
+                  </a:ext>
+                </a:extLst>
+              </p:cNvPr>
+              <p:cNvSpPr txBox="1"/>
+              <p:nvPr/>
+            </p:nvSpPr>
+            <p:spPr>
+              <a:xfrm rot="10800000">
+                <a:off x="1112595" y="5399146"/>
+                <a:ext cx="2057401" cy="400110"/>
+              </a:xfrm>
+              <a:prstGeom prst="rect">
+                <a:avLst/>
+              </a:prstGeom>
+              <a:noFill/>
+            </p:spPr>
+            <p:txBody>
+              <a:bodyPr wrap="square" rtlCol="0">
+                <a:spAutoFit/>
+              </a:bodyPr>
+              <a:lstStyle/>
+              <a:p>
+                <a:pPr algn="ctr"/>
+                <a:r>
+                  <a:rPr lang="de-DE" sz="2000" dirty="0">
+                    <a:latin typeface="Helvetica Neue" panose="02000503000000020004" pitchFamily="2" charset="0"/>
+                    <a:ea typeface="Helvetica Neue" panose="02000503000000020004" pitchFamily="2" charset="0"/>
+                    <a:cs typeface="Helvetica Neue" panose="02000503000000020004" pitchFamily="2" charset="0"/>
+                  </a:rPr>
+                  <a:t>“</a:t>
+                </a:r>
+                <a:r>
+                  <a:rPr lang="de-DE" sz="2000" dirty="0" err="1">
+                    <a:latin typeface="Helvetica Neue" panose="02000503000000020004" pitchFamily="2" charset="0"/>
+                    <a:ea typeface="Helvetica Neue" panose="02000503000000020004" pitchFamily="2" charset="0"/>
+                    <a:cs typeface="Helvetica Neue" panose="02000503000000020004" pitchFamily="2" charset="0"/>
+                  </a:rPr>
+                  <a:t>Exploitation</a:t>
+                </a:r>
+                <a:r>
+                  <a:rPr lang="de-DE" sz="2000" dirty="0">
+                    <a:latin typeface="Helvetica Neue" panose="02000503000000020004" pitchFamily="2" charset="0"/>
+                    <a:ea typeface="Helvetica Neue" panose="02000503000000020004" pitchFamily="2" charset="0"/>
+                    <a:cs typeface="Helvetica Neue" panose="02000503000000020004" pitchFamily="2" charset="0"/>
+                  </a:rPr>
+                  <a:t>“</a:t>
+                </a:r>
+              </a:p>
+            </p:txBody>
+          </p:sp>
+          <p:sp>
+            <p:nvSpPr>
+              <p:cNvPr id="8" name="Pfeil nach unten 7">
+                <a:extLst>
+                  <a:ext uri="{FF2B5EF4-FFF2-40B4-BE49-F238E27FC236}">
+                    <a16:creationId xmlns:a16="http://schemas.microsoft.com/office/drawing/2014/main" id="{797BBBDA-8AD0-8746-822A-EF7D9B8B632A}"/>
+                  </a:ext>
+                </a:extLst>
+              </p:cNvPr>
+              <p:cNvSpPr/>
+              <p:nvPr/>
+            </p:nvSpPr>
+            <p:spPr>
+              <a:xfrm rot="10800000">
+                <a:off x="1963934" y="4653642"/>
+                <a:ext cx="354721" cy="717714"/>
+              </a:xfrm>
+              <a:prstGeom prst="downArrow">
+                <a:avLst>
+                  <a:gd name="adj1" fmla="val 45397"/>
+                  <a:gd name="adj2" fmla="val 59206"/>
+                </a:avLst>
+              </a:prstGeom>
+              <a:ln>
+                <a:noFill/>
+              </a:ln>
+            </p:spPr>
+            <p:style>
+              <a:lnRef idx="2">
+                <a:schemeClr val="accent1">
+                  <a:shade val="50000"/>
+                </a:schemeClr>
+              </a:lnRef>
+              <a:fillRef idx="1">
+                <a:schemeClr val="accent1"/>
+              </a:fillRef>
+              <a:effectRef idx="0">
+                <a:schemeClr val="accent1"/>
+              </a:effectRef>
+              <a:fontRef idx="minor">
+                <a:schemeClr val="lt1"/>
+              </a:fontRef>
+            </p:style>
+            <p:txBody>
+              <a:bodyPr rtlCol="0" anchor="ctr"/>
+              <a:lstStyle/>
+              <a:p>
+                <a:pPr algn="ctr"/>
+                <a:endParaRPr lang="de-DE"/>
+              </a:p>
+            </p:txBody>
+          </p:sp>
+        </p:grpSp>
+        <p:grpSp>
+          <p:nvGrpSpPr>
+            <p:cNvPr id="18" name="Gruppieren 17">
+              <a:extLst>
+                <a:ext uri="{FF2B5EF4-FFF2-40B4-BE49-F238E27FC236}">
+                  <a16:creationId xmlns:a16="http://schemas.microsoft.com/office/drawing/2014/main" id="{3AB9B3EE-6AC9-A240-8D3A-0DCCFF77F808}"/>
+                </a:ext>
+              </a:extLst>
+            </p:cNvPr>
+            <p:cNvGrpSpPr/>
+            <p:nvPr/>
+          </p:nvGrpSpPr>
+          <p:grpSpPr>
+            <a:xfrm>
+              <a:off x="5445577" y="4137336"/>
+              <a:ext cx="2057401" cy="1091928"/>
+              <a:chOff x="1112593" y="4653642"/>
+              <a:chExt cx="2057401" cy="1091928"/>
+            </a:xfrm>
+          </p:grpSpPr>
+          <p:sp>
+            <p:nvSpPr>
+              <p:cNvPr id="19" name="Textfeld 18">
+                <a:extLst>
+                  <a:ext uri="{FF2B5EF4-FFF2-40B4-BE49-F238E27FC236}">
+                    <a16:creationId xmlns:a16="http://schemas.microsoft.com/office/drawing/2014/main" id="{562CBE4D-18D1-0E4D-A49F-8B7923FA8B42}"/>
+                  </a:ext>
+                </a:extLst>
+              </p:cNvPr>
+              <p:cNvSpPr txBox="1"/>
+              <p:nvPr/>
+            </p:nvSpPr>
+            <p:spPr>
+              <a:xfrm>
+                <a:off x="1112593" y="5345460"/>
+                <a:ext cx="2057401" cy="400110"/>
+              </a:xfrm>
+              <a:prstGeom prst="rect">
+                <a:avLst/>
+              </a:prstGeom>
+              <a:noFill/>
+            </p:spPr>
+            <p:txBody>
+              <a:bodyPr wrap="square" rtlCol="0">
+                <a:spAutoFit/>
+              </a:bodyPr>
+              <a:lstStyle/>
+              <a:p>
+                <a:pPr algn="ctr"/>
+                <a:r>
+                  <a:rPr lang="de-DE" sz="2000" dirty="0">
+                    <a:latin typeface="Helvetica Neue" panose="02000503000000020004" pitchFamily="2" charset="0"/>
+                    <a:ea typeface="Helvetica Neue" panose="02000503000000020004" pitchFamily="2" charset="0"/>
+                    <a:cs typeface="Helvetica Neue" panose="02000503000000020004" pitchFamily="2" charset="0"/>
+                  </a:rPr>
+                  <a:t>“Exploration“</a:t>
+                </a:r>
+              </a:p>
+            </p:txBody>
+          </p:sp>
+          <p:sp>
+            <p:nvSpPr>
+              <p:cNvPr id="20" name="Pfeil nach unten 19">
+                <a:extLst>
+                  <a:ext uri="{FF2B5EF4-FFF2-40B4-BE49-F238E27FC236}">
+                    <a16:creationId xmlns:a16="http://schemas.microsoft.com/office/drawing/2014/main" id="{B78C446C-BC64-A446-8F99-D0F81992B11F}"/>
+                  </a:ext>
+                </a:extLst>
+              </p:cNvPr>
+              <p:cNvSpPr/>
+              <p:nvPr/>
+            </p:nvSpPr>
+            <p:spPr>
+              <a:xfrm rot="10800000">
+                <a:off x="1963934" y="4653642"/>
+                <a:ext cx="354721" cy="717714"/>
+              </a:xfrm>
+              <a:prstGeom prst="downArrow">
+                <a:avLst>
+                  <a:gd name="adj1" fmla="val 45397"/>
+                  <a:gd name="adj2" fmla="val 59206"/>
+                </a:avLst>
+              </a:prstGeom>
+              <a:ln>
+                <a:noFill/>
+              </a:ln>
+            </p:spPr>
+            <p:style>
+              <a:lnRef idx="2">
+                <a:schemeClr val="accent1">
+                  <a:shade val="50000"/>
+                </a:schemeClr>
+              </a:lnRef>
+              <a:fillRef idx="1">
+                <a:schemeClr val="accent1"/>
+              </a:fillRef>
+              <a:effectRef idx="0">
+                <a:schemeClr val="accent1"/>
+              </a:effectRef>
+              <a:fontRef idx="minor">
+                <a:schemeClr val="lt1"/>
+              </a:fontRef>
+            </p:style>
+            <p:txBody>
+              <a:bodyPr rtlCol="0" anchor="ctr"/>
+              <a:lstStyle/>
+              <a:p>
+                <a:pPr algn="ctr"/>
+                <a:endParaRPr lang="de-DE"/>
+              </a:p>
+            </p:txBody>
+          </p:sp>
+        </p:grpSp>
+      </p:grpSp>
     </p:spTree>
     <p:extLst>
       <p:ext uri="{BB962C8B-B14F-4D97-AF65-F5344CB8AC3E}">
-        <p14:creationId xmlns:p14="http://schemas.microsoft.com/office/powerpoint/2010/main" val="1763117440"/>
+        <p14:creationId xmlns:p14="http://schemas.microsoft.com/office/powerpoint/2010/main" val="909521007"/>
       </p:ext>
     </p:extLst>
   </p:cSld>
@@ -5338,7 +10204,7 @@
                 <a:ea typeface="Helvetica Neue" panose="02000503000000020004" pitchFamily="2" charset="0"/>
                 <a:cs typeface="Helvetica Neue" panose="02000503000000020004" pitchFamily="2" charset="0"/>
               </a:rPr>
-              <a:t>Deep</a:t>
+              <a:t>Heuristics</a:t>
             </a:r>
             <a:r>
               <a:rPr lang="de-DE" sz="3200" dirty="0">
@@ -5346,6 +10212,22 @@
                 <a:ea typeface="Helvetica Neue" panose="02000503000000020004" pitchFamily="2" charset="0"/>
                 <a:cs typeface="Helvetica Neue" panose="02000503000000020004" pitchFamily="2" charset="0"/>
               </a:rPr>
+              <a:t>: BFS-</a:t>
+            </a:r>
+            <a:r>
+              <a:rPr lang="de-DE" sz="3200" dirty="0" err="1">
+                <a:latin typeface="Helvetica Neue" panose="02000503000000020004" pitchFamily="2" charset="0"/>
+                <a:ea typeface="Helvetica Neue" panose="02000503000000020004" pitchFamily="2" charset="0"/>
+                <a:cs typeface="Helvetica Neue" panose="02000503000000020004" pitchFamily="2" charset="0"/>
+              </a:rPr>
+              <a:t>Tree</a:t>
+            </a:r>
+            <a:r>
+              <a:rPr lang="de-DE" sz="3200" dirty="0">
+                <a:latin typeface="Helvetica Neue" panose="02000503000000020004" pitchFamily="2" charset="0"/>
+                <a:ea typeface="Helvetica Neue" panose="02000503000000020004" pitchFamily="2" charset="0"/>
+                <a:cs typeface="Helvetica Neue" panose="02000503000000020004" pitchFamily="2" charset="0"/>
+              </a:rPr>
               <a:t> </a:t>
             </a:r>
             <a:r>
@@ -5354,7 +10236,7 @@
                 <a:ea typeface="Helvetica Neue" panose="02000503000000020004" pitchFamily="2" charset="0"/>
                 <a:cs typeface="Helvetica Neue" panose="02000503000000020004" pitchFamily="2" charset="0"/>
               </a:rPr>
-              <a:t>Architect</a:t>
+              <a:t>Initialization</a:t>
             </a:r>
             <a:endParaRPr lang="de-DE" sz="3200" dirty="0">
               <a:latin typeface="Helvetica Neue" panose="02000503000000020004" pitchFamily="2" charset="0"/>
@@ -5552,40 +10434,62 @@
           </a:p>
         </p:txBody>
       </p:sp>
-      <p:pic>
-        <p:nvPicPr>
-          <p:cNvPr id="5" name="Grafik 4">
+      <p:sp>
+        <p:nvSpPr>
+          <p:cNvPr id="8" name="Inhaltsplatzhalter 2">
             <a:extLst>
               <a:ext uri="{FF2B5EF4-FFF2-40B4-BE49-F238E27FC236}">
-                <a16:creationId xmlns:a16="http://schemas.microsoft.com/office/drawing/2014/main" id="{B3832426-36DA-CA47-BE63-5754FF48C8C3}"/>
+                <a16:creationId xmlns:a16="http://schemas.microsoft.com/office/drawing/2014/main" id="{1BF0BE29-F4A0-5844-B8EE-4241EF018934}"/>
               </a:ext>
             </a:extLst>
           </p:cNvPr>
-          <p:cNvPicPr>
-            <a:picLocks noChangeAspect="1"/>
-          </p:cNvPicPr>
-          <p:nvPr/>
-        </p:nvPicPr>
-        <p:blipFill>
-          <a:blip r:embed="rId3"/>
-          <a:stretch>
-            <a:fillRect/>
-          </a:stretch>
-        </p:blipFill>
-        <p:spPr>
-          <a:xfrm>
-            <a:off x="800100" y="1898650"/>
-            <a:ext cx="7543800" cy="3060700"/>
-          </a:xfrm>
-          <a:prstGeom prst="rect">
-            <a:avLst/>
-          </a:prstGeom>
-        </p:spPr>
-      </p:pic>
+          <p:cNvSpPr>
+            <a:spLocks noGrp="1"/>
+          </p:cNvSpPr>
+          <p:nvPr>
+            <p:ph idx="1"/>
+          </p:nvPr>
+        </p:nvSpPr>
+        <p:spPr>
+          <a:xfrm>
+            <a:off x="235244" y="921857"/>
+            <a:ext cx="8908755" cy="5475321"/>
+          </a:xfrm>
+        </p:spPr>
+        <p:txBody>
+          <a:bodyPr>
+            <a:normAutofit/>
+          </a:bodyPr>
+          <a:lstStyle/>
+          <a:p>
+            <a:pPr marL="0" indent="0">
+              <a:buNone/>
+            </a:pPr>
+            <a:r>
+              <a:rPr lang="en-US" sz="2400" dirty="0">
+                <a:latin typeface="Helvetica Neue" panose="02000503000000020004" pitchFamily="2" charset="0"/>
+                <a:ea typeface="Helvetica Neue" panose="02000503000000020004" pitchFamily="2" charset="0"/>
+                <a:cs typeface="Helvetica Neue" panose="02000503000000020004" pitchFamily="2" charset="0"/>
+              </a:rPr>
+              <a:t>Quick Evaluation of root-successors</a:t>
+            </a:r>
+          </a:p>
+          <a:p>
+            <a:pPr marL="0" indent="0">
+              <a:buNone/>
+            </a:pPr>
+            <a:endParaRPr lang="en-US" sz="2400" dirty="0">
+              <a:latin typeface="Helvetica Neue" panose="02000503000000020004" pitchFamily="2" charset="0"/>
+              <a:ea typeface="Helvetica Neue" panose="02000503000000020004" pitchFamily="2" charset="0"/>
+              <a:cs typeface="Helvetica Neue" panose="02000503000000020004" pitchFamily="2" charset="0"/>
+            </a:endParaRPr>
+          </a:p>
+        </p:txBody>
+      </p:sp>
     </p:spTree>
     <p:extLst>
       <p:ext uri="{BB962C8B-B14F-4D97-AF65-F5344CB8AC3E}">
-        <p14:creationId xmlns:p14="http://schemas.microsoft.com/office/powerpoint/2010/main" val="3895809308"/>
+        <p14:creationId xmlns:p14="http://schemas.microsoft.com/office/powerpoint/2010/main" val="2573669971"/>
       </p:ext>
     </p:extLst>
   </p:cSld>
@@ -5647,7 +10551,7 @@
                 <a:ea typeface="Helvetica Neue" panose="02000503000000020004" pitchFamily="2" charset="0"/>
                 <a:cs typeface="Helvetica Neue" panose="02000503000000020004" pitchFamily="2" charset="0"/>
               </a:rPr>
-              <a:t>Dec</a:t>
+              <a:t>Heuristics</a:t>
             </a:r>
             <a:r>
               <a:rPr lang="de-DE" sz="3200" dirty="0">
@@ -5655,8 +10559,21 @@
                 <a:ea typeface="Helvetica Neue" panose="02000503000000020004" pitchFamily="2" charset="0"/>
                 <a:cs typeface="Helvetica Neue" panose="02000503000000020004" pitchFamily="2" charset="0"/>
               </a:rPr>
-              <a:t>-MCTS</a:t>
-            </a:r>
+              <a:t>: Loss </a:t>
+            </a:r>
+            <a:r>
+              <a:rPr lang="de-DE" sz="3200" dirty="0" err="1">
+                <a:latin typeface="Helvetica Neue" panose="02000503000000020004" pitchFamily="2" charset="0"/>
+                <a:ea typeface="Helvetica Neue" panose="02000503000000020004" pitchFamily="2" charset="0"/>
+                <a:cs typeface="Helvetica Neue" panose="02000503000000020004" pitchFamily="2" charset="0"/>
+              </a:rPr>
+              <a:t>Avoidance</a:t>
+            </a:r>
+            <a:endParaRPr lang="de-DE" sz="3200" dirty="0">
+              <a:latin typeface="Helvetica Neue" panose="02000503000000020004" pitchFamily="2" charset="0"/>
+              <a:ea typeface="Helvetica Neue" panose="02000503000000020004" pitchFamily="2" charset="0"/>
+              <a:cs typeface="Helvetica Neue" panose="02000503000000020004" pitchFamily="2" charset="0"/>
+            </a:endParaRPr>
           </a:p>
         </p:txBody>
       </p:sp>
@@ -5848,40 +10765,62 @@
           </a:p>
         </p:txBody>
       </p:sp>
-      <p:pic>
-        <p:nvPicPr>
-          <p:cNvPr id="5" name="Grafik 4" descr="Ein Bild, das Text enthält.&#10;&#10;Automatisch generierte Beschreibung">
+      <p:sp>
+        <p:nvSpPr>
+          <p:cNvPr id="8" name="Inhaltsplatzhalter 2">
             <a:extLst>
               <a:ext uri="{FF2B5EF4-FFF2-40B4-BE49-F238E27FC236}">
-                <a16:creationId xmlns:a16="http://schemas.microsoft.com/office/drawing/2014/main" id="{58B7C1DD-B6AA-6844-93E6-405587F990D5}"/>
+                <a16:creationId xmlns:a16="http://schemas.microsoft.com/office/drawing/2014/main" id="{1BF0BE29-F4A0-5844-B8EE-4241EF018934}"/>
               </a:ext>
             </a:extLst>
           </p:cNvPr>
-          <p:cNvPicPr>
-            <a:picLocks noChangeAspect="1"/>
-          </p:cNvPicPr>
-          <p:nvPr/>
-        </p:nvPicPr>
-        <p:blipFill>
-          <a:blip r:embed="rId3"/>
-          <a:stretch>
-            <a:fillRect/>
-          </a:stretch>
-        </p:blipFill>
-        <p:spPr>
-          <a:xfrm>
-            <a:off x="628649" y="903767"/>
-            <a:ext cx="7886700" cy="5464057"/>
-          </a:xfrm>
-          <a:prstGeom prst="rect">
-            <a:avLst/>
-          </a:prstGeom>
-        </p:spPr>
-      </p:pic>
+          <p:cNvSpPr>
+            <a:spLocks noGrp="1"/>
+          </p:cNvSpPr>
+          <p:nvPr>
+            <p:ph idx="1"/>
+          </p:nvPr>
+        </p:nvSpPr>
+        <p:spPr>
+          <a:xfrm>
+            <a:off x="235244" y="921857"/>
+            <a:ext cx="8908755" cy="5475321"/>
+          </a:xfrm>
+        </p:spPr>
+        <p:txBody>
+          <a:bodyPr>
+            <a:normAutofit/>
+          </a:bodyPr>
+          <a:lstStyle/>
+          <a:p>
+            <a:pPr marL="0" indent="0">
+              <a:buNone/>
+            </a:pPr>
+            <a:r>
+              <a:rPr lang="en-US" sz="2400" dirty="0">
+                <a:latin typeface="Helvetica Neue" panose="02000503000000020004" pitchFamily="2" charset="0"/>
+                <a:ea typeface="Helvetica Neue" panose="02000503000000020004" pitchFamily="2" charset="0"/>
+                <a:cs typeface="Helvetica Neue" panose="02000503000000020004" pitchFamily="2" charset="0"/>
+              </a:rPr>
+              <a:t>Ignore negative results when encountering new nodes</a:t>
+            </a:r>
+          </a:p>
+          <a:p>
+            <a:pPr marL="0" indent="0">
+              <a:buNone/>
+            </a:pPr>
+            <a:endParaRPr lang="en-US" sz="2400" dirty="0">
+              <a:latin typeface="Helvetica Neue" panose="02000503000000020004" pitchFamily="2" charset="0"/>
+              <a:ea typeface="Helvetica Neue" panose="02000503000000020004" pitchFamily="2" charset="0"/>
+              <a:cs typeface="Helvetica Neue" panose="02000503000000020004" pitchFamily="2" charset="0"/>
+            </a:endParaRPr>
+          </a:p>
+        </p:txBody>
+      </p:sp>
     </p:spTree>
     <p:extLst>
       <p:ext uri="{BB962C8B-B14F-4D97-AF65-F5344CB8AC3E}">
-        <p14:creationId xmlns:p14="http://schemas.microsoft.com/office/powerpoint/2010/main" val="2871821221"/>
+        <p14:creationId xmlns:p14="http://schemas.microsoft.com/office/powerpoint/2010/main" val="2149506364"/>
       </p:ext>
     </p:extLst>
   </p:cSld>
@@ -5943,15 +10882,15 @@
                 <a:ea typeface="Helvetica Neue" panose="02000503000000020004" pitchFamily="2" charset="0"/>
                 <a:cs typeface="Helvetica Neue" panose="02000503000000020004" pitchFamily="2" charset="0"/>
               </a:rPr>
-              <a:t>Geometrical</a:t>
-            </a:r>
-            <a:r>
-              <a:rPr lang="de-DE" sz="3200">
-                <a:latin typeface="Helvetica Neue" panose="02000503000000020004" pitchFamily="2" charset="0"/>
-                <a:ea typeface="Helvetica Neue" panose="02000503000000020004" pitchFamily="2" charset="0"/>
-                <a:cs typeface="Helvetica Neue" panose="02000503000000020004" pitchFamily="2" charset="0"/>
-              </a:rPr>
-              <a:t> Graph </a:t>
+              <a:t>Heuristics</a:t>
+            </a:r>
+            <a:r>
+              <a:rPr lang="de-DE" sz="3200" dirty="0">
+                <a:latin typeface="Helvetica Neue" panose="02000503000000020004" pitchFamily="2" charset="0"/>
+                <a:ea typeface="Helvetica Neue" panose="02000503000000020004" pitchFamily="2" charset="0"/>
+                <a:cs typeface="Helvetica Neue" panose="02000503000000020004" pitchFamily="2" charset="0"/>
+              </a:rPr>
+              <a:t>: </a:t>
             </a:r>
             <a:r>
               <a:rPr lang="de-DE" sz="3200" dirty="0" err="1">
@@ -5959,7 +10898,23 @@
                 <a:ea typeface="Helvetica Neue" panose="02000503000000020004" pitchFamily="2" charset="0"/>
                 <a:cs typeface="Helvetica Neue" panose="02000503000000020004" pitchFamily="2" charset="0"/>
               </a:rPr>
-              <a:t>Matching</a:t>
+              <a:t>Novelty-based</a:t>
+            </a:r>
+            <a:r>
+              <a:rPr lang="de-DE" sz="3200" dirty="0">
+                <a:latin typeface="Helvetica Neue" panose="02000503000000020004" pitchFamily="2" charset="0"/>
+                <a:ea typeface="Helvetica Neue" panose="02000503000000020004" pitchFamily="2" charset="0"/>
+                <a:cs typeface="Helvetica Neue" panose="02000503000000020004" pitchFamily="2" charset="0"/>
+              </a:rPr>
+              <a:t> </a:t>
+            </a:r>
+            <a:r>
+              <a:rPr lang="de-DE" sz="3200" dirty="0" err="1">
+                <a:latin typeface="Helvetica Neue" panose="02000503000000020004" pitchFamily="2" charset="0"/>
+                <a:ea typeface="Helvetica Neue" panose="02000503000000020004" pitchFamily="2" charset="0"/>
+                <a:cs typeface="Helvetica Neue" panose="02000503000000020004" pitchFamily="2" charset="0"/>
+              </a:rPr>
+              <a:t>Pruning</a:t>
             </a:r>
             <a:endParaRPr lang="de-DE" sz="3200" dirty="0">
               <a:latin typeface="Helvetica Neue" panose="02000503000000020004" pitchFamily="2" charset="0"/>
@@ -6157,40 +11112,102 @@
           </a:p>
         </p:txBody>
       </p:sp>
-      <p:pic>
-        <p:nvPicPr>
-          <p:cNvPr id="4" name="Grafik 3">
+      <p:sp>
+        <p:nvSpPr>
+          <p:cNvPr id="8" name="Inhaltsplatzhalter 2">
             <a:extLst>
               <a:ext uri="{FF2B5EF4-FFF2-40B4-BE49-F238E27FC236}">
-                <a16:creationId xmlns:a16="http://schemas.microsoft.com/office/drawing/2014/main" id="{B0B22595-EF64-8746-9D8A-B726F6EA605C}"/>
+                <a16:creationId xmlns:a16="http://schemas.microsoft.com/office/drawing/2014/main" id="{1BF0BE29-F4A0-5844-B8EE-4241EF018934}"/>
               </a:ext>
             </a:extLst>
           </p:cNvPr>
-          <p:cNvPicPr>
-            <a:picLocks noChangeAspect="1"/>
-          </p:cNvPicPr>
-          <p:nvPr/>
-        </p:nvPicPr>
-        <p:blipFill>
-          <a:blip r:embed="rId3"/>
-          <a:stretch>
-            <a:fillRect/>
-          </a:stretch>
-        </p:blipFill>
-        <p:spPr>
-          <a:xfrm>
-            <a:off x="1488554" y="817710"/>
-            <a:ext cx="6166890" cy="5580162"/>
-          </a:xfrm>
-          <a:prstGeom prst="rect">
-            <a:avLst/>
-          </a:prstGeom>
-        </p:spPr>
-      </p:pic>
+          <p:cNvSpPr>
+            <a:spLocks noGrp="1"/>
+          </p:cNvSpPr>
+          <p:nvPr>
+            <p:ph idx="1"/>
+          </p:nvPr>
+        </p:nvSpPr>
+        <p:spPr>
+          <a:xfrm>
+            <a:off x="235244" y="921857"/>
+            <a:ext cx="8908755" cy="5475321"/>
+          </a:xfrm>
+        </p:spPr>
+        <p:txBody>
+          <a:bodyPr>
+            <a:normAutofit/>
+          </a:bodyPr>
+          <a:lstStyle/>
+          <a:p>
+            <a:pPr marL="0" indent="0">
+              <a:buNone/>
+            </a:pPr>
+            <a:r>
+              <a:rPr lang="en-US" sz="2400" dirty="0">
+                <a:latin typeface="Helvetica Neue" panose="02000503000000020004" pitchFamily="2" charset="0"/>
+                <a:ea typeface="Helvetica Neue" panose="02000503000000020004" pitchFamily="2" charset="0"/>
+                <a:cs typeface="Helvetica Neue" panose="02000503000000020004" pitchFamily="2" charset="0"/>
+              </a:rPr>
+              <a:t>Define a novelty measure </a:t>
+            </a:r>
+            <a:r>
+              <a:rPr lang="en-US" sz="2400" dirty="0" err="1">
+                <a:latin typeface="Cambria Math" panose="02040503050406030204" pitchFamily="18" charset="0"/>
+                <a:ea typeface="Cambria Math" panose="02040503050406030204" pitchFamily="18" charset="0"/>
+                <a:cs typeface="Helvetica Neue" panose="02000503000000020004" pitchFamily="2" charset="0"/>
+              </a:rPr>
+              <a:t>nov</a:t>
+            </a:r>
+            <a:r>
+              <a:rPr lang="en-US" sz="2400" dirty="0">
+                <a:latin typeface="Cambria Math" panose="02040503050406030204" pitchFamily="18" charset="0"/>
+                <a:ea typeface="Cambria Math" panose="02040503050406030204" pitchFamily="18" charset="0"/>
+                <a:cs typeface="Helvetica Neue" panose="02000503000000020004" pitchFamily="2" charset="0"/>
+              </a:rPr>
+              <a:t>(v)</a:t>
+            </a:r>
+            <a:r>
+              <a:rPr lang="en-US" sz="2400" dirty="0">
+                <a:latin typeface="Helvetica Neue" panose="02000503000000020004" pitchFamily="2" charset="0"/>
+                <a:ea typeface="Helvetica Neue" panose="02000503000000020004" pitchFamily="2" charset="0"/>
+                <a:cs typeface="Helvetica Neue" panose="02000503000000020004" pitchFamily="2" charset="0"/>
+              </a:rPr>
+              <a:t>,</a:t>
+            </a:r>
+            <a:r>
+              <a:rPr lang="en-US" sz="2400" dirty="0">
+                <a:latin typeface="Cambria Math" panose="02040503050406030204" pitchFamily="18" charset="0"/>
+                <a:ea typeface="Cambria Math" panose="02040503050406030204" pitchFamily="18" charset="0"/>
+                <a:cs typeface="Helvetica Neue" panose="02000503000000020004" pitchFamily="2" charset="0"/>
+              </a:rPr>
+              <a:t> </a:t>
+            </a:r>
+            <a:r>
+              <a:rPr lang="en-US" sz="2400" dirty="0">
+                <a:latin typeface="Helvetica Neue" panose="02000503000000020004" pitchFamily="2" charset="0"/>
+                <a:ea typeface="Helvetica Neue" panose="02000503000000020004" pitchFamily="2" charset="0"/>
+                <a:cs typeface="Helvetica Neue" panose="02000503000000020004" pitchFamily="2" charset="0"/>
+              </a:rPr>
+              <a:t>all nodes below a threshold are pruned</a:t>
+            </a:r>
+          </a:p>
+          <a:p>
+            <a:pPr marL="0" indent="0">
+              <a:buNone/>
+            </a:pPr>
+            <a:endParaRPr lang="en-US" sz="2400" dirty="0">
+              <a:latin typeface="Helvetica Neue" panose="02000503000000020004" pitchFamily="2" charset="0"/>
+              <a:ea typeface="Helvetica Neue" panose="02000503000000020004" pitchFamily="2" charset="0"/>
+              <a:cs typeface="Helvetica Neue" panose="02000503000000020004" pitchFamily="2" charset="0"/>
+            </a:endParaRPr>
+          </a:p>
+        </p:txBody>
+      </p:sp>
     </p:spTree>
     <p:extLst>
       <p:ext uri="{BB962C8B-B14F-4D97-AF65-F5344CB8AC3E}">
-        <p14:creationId xmlns:p14="http://schemas.microsoft.com/office/powerpoint/2010/main" val="565660040"/>
+        <p14:creationId xmlns:p14="http://schemas.microsoft.com/office/powerpoint/2010/main" val="128468613"/>
       </p:ext>
     </p:extLst>
   </p:cSld>
@@ -6252,7 +11269,7 @@
                 <a:ea typeface="Helvetica Neue" panose="02000503000000020004" pitchFamily="2" charset="0"/>
                 <a:cs typeface="Helvetica Neue" panose="02000503000000020004" pitchFamily="2" charset="0"/>
               </a:rPr>
-              <a:t>Ms</a:t>
+              <a:t>Heuristics</a:t>
             </a:r>
             <a:r>
               <a:rPr lang="de-DE" sz="3200" dirty="0">
@@ -6260,7 +11277,7 @@
                 <a:ea typeface="Helvetica Neue" panose="02000503000000020004" pitchFamily="2" charset="0"/>
                 <a:cs typeface="Helvetica Neue" panose="02000503000000020004" pitchFamily="2" charset="0"/>
               </a:rPr>
-              <a:t> </a:t>
+              <a:t>: Knowledge-</a:t>
             </a:r>
             <a:r>
               <a:rPr lang="de-DE" sz="3200" dirty="0" err="1">
@@ -6268,13 +11285,16 @@
                 <a:ea typeface="Helvetica Neue" panose="02000503000000020004" pitchFamily="2" charset="0"/>
                 <a:cs typeface="Helvetica Neue" panose="02000503000000020004" pitchFamily="2" charset="0"/>
               </a:rPr>
-              <a:t>Pacman</a:t>
-            </a:r>
-            <a:endParaRPr lang="de-DE" sz="3200" dirty="0">
-              <a:latin typeface="Helvetica Neue" panose="02000503000000020004" pitchFamily="2" charset="0"/>
-              <a:ea typeface="Helvetica Neue" panose="02000503000000020004" pitchFamily="2" charset="0"/>
-              <a:cs typeface="Helvetica Neue" panose="02000503000000020004" pitchFamily="2" charset="0"/>
-            </a:endParaRPr>
+              <a:t>based</a:t>
+            </a:r>
+            <a:r>
+              <a:rPr lang="de-DE" sz="3200" dirty="0">
+                <a:latin typeface="Helvetica Neue" panose="02000503000000020004" pitchFamily="2" charset="0"/>
+                <a:ea typeface="Helvetica Neue" panose="02000503000000020004" pitchFamily="2" charset="0"/>
+                <a:cs typeface="Helvetica Neue" panose="02000503000000020004" pitchFamily="2" charset="0"/>
+              </a:rPr>
+              <a:t> Evaluations</a:t>
+            </a:r>
           </a:p>
         </p:txBody>
       </p:sp>
@@ -6466,70 +11486,62 @@
           </a:p>
         </p:txBody>
       </p:sp>
-      <p:pic>
-        <p:nvPicPr>
-          <p:cNvPr id="4" name="Grafik 3" descr="Ein Bild, das Text, Karte enthält.&#10;&#10;Automatisch generierte Beschreibung">
+      <p:sp>
+        <p:nvSpPr>
+          <p:cNvPr id="8" name="Inhaltsplatzhalter 2">
             <a:extLst>
               <a:ext uri="{FF2B5EF4-FFF2-40B4-BE49-F238E27FC236}">
-                <a16:creationId xmlns:a16="http://schemas.microsoft.com/office/drawing/2014/main" id="{A96DA30F-79A9-7D41-A30D-E56348C88DCE}"/>
+                <a16:creationId xmlns:a16="http://schemas.microsoft.com/office/drawing/2014/main" id="{1BF0BE29-F4A0-5844-B8EE-4241EF018934}"/>
               </a:ext>
             </a:extLst>
           </p:cNvPr>
-          <p:cNvPicPr>
-            <a:picLocks noChangeAspect="1"/>
-          </p:cNvPicPr>
-          <p:nvPr/>
-        </p:nvPicPr>
-        <p:blipFill>
-          <a:blip r:embed="rId3"/>
-          <a:stretch>
-            <a:fillRect/>
-          </a:stretch>
-        </p:blipFill>
-        <p:spPr>
-          <a:xfrm>
-            <a:off x="0" y="1465153"/>
-            <a:ext cx="3952103" cy="4289890"/>
-          </a:xfrm>
-          <a:prstGeom prst="rect">
-            <a:avLst/>
-          </a:prstGeom>
-        </p:spPr>
-      </p:pic>
-      <p:pic>
-        <p:nvPicPr>
-          <p:cNvPr id="6" name="Grafik 5" descr="Ein Bild, das Karte, Zeichnung enthält.&#10;&#10;Automatisch generierte Beschreibung">
-            <a:extLst>
-              <a:ext uri="{FF2B5EF4-FFF2-40B4-BE49-F238E27FC236}">
-                <a16:creationId xmlns:a16="http://schemas.microsoft.com/office/drawing/2014/main" id="{DF91795D-9E26-E141-8AF0-F6AFF5669BAA}"/>
-              </a:ext>
-            </a:extLst>
-          </p:cNvPr>
-          <p:cNvPicPr>
-            <a:picLocks noChangeAspect="1"/>
-          </p:cNvPicPr>
-          <p:nvPr/>
-        </p:nvPicPr>
-        <p:blipFill>
-          <a:blip r:embed="rId4"/>
-          <a:stretch>
-            <a:fillRect/>
-          </a:stretch>
-        </p:blipFill>
-        <p:spPr>
-          <a:xfrm>
-            <a:off x="4129855" y="2308822"/>
-            <a:ext cx="4807595" cy="2240355"/>
-          </a:xfrm>
-          <a:prstGeom prst="rect">
-            <a:avLst/>
-          </a:prstGeom>
-        </p:spPr>
-      </p:pic>
+          <p:cNvSpPr>
+            <a:spLocks noGrp="1"/>
+          </p:cNvSpPr>
+          <p:nvPr>
+            <p:ph idx="1"/>
+          </p:nvPr>
+        </p:nvSpPr>
+        <p:spPr>
+          <a:xfrm>
+            <a:off x="235244" y="921857"/>
+            <a:ext cx="8908755" cy="5475321"/>
+          </a:xfrm>
+        </p:spPr>
+        <p:txBody>
+          <a:bodyPr>
+            <a:normAutofit/>
+          </a:bodyPr>
+          <a:lstStyle/>
+          <a:p>
+            <a:pPr marL="0" indent="0">
+              <a:buNone/>
+            </a:pPr>
+            <a:r>
+              <a:rPr lang="en-US" sz="2400" dirty="0">
+                <a:latin typeface="Helvetica Neue" panose="02000503000000020004" pitchFamily="2" charset="0"/>
+                <a:ea typeface="Helvetica Neue" panose="02000503000000020004" pitchFamily="2" charset="0"/>
+                <a:cs typeface="Helvetica Neue" panose="02000503000000020004" pitchFamily="2" charset="0"/>
+              </a:rPr>
+              <a:t>Use A* and knowledge of the game to consider the distance to interesting objects</a:t>
+            </a:r>
+          </a:p>
+          <a:p>
+            <a:pPr marL="0" indent="0">
+              <a:buNone/>
+            </a:pPr>
+            <a:endParaRPr lang="en-US" sz="2400" dirty="0">
+              <a:latin typeface="Helvetica Neue" panose="02000503000000020004" pitchFamily="2" charset="0"/>
+              <a:ea typeface="Helvetica Neue" panose="02000503000000020004" pitchFamily="2" charset="0"/>
+              <a:cs typeface="Helvetica Neue" panose="02000503000000020004" pitchFamily="2" charset="0"/>
+            </a:endParaRPr>
+          </a:p>
+        </p:txBody>
+      </p:sp>
     </p:spTree>
     <p:extLst>
       <p:ext uri="{BB962C8B-B14F-4D97-AF65-F5344CB8AC3E}">
-        <p14:creationId xmlns:p14="http://schemas.microsoft.com/office/powerpoint/2010/main" val="2164196287"/>
+        <p14:creationId xmlns:p14="http://schemas.microsoft.com/office/powerpoint/2010/main" val="2112310289"/>
       </p:ext>
     </p:extLst>
   </p:cSld>
@@ -6586,110 +11598,46 @@
           <a:p>
             <a:pPr algn="ctr"/>
             <a:r>
+              <a:rPr lang="de-DE" sz="3200" dirty="0" err="1">
+                <a:latin typeface="Helvetica Neue" panose="02000503000000020004" pitchFamily="2" charset="0"/>
+                <a:ea typeface="Helvetica Neue" panose="02000503000000020004" pitchFamily="2" charset="0"/>
+                <a:cs typeface="Helvetica Neue" panose="02000503000000020004" pitchFamily="2" charset="0"/>
+              </a:rPr>
+              <a:t>Heuristics</a:t>
+            </a:r>
+            <a:r>
               <a:rPr lang="de-DE" sz="3200" dirty="0">
                 <a:latin typeface="Helvetica Neue" panose="02000503000000020004" pitchFamily="2" charset="0"/>
                 <a:ea typeface="Helvetica Neue" panose="02000503000000020004" pitchFamily="2" charset="0"/>
                 <a:cs typeface="Helvetica Neue" panose="02000503000000020004" pitchFamily="2" charset="0"/>
               </a:rPr>
-              <a:t>Zusammenfassung</a:t>
-            </a:r>
-          </a:p>
-        </p:txBody>
-      </p:sp>
-      <p:sp>
-        <p:nvSpPr>
-          <p:cNvPr id="3" name="Inhaltsplatzhalter 2">
+              <a:t>: All </a:t>
+            </a:r>
+            <a:r>
+              <a:rPr lang="de-DE" sz="3200" dirty="0" err="1">
+                <a:latin typeface="Helvetica Neue" panose="02000503000000020004" pitchFamily="2" charset="0"/>
+                <a:ea typeface="Helvetica Neue" panose="02000503000000020004" pitchFamily="2" charset="0"/>
+                <a:cs typeface="Helvetica Neue" panose="02000503000000020004" pitchFamily="2" charset="0"/>
+              </a:rPr>
+              <a:t>Moves</a:t>
+            </a:r>
+            <a:r>
+              <a:rPr lang="de-DE" sz="3200" dirty="0">
+                <a:latin typeface="Helvetica Neue" panose="02000503000000020004" pitchFamily="2" charset="0"/>
+                <a:ea typeface="Helvetica Neue" panose="02000503000000020004" pitchFamily="2" charset="0"/>
+                <a:cs typeface="Helvetica Neue" panose="02000503000000020004" pitchFamily="2" charset="0"/>
+              </a:rPr>
+              <a:t> As First</a:t>
+            </a:r>
+          </a:p>
+        </p:txBody>
+      </p:sp>
+      <p:cxnSp>
+        <p:nvCxnSpPr>
+          <p:cNvPr id="7" name="Gerade Verbindung 6">
             <a:extLst>
               <a:ext uri="{FF2B5EF4-FFF2-40B4-BE49-F238E27FC236}">
-                <a16:creationId xmlns:a16="http://schemas.microsoft.com/office/drawing/2014/main" id="{F5811B9C-926A-9A46-B41C-3D8E1933BF2B}"/>
-              </a:ext>
-            </a:extLst>
-          </p:cNvPr>
-          <p:cNvSpPr>
-            <a:spLocks noGrp="1"/>
-          </p:cNvSpPr>
-          <p:nvPr>
-            <p:ph idx="1"/>
-          </p:nvPr>
-        </p:nvSpPr>
-        <p:spPr>
-          <a:xfrm>
-            <a:off x="235244" y="921857"/>
-            <a:ext cx="8908755" cy="5475321"/>
-          </a:xfrm>
-        </p:spPr>
-        <p:txBody>
-          <a:bodyPr>
-            <a:normAutofit/>
-          </a:bodyPr>
-          <a:lstStyle/>
-          <a:p>
-            <a:r>
-              <a:rPr lang="en-US" sz="2400" dirty="0">
-                <a:latin typeface="Helvetica Neue" panose="02000503000000020004" pitchFamily="2" charset="0"/>
-                <a:ea typeface="Helvetica Neue" panose="02000503000000020004" pitchFamily="2" charset="0"/>
-                <a:cs typeface="Helvetica Neue" panose="02000503000000020004" pitchFamily="2" charset="0"/>
-              </a:rPr>
-              <a:t>Go…</a:t>
-            </a:r>
-          </a:p>
-        </p:txBody>
-      </p:sp>
-      <p:sp>
-        <p:nvSpPr>
-          <p:cNvPr id="11" name="Foliennummernplatzhalter 7">
-            <a:extLst>
-              <a:ext uri="{FF2B5EF4-FFF2-40B4-BE49-F238E27FC236}">
-                <a16:creationId xmlns:a16="http://schemas.microsoft.com/office/drawing/2014/main" id="{1FB1F040-1A5F-FD42-988A-36F71C3500AA}"/>
-              </a:ext>
-            </a:extLst>
-          </p:cNvPr>
-          <p:cNvSpPr>
-            <a:spLocks noGrp="1"/>
-          </p:cNvSpPr>
-          <p:nvPr>
-            <p:ph type="sldNum" sz="quarter" idx="12"/>
-          </p:nvPr>
-        </p:nvSpPr>
-        <p:spPr>
-          <a:xfrm>
-            <a:off x="6457950" y="6492875"/>
-            <a:ext cx="2057400" cy="365125"/>
-          </a:xfrm>
-        </p:spPr>
-        <p:txBody>
-          <a:bodyPr/>
-          <a:lstStyle/>
-          <a:p>
-            <a:fld id="{33D1F4C7-E7FD-814C-996E-6B4DFE7BF75E}" type="slidenum">
-              <a:rPr lang="de-DE" smtClean="0">
-                <a:solidFill>
-                  <a:schemeClr val="tx1"/>
-                </a:solidFill>
-                <a:latin typeface="Helvetica Neue" panose="02000503000000020004" pitchFamily="2" charset="0"/>
-                <a:ea typeface="Helvetica Neue" panose="02000503000000020004" pitchFamily="2" charset="0"/>
-                <a:cs typeface="Helvetica Neue" panose="02000503000000020004" pitchFamily="2" charset="0"/>
-              </a:rPr>
-              <a:pPr/>
-              <a:t>9</a:t>
-            </a:fld>
-            <a:endParaRPr lang="de-DE" dirty="0">
-              <a:solidFill>
-                <a:schemeClr val="tx1"/>
-              </a:solidFill>
-              <a:latin typeface="Helvetica Neue" panose="02000503000000020004" pitchFamily="2" charset="0"/>
-              <a:ea typeface="Helvetica Neue" panose="02000503000000020004" pitchFamily="2" charset="0"/>
-              <a:cs typeface="Helvetica Neue" panose="02000503000000020004" pitchFamily="2" charset="0"/>
-            </a:endParaRPr>
-          </a:p>
-        </p:txBody>
-      </p:sp>
-      <p:cxnSp>
-        <p:nvCxnSpPr>
-          <p:cNvPr id="12" name="Gerade Verbindung 11">
-            <a:extLst>
-              <a:ext uri="{FF2B5EF4-FFF2-40B4-BE49-F238E27FC236}">
-                <a16:creationId xmlns:a16="http://schemas.microsoft.com/office/drawing/2014/main" id="{CC0CD278-CCB2-DB41-BDE1-2B0E99215440}"/>
+                <a16:creationId xmlns:a16="http://schemas.microsoft.com/office/drawing/2014/main" id="{0AD69E0B-8821-6D4E-9CB0-419E45AE5D16}"/>
               </a:ext>
             </a:extLst>
           </p:cNvPr>
@@ -6723,10 +11671,59 @@
       </p:cxnSp>
       <p:sp>
         <p:nvSpPr>
-          <p:cNvPr id="10" name="Datumsplatzhalter 5">
+          <p:cNvPr id="10" name="Foliennummernplatzhalter 7">
             <a:extLst>
               <a:ext uri="{FF2B5EF4-FFF2-40B4-BE49-F238E27FC236}">
-                <a16:creationId xmlns:a16="http://schemas.microsoft.com/office/drawing/2014/main" id="{6CC0421A-F3BB-3D47-B3D1-24AEC93F5041}"/>
+                <a16:creationId xmlns:a16="http://schemas.microsoft.com/office/drawing/2014/main" id="{9071D67C-0761-AE40-B0C9-6FCD37958A2D}"/>
+              </a:ext>
+            </a:extLst>
+          </p:cNvPr>
+          <p:cNvSpPr>
+            <a:spLocks noGrp="1"/>
+          </p:cNvSpPr>
+          <p:nvPr>
+            <p:ph type="sldNum" sz="quarter" idx="12"/>
+          </p:nvPr>
+        </p:nvSpPr>
+        <p:spPr>
+          <a:xfrm>
+            <a:off x="6457950" y="6492875"/>
+            <a:ext cx="2057400" cy="365125"/>
+          </a:xfrm>
+        </p:spPr>
+        <p:txBody>
+          <a:bodyPr/>
+          <a:lstStyle/>
+          <a:p>
+            <a:fld id="{33D1F4C7-E7FD-814C-996E-6B4DFE7BF75E}" type="slidenum">
+              <a:rPr lang="de-DE" smtClean="0">
+                <a:solidFill>
+                  <a:schemeClr val="tx1"/>
+                </a:solidFill>
+                <a:latin typeface="Helvetica Neue" panose="02000503000000020004" pitchFamily="2" charset="0"/>
+                <a:ea typeface="Helvetica Neue" panose="02000503000000020004" pitchFamily="2" charset="0"/>
+                <a:cs typeface="Helvetica Neue" panose="02000503000000020004" pitchFamily="2" charset="0"/>
+              </a:rPr>
+              <a:pPr/>
+              <a:t>9</a:t>
+            </a:fld>
+            <a:endParaRPr lang="de-DE" dirty="0">
+              <a:solidFill>
+                <a:schemeClr val="tx1"/>
+              </a:solidFill>
+              <a:latin typeface="Helvetica Neue" panose="02000503000000020004" pitchFamily="2" charset="0"/>
+              <a:ea typeface="Helvetica Neue" panose="02000503000000020004" pitchFamily="2" charset="0"/>
+              <a:cs typeface="Helvetica Neue" panose="02000503000000020004" pitchFamily="2" charset="0"/>
+            </a:endParaRPr>
+          </a:p>
+        </p:txBody>
+      </p:sp>
+      <p:sp>
+        <p:nvSpPr>
+          <p:cNvPr id="13" name="Datumsplatzhalter 5">
+            <a:extLst>
+              <a:ext uri="{FF2B5EF4-FFF2-40B4-BE49-F238E27FC236}">
+                <a16:creationId xmlns:a16="http://schemas.microsoft.com/office/drawing/2014/main" id="{B76C9C4A-3763-EF48-AF20-A0BEFB490291}"/>
               </a:ext>
             </a:extLst>
           </p:cNvPr>
@@ -6763,10 +11760,10 @@
       </p:sp>
       <p:sp>
         <p:nvSpPr>
-          <p:cNvPr id="13" name="Fußzeilenplatzhalter 6">
+          <p:cNvPr id="14" name="Fußzeilenplatzhalter 6">
             <a:extLst>
               <a:ext uri="{FF2B5EF4-FFF2-40B4-BE49-F238E27FC236}">
-                <a16:creationId xmlns:a16="http://schemas.microsoft.com/office/drawing/2014/main" id="{FB671D82-30DC-644D-A376-CB50FD529040}"/>
+                <a16:creationId xmlns:a16="http://schemas.microsoft.com/office/drawing/2014/main" id="{C47564DE-68CC-DB46-9239-AD5A89282CC1}"/>
               </a:ext>
             </a:extLst>
           </p:cNvPr>
@@ -6823,10 +11820,40 @@
           </a:p>
         </p:txBody>
       </p:sp>
+      <p:pic>
+        <p:nvPicPr>
+          <p:cNvPr id="4" name="Grafik 3" descr="Ein Bild, das Text, Karte enthält.&#10;&#10;Automatisch generierte Beschreibung">
+            <a:extLst>
+              <a:ext uri="{FF2B5EF4-FFF2-40B4-BE49-F238E27FC236}">
+                <a16:creationId xmlns:a16="http://schemas.microsoft.com/office/drawing/2014/main" id="{D26BCE71-17E2-7246-81C0-20F08FA66C67}"/>
+              </a:ext>
+            </a:extLst>
+          </p:cNvPr>
+          <p:cNvPicPr>
+            <a:picLocks noChangeAspect="1"/>
+          </p:cNvPicPr>
+          <p:nvPr/>
+        </p:nvPicPr>
+        <p:blipFill>
+          <a:blip r:embed="rId3"/>
+          <a:stretch>
+            <a:fillRect/>
+          </a:stretch>
+        </p:blipFill>
+        <p:spPr>
+          <a:xfrm>
+            <a:off x="1939816" y="925752"/>
+            <a:ext cx="5264365" cy="5536192"/>
+          </a:xfrm>
+          <a:prstGeom prst="rect">
+            <a:avLst/>
+          </a:prstGeom>
+        </p:spPr>
+      </p:pic>
     </p:spTree>
     <p:extLst>
       <p:ext uri="{BB962C8B-B14F-4D97-AF65-F5344CB8AC3E}">
-        <p14:creationId xmlns:p14="http://schemas.microsoft.com/office/powerpoint/2010/main" val="2028176055"/>
+        <p14:creationId xmlns:p14="http://schemas.microsoft.com/office/powerpoint/2010/main" val="161781958"/>
       </p:ext>
     </p:extLst>
   </p:cSld>

--- a/slides/presentation.pptx
+++ b/slides/presentation.pptx
@@ -5,7 +5,7 @@
     <p:sldMasterId id="2147483684" r:id="rId1"/>
   </p:sldMasterIdLst>
   <p:notesMasterIdLst>
-    <p:notesMasterId r:id="rId18"/>
+    <p:notesMasterId r:id="rId19"/>
   </p:notesMasterIdLst>
   <p:sldIdLst>
     <p:sldId id="256" r:id="rId2"/>
@@ -19,11 +19,12 @@
     <p:sldId id="276" r:id="rId10"/>
     <p:sldId id="285" r:id="rId11"/>
     <p:sldId id="280" r:id="rId12"/>
-    <p:sldId id="281" r:id="rId13"/>
-    <p:sldId id="278" r:id="rId14"/>
-    <p:sldId id="277" r:id="rId15"/>
-    <p:sldId id="279" r:id="rId16"/>
-    <p:sldId id="275" r:id="rId17"/>
+    <p:sldId id="290" r:id="rId13"/>
+    <p:sldId id="281" r:id="rId14"/>
+    <p:sldId id="278" r:id="rId15"/>
+    <p:sldId id="277" r:id="rId16"/>
+    <p:sldId id="279" r:id="rId17"/>
+    <p:sldId id="275" r:id="rId18"/>
   </p:sldIdLst>
   <p:sldSz cx="9144000" cy="6858000" type="screen4x3"/>
   <p:notesSz cx="6858000" cy="9144000"/>
@@ -215,7 +216,7 @@
           <a:p>
             <a:fld id="{67EE85A5-2143-1345-BBA1-B32267CAF9B5}" type="datetimeFigureOut">
               <a:rPr lang="de-DE" smtClean="0"/>
-              <a:t>08.07.20</a:t>
+              <a:t>15.07.20</a:t>
             </a:fld>
             <a:endParaRPr lang="de-DE"/>
           </a:p>
@@ -808,7 +809,7 @@
     </p:spTree>
     <p:extLst>
       <p:ext uri="{BB962C8B-B14F-4D97-AF65-F5344CB8AC3E}">
-        <p14:creationId xmlns:p14="http://schemas.microsoft.com/office/powerpoint/2010/main" val="862832470"/>
+        <p14:creationId xmlns:p14="http://schemas.microsoft.com/office/powerpoint/2010/main" val="77275873"/>
       </p:ext>
     </p:extLst>
   </p:cSld>
@@ -892,7 +893,7 @@
     </p:spTree>
     <p:extLst>
       <p:ext uri="{BB962C8B-B14F-4D97-AF65-F5344CB8AC3E}">
-        <p14:creationId xmlns:p14="http://schemas.microsoft.com/office/powerpoint/2010/main" val="255513545"/>
+        <p14:creationId xmlns:p14="http://schemas.microsoft.com/office/powerpoint/2010/main" val="862832470"/>
       </p:ext>
     </p:extLst>
   </p:cSld>
@@ -976,7 +977,7 @@
     </p:spTree>
     <p:extLst>
       <p:ext uri="{BB962C8B-B14F-4D97-AF65-F5344CB8AC3E}">
-        <p14:creationId xmlns:p14="http://schemas.microsoft.com/office/powerpoint/2010/main" val="2969867451"/>
+        <p14:creationId xmlns:p14="http://schemas.microsoft.com/office/powerpoint/2010/main" val="255513545"/>
       </p:ext>
     </p:extLst>
   </p:cSld>
@@ -1060,7 +1061,7 @@
     </p:spTree>
     <p:extLst>
       <p:ext uri="{BB962C8B-B14F-4D97-AF65-F5344CB8AC3E}">
-        <p14:creationId xmlns:p14="http://schemas.microsoft.com/office/powerpoint/2010/main" val="2038122799"/>
+        <p14:creationId xmlns:p14="http://schemas.microsoft.com/office/powerpoint/2010/main" val="2969867451"/>
       </p:ext>
     </p:extLst>
   </p:cSld>
@@ -1114,7 +1115,7 @@
           <a:bodyPr/>
           <a:lstStyle/>
           <a:p>
-            <a:endParaRPr lang="en-US" dirty="0"/>
+            <a:endParaRPr lang="de-DE" dirty="0"/>
           </a:p>
         </p:txBody>
       </p:sp>
@@ -1136,6 +1137,90 @@
             <a:fld id="{7E20B924-6901-7B40-AEEB-356EC7962A95}" type="slidenum">
               <a:rPr lang="de-DE" smtClean="0"/>
               <a:t>16</a:t>
+            </a:fld>
+            <a:endParaRPr lang="de-DE"/>
+          </a:p>
+        </p:txBody>
+      </p:sp>
+    </p:spTree>
+    <p:extLst>
+      <p:ext uri="{BB962C8B-B14F-4D97-AF65-F5344CB8AC3E}">
+        <p14:creationId xmlns:p14="http://schemas.microsoft.com/office/powerpoint/2010/main" val="2038122799"/>
+      </p:ext>
+    </p:extLst>
+  </p:cSld>
+  <p:clrMapOvr>
+    <a:masterClrMapping/>
+  </p:clrMapOvr>
+</p:notes>
+</file>
+
+<file path=ppt/notesSlides/notesSlide17.xml><?xml version="1.0" encoding="utf-8"?>
+<p:notes xmlns:a="http://schemas.openxmlformats.org/drawingml/2006/main" xmlns:r="http://schemas.openxmlformats.org/officeDocument/2006/relationships" xmlns:p="http://schemas.openxmlformats.org/presentationml/2006/main">
+  <p:cSld>
+    <p:spTree>
+      <p:nvGrpSpPr>
+        <p:cNvPr id="1" name=""/>
+        <p:cNvGrpSpPr/>
+        <p:nvPr/>
+      </p:nvGrpSpPr>
+      <p:grpSpPr>
+        <a:xfrm>
+          <a:off x="0" y="0"/>
+          <a:ext cx="0" cy="0"/>
+          <a:chOff x="0" y="0"/>
+          <a:chExt cx="0" cy="0"/>
+        </a:xfrm>
+      </p:grpSpPr>
+      <p:sp>
+        <p:nvSpPr>
+          <p:cNvPr id="2" name="Folienbildplatzhalter 1"/>
+          <p:cNvSpPr>
+            <a:spLocks noGrp="1" noRot="1" noChangeAspect="1"/>
+          </p:cNvSpPr>
+          <p:nvPr>
+            <p:ph type="sldImg"/>
+          </p:nvPr>
+        </p:nvSpPr>
+        <p:spPr/>
+      </p:sp>
+      <p:sp>
+        <p:nvSpPr>
+          <p:cNvPr id="3" name="Notizenplatzhalter 2"/>
+          <p:cNvSpPr>
+            <a:spLocks noGrp="1"/>
+          </p:cNvSpPr>
+          <p:nvPr>
+            <p:ph type="body" idx="1"/>
+          </p:nvPr>
+        </p:nvSpPr>
+        <p:spPr/>
+        <p:txBody>
+          <a:bodyPr/>
+          <a:lstStyle/>
+          <a:p>
+            <a:endParaRPr lang="en-US" dirty="0"/>
+          </a:p>
+        </p:txBody>
+      </p:sp>
+      <p:sp>
+        <p:nvSpPr>
+          <p:cNvPr id="4" name="Foliennummernplatzhalter 3"/>
+          <p:cNvSpPr>
+            <a:spLocks noGrp="1"/>
+          </p:cNvSpPr>
+          <p:nvPr>
+            <p:ph type="sldNum" sz="quarter" idx="5"/>
+          </p:nvPr>
+        </p:nvSpPr>
+        <p:spPr/>
+        <p:txBody>
+          <a:bodyPr/>
+          <a:lstStyle/>
+          <a:p>
+            <a:fld id="{7E20B924-6901-7B40-AEEB-356EC7962A95}" type="slidenum">
+              <a:rPr lang="de-DE" smtClean="0"/>
+              <a:t>17</a:t>
             </a:fld>
             <a:endParaRPr lang="de-DE"/>
           </a:p>
@@ -5279,8 +5364,8 @@
           </a:prstGeom>
         </p:spPr>
       </p:pic>
-      <mc:AlternateContent xmlns:mc="http://schemas.openxmlformats.org/markup-compatibility/2006">
-        <mc:Choice xmlns:a14="http://schemas.microsoft.com/office/drawing/2010/main" Requires="a14">
+      <mc:AlternateContent xmlns:mc="http://schemas.openxmlformats.org/markup-compatibility/2006" xmlns:a14="http://schemas.microsoft.com/office/drawing/2010/main">
+        <mc:Choice Requires="a14">
           <p:sp>
             <p:nvSpPr>
               <p:cNvPr id="3" name="Textfeld 2">
@@ -5309,6 +5394,7 @@
               </a:bodyPr>
               <a:lstStyle/>
               <a:p>
+                <a:pPr/>
                 <a14:m>
                   <m:oMathPara xmlns:m="http://schemas.openxmlformats.org/officeDocument/2006/math">
                     <m:oMathParaPr>
@@ -5556,7 +5642,7 @@
             </p:txBody>
           </p:sp>
         </mc:Choice>
-        <mc:Fallback>
+        <mc:Fallback xmlns="">
           <p:sp>
             <p:nvSpPr>
               <p:cNvPr id="3" name="Textfeld 2">
@@ -5621,8 +5707,8 @@
             <a:chExt cx="3582669" cy="909352"/>
           </a:xfrm>
         </p:grpSpPr>
-        <mc:AlternateContent xmlns:mc="http://schemas.openxmlformats.org/markup-compatibility/2006">
-          <mc:Choice xmlns:a14="http://schemas.microsoft.com/office/drawing/2010/main" Requires="a14">
+        <mc:AlternateContent xmlns:mc="http://schemas.openxmlformats.org/markup-compatibility/2006" xmlns:a14="http://schemas.microsoft.com/office/drawing/2010/main">
+          <mc:Choice Requires="a14">
             <p:sp>
               <p:nvSpPr>
                 <p:cNvPr id="5" name="Textfeld 4">
@@ -5651,6 +5737,7 @@
                 </a:bodyPr>
                 <a:lstStyle/>
                 <a:p>
+                  <a:pPr/>
                   <a14:m>
                     <m:oMathPara xmlns:m="http://schemas.openxmlformats.org/officeDocument/2006/math">
                       <m:oMathParaPr>
@@ -5779,7 +5866,7 @@
               </p:txBody>
             </p:sp>
           </mc:Choice>
-          <mc:Fallback>
+          <mc:Fallback xmlns="">
             <p:sp>
               <p:nvSpPr>
                 <p:cNvPr id="5" name="Textfeld 4">
@@ -6235,7 +6322,7 @@
         </p:spPr>
         <p:txBody>
           <a:bodyPr>
-            <a:normAutofit fontScale="90000"/>
+            <a:normAutofit/>
           </a:bodyPr>
           <a:lstStyle/>
           <a:p>
@@ -6262,7 +6349,7 @@
                 <a:ea typeface="Helvetica Neue" panose="02000503000000020004" pitchFamily="2" charset="0"/>
                 <a:cs typeface="Helvetica Neue" panose="02000503000000020004" pitchFamily="2" charset="0"/>
               </a:rPr>
-              <a:t>Geometrical</a:t>
+              <a:t>Evolutionary</a:t>
             </a:r>
             <a:r>
               <a:rPr lang="de-DE" sz="3200" dirty="0">
@@ -6270,7 +6357,7 @@
                 <a:ea typeface="Helvetica Neue" panose="02000503000000020004" pitchFamily="2" charset="0"/>
                 <a:cs typeface="Helvetica Neue" panose="02000503000000020004" pitchFamily="2" charset="0"/>
               </a:rPr>
-              <a:t> Graph </a:t>
+              <a:t> </a:t>
             </a:r>
             <a:r>
               <a:rPr lang="de-DE" sz="3200" dirty="0" err="1">
@@ -6278,7 +6365,7 @@
                 <a:ea typeface="Helvetica Neue" panose="02000503000000020004" pitchFamily="2" charset="0"/>
                 <a:cs typeface="Helvetica Neue" panose="02000503000000020004" pitchFamily="2" charset="0"/>
               </a:rPr>
-              <a:t>Matching</a:t>
+              <a:t>Algorithms</a:t>
             </a:r>
             <a:endParaRPr lang="de-DE" sz="3200" dirty="0">
               <a:latin typeface="Helvetica Neue" panose="02000503000000020004" pitchFamily="2" charset="0"/>
@@ -6476,40 +6563,10 @@
           </a:p>
         </p:txBody>
       </p:sp>
-      <p:pic>
-        <p:nvPicPr>
-          <p:cNvPr id="4" name="Grafik 3">
-            <a:extLst>
-              <a:ext uri="{FF2B5EF4-FFF2-40B4-BE49-F238E27FC236}">
-                <a16:creationId xmlns:a16="http://schemas.microsoft.com/office/drawing/2014/main" id="{B0B22595-EF64-8746-9D8A-B726F6EA605C}"/>
-              </a:ext>
-            </a:extLst>
-          </p:cNvPr>
-          <p:cNvPicPr>
-            <a:picLocks noChangeAspect="1"/>
-          </p:cNvPicPr>
-          <p:nvPr/>
-        </p:nvPicPr>
-        <p:blipFill>
-          <a:blip r:embed="rId3"/>
-          <a:stretch>
-            <a:fillRect/>
-          </a:stretch>
-        </p:blipFill>
-        <p:spPr>
-          <a:xfrm>
-            <a:off x="1488554" y="817710"/>
-            <a:ext cx="6166890" cy="5580162"/>
-          </a:xfrm>
-          <a:prstGeom prst="rect">
-            <a:avLst/>
-          </a:prstGeom>
-        </p:spPr>
-      </p:pic>
     </p:spTree>
     <p:extLst>
       <p:ext uri="{BB962C8B-B14F-4D97-AF65-F5344CB8AC3E}">
-        <p14:creationId xmlns:p14="http://schemas.microsoft.com/office/powerpoint/2010/main" val="565660040"/>
+        <p14:creationId xmlns:p14="http://schemas.microsoft.com/office/powerpoint/2010/main" val="112099114"/>
       </p:ext>
     </p:extLst>
   </p:cSld>
@@ -6560,7 +6617,7 @@
         </p:spPr>
         <p:txBody>
           <a:bodyPr>
-            <a:normAutofit/>
+            <a:normAutofit fontScale="90000"/>
           </a:bodyPr>
           <a:lstStyle/>
           <a:p>
@@ -6587,7 +6644,7 @@
                 <a:ea typeface="Helvetica Neue" panose="02000503000000020004" pitchFamily="2" charset="0"/>
                 <a:cs typeface="Helvetica Neue" panose="02000503000000020004" pitchFamily="2" charset="0"/>
               </a:rPr>
-              <a:t>Ms</a:t>
+              <a:t>Geometrical</a:t>
             </a:r>
             <a:r>
               <a:rPr lang="de-DE" sz="3200" dirty="0">
@@ -6595,7 +6652,7 @@
                 <a:ea typeface="Helvetica Neue" panose="02000503000000020004" pitchFamily="2" charset="0"/>
                 <a:cs typeface="Helvetica Neue" panose="02000503000000020004" pitchFamily="2" charset="0"/>
               </a:rPr>
-              <a:t> </a:t>
+              <a:t> Graph </a:t>
             </a:r>
             <a:r>
               <a:rPr lang="de-DE" sz="3200" dirty="0" err="1">
@@ -6603,7 +6660,7 @@
                 <a:ea typeface="Helvetica Neue" panose="02000503000000020004" pitchFamily="2" charset="0"/>
                 <a:cs typeface="Helvetica Neue" panose="02000503000000020004" pitchFamily="2" charset="0"/>
               </a:rPr>
-              <a:t>Pacman</a:t>
+              <a:t>Matching</a:t>
             </a:r>
             <a:endParaRPr lang="de-DE" sz="3200" dirty="0">
               <a:latin typeface="Helvetica Neue" panose="02000503000000020004" pitchFamily="2" charset="0"/>
@@ -6803,10 +6860,10 @@
       </p:sp>
       <p:pic>
         <p:nvPicPr>
-          <p:cNvPr id="4" name="Grafik 3" descr="Ein Bild, das Text, Karte enthält.&#10;&#10;Automatisch generierte Beschreibung">
+          <p:cNvPr id="4" name="Grafik 3">
             <a:extLst>
               <a:ext uri="{FF2B5EF4-FFF2-40B4-BE49-F238E27FC236}">
-                <a16:creationId xmlns:a16="http://schemas.microsoft.com/office/drawing/2014/main" id="{A96DA30F-79A9-7D41-A30D-E56348C88DCE}"/>
+                <a16:creationId xmlns:a16="http://schemas.microsoft.com/office/drawing/2014/main" id="{B0B22595-EF64-8746-9D8A-B726F6EA605C}"/>
               </a:ext>
             </a:extLst>
           </p:cNvPr>
@@ -6823,38 +6880,8 @@
         </p:blipFill>
         <p:spPr>
           <a:xfrm>
-            <a:off x="0" y="1465153"/>
-            <a:ext cx="3952103" cy="4289890"/>
-          </a:xfrm>
-          <a:prstGeom prst="rect">
-            <a:avLst/>
-          </a:prstGeom>
-        </p:spPr>
-      </p:pic>
-      <p:pic>
-        <p:nvPicPr>
-          <p:cNvPr id="6" name="Grafik 5" descr="Ein Bild, das Karte, Zeichnung enthält.&#10;&#10;Automatisch generierte Beschreibung">
-            <a:extLst>
-              <a:ext uri="{FF2B5EF4-FFF2-40B4-BE49-F238E27FC236}">
-                <a16:creationId xmlns:a16="http://schemas.microsoft.com/office/drawing/2014/main" id="{DF91795D-9E26-E141-8AF0-F6AFF5669BAA}"/>
-              </a:ext>
-            </a:extLst>
-          </p:cNvPr>
-          <p:cNvPicPr>
-            <a:picLocks noChangeAspect="1"/>
-          </p:cNvPicPr>
-          <p:nvPr/>
-        </p:nvPicPr>
-        <p:blipFill>
-          <a:blip r:embed="rId4"/>
-          <a:stretch>
-            <a:fillRect/>
-          </a:stretch>
-        </p:blipFill>
-        <p:spPr>
-          <a:xfrm>
-            <a:off x="4129855" y="2308822"/>
-            <a:ext cx="4807595" cy="2240355"/>
+            <a:off x="1488554" y="817710"/>
+            <a:ext cx="6166890" cy="5580162"/>
           </a:xfrm>
           <a:prstGeom prst="rect">
             <a:avLst/>
@@ -6864,7 +6891,7 @@
     </p:spTree>
     <p:extLst>
       <p:ext uri="{BB962C8B-B14F-4D97-AF65-F5344CB8AC3E}">
-        <p14:creationId xmlns:p14="http://schemas.microsoft.com/office/powerpoint/2010/main" val="2164196287"/>
+        <p14:creationId xmlns:p14="http://schemas.microsoft.com/office/powerpoint/2010/main" val="565660040"/>
       </p:ext>
     </p:extLst>
   </p:cSld>
@@ -6942,7 +6969,23 @@
                 <a:ea typeface="Helvetica Neue" panose="02000503000000020004" pitchFamily="2" charset="0"/>
                 <a:cs typeface="Helvetica Neue" panose="02000503000000020004" pitchFamily="2" charset="0"/>
               </a:rPr>
-              <a:t>AlphaGo</a:t>
+              <a:t>Ms</a:t>
+            </a:r>
+            <a:r>
+              <a:rPr lang="de-DE" sz="3200" dirty="0">
+                <a:latin typeface="Helvetica Neue" panose="02000503000000020004" pitchFamily="2" charset="0"/>
+                <a:ea typeface="Helvetica Neue" panose="02000503000000020004" pitchFamily="2" charset="0"/>
+                <a:cs typeface="Helvetica Neue" panose="02000503000000020004" pitchFamily="2" charset="0"/>
+              </a:rPr>
+              <a:t> </a:t>
+            </a:r>
+            <a:r>
+              <a:rPr lang="de-DE" sz="3200" dirty="0" err="1">
+                <a:latin typeface="Helvetica Neue" panose="02000503000000020004" pitchFamily="2" charset="0"/>
+                <a:ea typeface="Helvetica Neue" panose="02000503000000020004" pitchFamily="2" charset="0"/>
+                <a:cs typeface="Helvetica Neue" panose="02000503000000020004" pitchFamily="2" charset="0"/>
+              </a:rPr>
+              <a:t>Pacman</a:t>
             </a:r>
             <a:endParaRPr lang="de-DE" sz="3200" dirty="0">
               <a:latin typeface="Helvetica Neue" panose="02000503000000020004" pitchFamily="2" charset="0"/>
@@ -7142,10 +7185,10 @@
       </p:sp>
       <p:pic>
         <p:nvPicPr>
-          <p:cNvPr id="4" name="Grafik 3" descr="Ein Bild, das Screenshot, Uhr enthält.&#10;&#10;Automatisch generierte Beschreibung">
+          <p:cNvPr id="4" name="Grafik 3" descr="Ein Bild, das Text, Karte enthält.&#10;&#10;Automatisch generierte Beschreibung">
             <a:extLst>
               <a:ext uri="{FF2B5EF4-FFF2-40B4-BE49-F238E27FC236}">
-                <a16:creationId xmlns:a16="http://schemas.microsoft.com/office/drawing/2014/main" id="{DE39CA67-B74C-1443-95B6-F1FC5C4B75B3}"/>
+                <a16:creationId xmlns:a16="http://schemas.microsoft.com/office/drawing/2014/main" id="{A96DA30F-79A9-7D41-A30D-E56348C88DCE}"/>
               </a:ext>
             </a:extLst>
           </p:cNvPr>
@@ -7162,8 +7205,38 @@
         </p:blipFill>
         <p:spPr>
           <a:xfrm>
-            <a:off x="106878" y="2140526"/>
-            <a:ext cx="9037122" cy="2607787"/>
+            <a:off x="0" y="1465153"/>
+            <a:ext cx="3952103" cy="4289890"/>
+          </a:xfrm>
+          <a:prstGeom prst="rect">
+            <a:avLst/>
+          </a:prstGeom>
+        </p:spPr>
+      </p:pic>
+      <p:pic>
+        <p:nvPicPr>
+          <p:cNvPr id="6" name="Grafik 5" descr="Ein Bild, das Karte, Zeichnung enthält.&#10;&#10;Automatisch generierte Beschreibung">
+            <a:extLst>
+              <a:ext uri="{FF2B5EF4-FFF2-40B4-BE49-F238E27FC236}">
+                <a16:creationId xmlns:a16="http://schemas.microsoft.com/office/drawing/2014/main" id="{DF91795D-9E26-E141-8AF0-F6AFF5669BAA}"/>
+              </a:ext>
+            </a:extLst>
+          </p:cNvPr>
+          <p:cNvPicPr>
+            <a:picLocks noChangeAspect="1"/>
+          </p:cNvPicPr>
+          <p:nvPr/>
+        </p:nvPicPr>
+        <p:blipFill>
+          <a:blip r:embed="rId4"/>
+          <a:stretch>
+            <a:fillRect/>
+          </a:stretch>
+        </p:blipFill>
+        <p:spPr>
+          <a:xfrm>
+            <a:off x="4129855" y="2308822"/>
+            <a:ext cx="4807595" cy="2240355"/>
           </a:xfrm>
           <a:prstGeom prst="rect">
             <a:avLst/>
@@ -7173,7 +7246,7 @@
     </p:spTree>
     <p:extLst>
       <p:ext uri="{BB962C8B-B14F-4D97-AF65-F5344CB8AC3E}">
-        <p14:creationId xmlns:p14="http://schemas.microsoft.com/office/powerpoint/2010/main" val="1763117440"/>
+        <p14:creationId xmlns:p14="http://schemas.microsoft.com/office/powerpoint/2010/main" val="2164196287"/>
       </p:ext>
     </p:extLst>
   </p:cSld>
@@ -7251,23 +7324,7 @@
                 <a:ea typeface="Helvetica Neue" panose="02000503000000020004" pitchFamily="2" charset="0"/>
                 <a:cs typeface="Helvetica Neue" panose="02000503000000020004" pitchFamily="2" charset="0"/>
               </a:rPr>
-              <a:t>Deep</a:t>
-            </a:r>
-            <a:r>
-              <a:rPr lang="de-DE" sz="3200" dirty="0">
-                <a:latin typeface="Helvetica Neue" panose="02000503000000020004" pitchFamily="2" charset="0"/>
-                <a:ea typeface="Helvetica Neue" panose="02000503000000020004" pitchFamily="2" charset="0"/>
-                <a:cs typeface="Helvetica Neue" panose="02000503000000020004" pitchFamily="2" charset="0"/>
-              </a:rPr>
-              <a:t> </a:t>
-            </a:r>
-            <a:r>
-              <a:rPr lang="de-DE" sz="3200" dirty="0" err="1">
-                <a:latin typeface="Helvetica Neue" panose="02000503000000020004" pitchFamily="2" charset="0"/>
-                <a:ea typeface="Helvetica Neue" panose="02000503000000020004" pitchFamily="2" charset="0"/>
-                <a:cs typeface="Helvetica Neue" panose="02000503000000020004" pitchFamily="2" charset="0"/>
-              </a:rPr>
-              <a:t>Architect</a:t>
+              <a:t>AlphaGo</a:t>
             </a:r>
             <a:endParaRPr lang="de-DE" sz="3200" dirty="0">
               <a:latin typeface="Helvetica Neue" panose="02000503000000020004" pitchFamily="2" charset="0"/>
@@ -7467,10 +7524,10 @@
       </p:sp>
       <p:pic>
         <p:nvPicPr>
-          <p:cNvPr id="5" name="Grafik 4">
+          <p:cNvPr id="4" name="Grafik 3" descr="Ein Bild, das Screenshot, Uhr enthält.&#10;&#10;Automatisch generierte Beschreibung">
             <a:extLst>
               <a:ext uri="{FF2B5EF4-FFF2-40B4-BE49-F238E27FC236}">
-                <a16:creationId xmlns:a16="http://schemas.microsoft.com/office/drawing/2014/main" id="{B3832426-36DA-CA47-BE63-5754FF48C8C3}"/>
+                <a16:creationId xmlns:a16="http://schemas.microsoft.com/office/drawing/2014/main" id="{DE39CA67-B74C-1443-95B6-F1FC5C4B75B3}"/>
               </a:ext>
             </a:extLst>
           </p:cNvPr>
@@ -7487,8 +7544,8 @@
         </p:blipFill>
         <p:spPr>
           <a:xfrm>
-            <a:off x="800100" y="1898650"/>
-            <a:ext cx="7543800" cy="3060700"/>
+            <a:off x="106878" y="2140526"/>
+            <a:ext cx="9037122" cy="2607787"/>
           </a:xfrm>
           <a:prstGeom prst="rect">
             <a:avLst/>
@@ -7498,7 +7555,7 @@
     </p:spTree>
     <p:extLst>
       <p:ext uri="{BB962C8B-B14F-4D97-AF65-F5344CB8AC3E}">
-        <p14:creationId xmlns:p14="http://schemas.microsoft.com/office/powerpoint/2010/main" val="3895809308"/>
+        <p14:creationId xmlns:p14="http://schemas.microsoft.com/office/powerpoint/2010/main" val="1763117440"/>
       </p:ext>
     </p:extLst>
   </p:cSld>
@@ -7560,6 +7617,331 @@
                 <a:ea typeface="Helvetica Neue" panose="02000503000000020004" pitchFamily="2" charset="0"/>
                 <a:cs typeface="Helvetica Neue" panose="02000503000000020004" pitchFamily="2" charset="0"/>
               </a:rPr>
+              <a:t>Applications</a:t>
+            </a:r>
+            <a:r>
+              <a:rPr lang="de-DE" sz="3200" dirty="0">
+                <a:latin typeface="Helvetica Neue" panose="02000503000000020004" pitchFamily="2" charset="0"/>
+                <a:ea typeface="Helvetica Neue" panose="02000503000000020004" pitchFamily="2" charset="0"/>
+                <a:cs typeface="Helvetica Neue" panose="02000503000000020004" pitchFamily="2" charset="0"/>
+              </a:rPr>
+              <a:t>: </a:t>
+            </a:r>
+            <a:r>
+              <a:rPr lang="de-DE" sz="3200" dirty="0" err="1">
+                <a:latin typeface="Helvetica Neue" panose="02000503000000020004" pitchFamily="2" charset="0"/>
+                <a:ea typeface="Helvetica Neue" panose="02000503000000020004" pitchFamily="2" charset="0"/>
+                <a:cs typeface="Helvetica Neue" panose="02000503000000020004" pitchFamily="2" charset="0"/>
+              </a:rPr>
+              <a:t>Deep</a:t>
+            </a:r>
+            <a:r>
+              <a:rPr lang="de-DE" sz="3200" dirty="0">
+                <a:latin typeface="Helvetica Neue" panose="02000503000000020004" pitchFamily="2" charset="0"/>
+                <a:ea typeface="Helvetica Neue" panose="02000503000000020004" pitchFamily="2" charset="0"/>
+                <a:cs typeface="Helvetica Neue" panose="02000503000000020004" pitchFamily="2" charset="0"/>
+              </a:rPr>
+              <a:t> </a:t>
+            </a:r>
+            <a:r>
+              <a:rPr lang="de-DE" sz="3200" dirty="0" err="1">
+                <a:latin typeface="Helvetica Neue" panose="02000503000000020004" pitchFamily="2" charset="0"/>
+                <a:ea typeface="Helvetica Neue" panose="02000503000000020004" pitchFamily="2" charset="0"/>
+                <a:cs typeface="Helvetica Neue" panose="02000503000000020004" pitchFamily="2" charset="0"/>
+              </a:rPr>
+              <a:t>Architect</a:t>
+            </a:r>
+            <a:endParaRPr lang="de-DE" sz="3200" dirty="0">
+              <a:latin typeface="Helvetica Neue" panose="02000503000000020004" pitchFamily="2" charset="0"/>
+              <a:ea typeface="Helvetica Neue" panose="02000503000000020004" pitchFamily="2" charset="0"/>
+              <a:cs typeface="Helvetica Neue" panose="02000503000000020004" pitchFamily="2" charset="0"/>
+            </a:endParaRPr>
+          </a:p>
+        </p:txBody>
+      </p:sp>
+      <p:cxnSp>
+        <p:nvCxnSpPr>
+          <p:cNvPr id="7" name="Gerade Verbindung 6">
+            <a:extLst>
+              <a:ext uri="{FF2B5EF4-FFF2-40B4-BE49-F238E27FC236}">
+                <a16:creationId xmlns:a16="http://schemas.microsoft.com/office/drawing/2014/main" id="{0AD69E0B-8821-6D4E-9CB0-419E45AE5D16}"/>
+              </a:ext>
+            </a:extLst>
+          </p:cNvPr>
+          <p:cNvCxnSpPr/>
+          <p:nvPr/>
+        </p:nvCxnSpPr>
+        <p:spPr>
+          <a:xfrm>
+            <a:off x="628650" y="701749"/>
+            <a:ext cx="7886700" cy="0"/>
+          </a:xfrm>
+          <a:prstGeom prst="line">
+            <a:avLst/>
+          </a:prstGeom>
+          <a:ln w="19050"/>
+        </p:spPr>
+        <p:style>
+          <a:lnRef idx="1">
+            <a:schemeClr val="accent1"/>
+          </a:lnRef>
+          <a:fillRef idx="0">
+            <a:schemeClr val="accent1"/>
+          </a:fillRef>
+          <a:effectRef idx="0">
+            <a:schemeClr val="accent1"/>
+          </a:effectRef>
+          <a:fontRef idx="minor">
+            <a:schemeClr val="tx1"/>
+          </a:fontRef>
+        </p:style>
+      </p:cxnSp>
+      <p:sp>
+        <p:nvSpPr>
+          <p:cNvPr id="10" name="Foliennummernplatzhalter 7">
+            <a:extLst>
+              <a:ext uri="{FF2B5EF4-FFF2-40B4-BE49-F238E27FC236}">
+                <a16:creationId xmlns:a16="http://schemas.microsoft.com/office/drawing/2014/main" id="{9071D67C-0761-AE40-B0C9-6FCD37958A2D}"/>
+              </a:ext>
+            </a:extLst>
+          </p:cNvPr>
+          <p:cNvSpPr>
+            <a:spLocks noGrp="1"/>
+          </p:cNvSpPr>
+          <p:nvPr>
+            <p:ph type="sldNum" sz="quarter" idx="12"/>
+          </p:nvPr>
+        </p:nvSpPr>
+        <p:spPr>
+          <a:xfrm>
+            <a:off x="6457950" y="6492875"/>
+            <a:ext cx="2057400" cy="365125"/>
+          </a:xfrm>
+        </p:spPr>
+        <p:txBody>
+          <a:bodyPr/>
+          <a:lstStyle/>
+          <a:p>
+            <a:fld id="{33D1F4C7-E7FD-814C-996E-6B4DFE7BF75E}" type="slidenum">
+              <a:rPr lang="de-DE" smtClean="0">
+                <a:solidFill>
+                  <a:schemeClr val="tx1"/>
+                </a:solidFill>
+                <a:latin typeface="Helvetica Neue" panose="02000503000000020004" pitchFamily="2" charset="0"/>
+                <a:ea typeface="Helvetica Neue" panose="02000503000000020004" pitchFamily="2" charset="0"/>
+                <a:cs typeface="Helvetica Neue" panose="02000503000000020004" pitchFamily="2" charset="0"/>
+              </a:rPr>
+              <a:pPr/>
+              <a:t>16</a:t>
+            </a:fld>
+            <a:endParaRPr lang="de-DE" dirty="0">
+              <a:solidFill>
+                <a:schemeClr val="tx1"/>
+              </a:solidFill>
+              <a:latin typeface="Helvetica Neue" panose="02000503000000020004" pitchFamily="2" charset="0"/>
+              <a:ea typeface="Helvetica Neue" panose="02000503000000020004" pitchFamily="2" charset="0"/>
+              <a:cs typeface="Helvetica Neue" panose="02000503000000020004" pitchFamily="2" charset="0"/>
+            </a:endParaRPr>
+          </a:p>
+        </p:txBody>
+      </p:sp>
+      <p:sp>
+        <p:nvSpPr>
+          <p:cNvPr id="13" name="Datumsplatzhalter 5">
+            <a:extLst>
+              <a:ext uri="{FF2B5EF4-FFF2-40B4-BE49-F238E27FC236}">
+                <a16:creationId xmlns:a16="http://schemas.microsoft.com/office/drawing/2014/main" id="{B76C9C4A-3763-EF48-AF20-A0BEFB490291}"/>
+              </a:ext>
+            </a:extLst>
+          </p:cNvPr>
+          <p:cNvSpPr>
+            <a:spLocks noGrp="1"/>
+          </p:cNvSpPr>
+          <p:nvPr>
+            <p:ph type="dt" sz="half" idx="10"/>
+          </p:nvPr>
+        </p:nvSpPr>
+        <p:spPr>
+          <a:xfrm>
+            <a:off x="628650" y="6492875"/>
+            <a:ext cx="2057400" cy="365125"/>
+          </a:xfrm>
+        </p:spPr>
+        <p:txBody>
+          <a:bodyPr/>
+          <a:lstStyle/>
+          <a:p>
+            <a:r>
+              <a:rPr lang="de-DE" dirty="0">
+                <a:solidFill>
+                  <a:schemeClr val="tx1"/>
+                </a:solidFill>
+                <a:latin typeface="Helvetica Neue" panose="02000503000000020004" pitchFamily="2" charset="0"/>
+                <a:ea typeface="Helvetica Neue" panose="02000503000000020004" pitchFamily="2" charset="0"/>
+                <a:cs typeface="Helvetica Neue" panose="02000503000000020004" pitchFamily="2" charset="0"/>
+              </a:rPr>
+              <a:t>14.08.20</a:t>
+            </a:r>
+          </a:p>
+        </p:txBody>
+      </p:sp>
+      <p:sp>
+        <p:nvSpPr>
+          <p:cNvPr id="14" name="Fußzeilenplatzhalter 6">
+            <a:extLst>
+              <a:ext uri="{FF2B5EF4-FFF2-40B4-BE49-F238E27FC236}">
+                <a16:creationId xmlns:a16="http://schemas.microsoft.com/office/drawing/2014/main" id="{C47564DE-68CC-DB46-9239-AD5A89282CC1}"/>
+              </a:ext>
+            </a:extLst>
+          </p:cNvPr>
+          <p:cNvSpPr>
+            <a:spLocks noGrp="1"/>
+          </p:cNvSpPr>
+          <p:nvPr>
+            <p:ph type="ftr" sz="quarter" idx="11"/>
+          </p:nvPr>
+        </p:nvSpPr>
+        <p:spPr>
+          <a:xfrm>
+            <a:off x="2669721" y="6501821"/>
+            <a:ext cx="3804557" cy="365125"/>
+          </a:xfrm>
+        </p:spPr>
+        <p:txBody>
+          <a:bodyPr/>
+          <a:lstStyle/>
+          <a:p>
+            <a:r>
+              <a:rPr lang="de-DE" dirty="0">
+                <a:solidFill>
+                  <a:schemeClr val="tx1"/>
+                </a:solidFill>
+                <a:latin typeface="Helvetica Neue" panose="02000503000000020004" pitchFamily="2" charset="0"/>
+                <a:ea typeface="Helvetica Neue" panose="02000503000000020004" pitchFamily="2" charset="0"/>
+                <a:cs typeface="Helvetica Neue" panose="02000503000000020004" pitchFamily="2" charset="0"/>
+              </a:rPr>
+              <a:t>Seminar </a:t>
+            </a:r>
+            <a:r>
+              <a:rPr lang="en-US" dirty="0">
+                <a:solidFill>
+                  <a:schemeClr val="tx1"/>
+                </a:solidFill>
+                <a:latin typeface="Helvetica Neue" panose="02000503000000020004" pitchFamily="2" charset="0"/>
+                <a:ea typeface="Helvetica Neue" panose="02000503000000020004" pitchFamily="2" charset="0"/>
+                <a:cs typeface="Helvetica Neue" panose="02000503000000020004" pitchFamily="2" charset="0"/>
+              </a:rPr>
+              <a:t>Ubiquitous</a:t>
+            </a:r>
+            <a:r>
+              <a:rPr lang="de-DE" dirty="0">
+                <a:solidFill>
+                  <a:schemeClr val="tx1"/>
+                </a:solidFill>
+                <a:latin typeface="Helvetica Neue" panose="02000503000000020004" pitchFamily="2" charset="0"/>
+                <a:ea typeface="Helvetica Neue" panose="02000503000000020004" pitchFamily="2" charset="0"/>
+                <a:cs typeface="Helvetica Neue" panose="02000503000000020004" pitchFamily="2" charset="0"/>
+              </a:rPr>
+              <a:t> Computing - Simon Schwarz</a:t>
+            </a:r>
+          </a:p>
+        </p:txBody>
+      </p:sp>
+      <p:pic>
+        <p:nvPicPr>
+          <p:cNvPr id="5" name="Grafik 4">
+            <a:extLst>
+              <a:ext uri="{FF2B5EF4-FFF2-40B4-BE49-F238E27FC236}">
+                <a16:creationId xmlns:a16="http://schemas.microsoft.com/office/drawing/2014/main" id="{B3832426-36DA-CA47-BE63-5754FF48C8C3}"/>
+              </a:ext>
+            </a:extLst>
+          </p:cNvPr>
+          <p:cNvPicPr>
+            <a:picLocks noChangeAspect="1"/>
+          </p:cNvPicPr>
+          <p:nvPr/>
+        </p:nvPicPr>
+        <p:blipFill>
+          <a:blip r:embed="rId3"/>
+          <a:stretch>
+            <a:fillRect/>
+          </a:stretch>
+        </p:blipFill>
+        <p:spPr>
+          <a:xfrm>
+            <a:off x="800100" y="1898650"/>
+            <a:ext cx="7543800" cy="3060700"/>
+          </a:xfrm>
+          <a:prstGeom prst="rect">
+            <a:avLst/>
+          </a:prstGeom>
+        </p:spPr>
+      </p:pic>
+    </p:spTree>
+    <p:extLst>
+      <p:ext uri="{BB962C8B-B14F-4D97-AF65-F5344CB8AC3E}">
+        <p14:creationId xmlns:p14="http://schemas.microsoft.com/office/powerpoint/2010/main" val="3895809308"/>
+      </p:ext>
+    </p:extLst>
+  </p:cSld>
+  <p:clrMapOvr>
+    <a:masterClrMapping/>
+  </p:clrMapOvr>
+</p:sld>
+</file>
+
+<file path=ppt/slides/slide17.xml><?xml version="1.0" encoding="utf-8"?>
+<p:sld xmlns:a="http://schemas.openxmlformats.org/drawingml/2006/main" xmlns:r="http://schemas.openxmlformats.org/officeDocument/2006/relationships" xmlns:p="http://schemas.openxmlformats.org/presentationml/2006/main">
+  <p:cSld>
+    <p:spTree>
+      <p:nvGrpSpPr>
+        <p:cNvPr id="1" name=""/>
+        <p:cNvGrpSpPr/>
+        <p:nvPr/>
+      </p:nvGrpSpPr>
+      <p:grpSpPr>
+        <a:xfrm>
+          <a:off x="0" y="0"/>
+          <a:ext cx="0" cy="0"/>
+          <a:chOff x="0" y="0"/>
+          <a:chExt cx="0" cy="0"/>
+        </a:xfrm>
+      </p:grpSpPr>
+      <p:sp>
+        <p:nvSpPr>
+          <p:cNvPr id="2" name="Titel 1">
+            <a:extLst>
+              <a:ext uri="{FF2B5EF4-FFF2-40B4-BE49-F238E27FC236}">
+                <a16:creationId xmlns:a16="http://schemas.microsoft.com/office/drawing/2014/main" id="{BFDC6B1A-C50B-EF45-9010-6D7A0B0ADB0E}"/>
+              </a:ext>
+            </a:extLst>
+          </p:cNvPr>
+          <p:cNvSpPr>
+            <a:spLocks noGrp="1"/>
+          </p:cNvSpPr>
+          <p:nvPr>
+            <p:ph type="title"/>
+          </p:nvPr>
+        </p:nvSpPr>
+        <p:spPr>
+          <a:xfrm>
+            <a:off x="628650" y="0"/>
+            <a:ext cx="7886700" cy="903767"/>
+          </a:xfrm>
+        </p:spPr>
+        <p:txBody>
+          <a:bodyPr>
+            <a:normAutofit/>
+          </a:bodyPr>
+          <a:lstStyle/>
+          <a:p>
+            <a:pPr algn="ctr"/>
+            <a:r>
+              <a:rPr lang="de-DE" sz="3200" dirty="0" err="1">
+                <a:latin typeface="Helvetica Neue" panose="02000503000000020004" pitchFamily="2" charset="0"/>
+                <a:ea typeface="Helvetica Neue" panose="02000503000000020004" pitchFamily="2" charset="0"/>
+                <a:cs typeface="Helvetica Neue" panose="02000503000000020004" pitchFamily="2" charset="0"/>
+              </a:rPr>
               <a:t>Conclusion</a:t>
             </a:r>
             <a:endParaRPr lang="de-DE" sz="3200" dirty="0">
@@ -7645,7 +8027,7 @@
                 <a:cs typeface="Helvetica Neue" panose="02000503000000020004" pitchFamily="2" charset="0"/>
               </a:rPr>
               <a:pPr/>
-              <a:t>16</a:t>
+              <a:t>17</a:t>
             </a:fld>
             <a:endParaRPr lang="de-DE" dirty="0">
               <a:solidFill>
@@ -10462,16 +10844,27 @@
           </a:bodyPr>
           <a:lstStyle/>
           <a:p>
-            <a:pPr marL="0" indent="0">
-              <a:buNone/>
+            <a:r>
+              <a:rPr lang="en-US" sz="2400" dirty="0">
+                <a:latin typeface="Helvetica Neue" panose="02000503000000020004" pitchFamily="2" charset="0"/>
+                <a:ea typeface="Helvetica Neue" panose="02000503000000020004" pitchFamily="2" charset="0"/>
+                <a:cs typeface="Helvetica Neue" panose="02000503000000020004" pitchFamily="2" charset="0"/>
+              </a:rPr>
+              <a:t>Before MCTS: execute each available root-action</a:t>
+            </a:r>
+          </a:p>
+          <a:p>
+            <a:pPr lvl="1">
+              <a:buFont typeface="Wingdings" pitchFamily="2" charset="2"/>
+              <a:buChar char="§"/>
             </a:pPr>
             <a:r>
-              <a:rPr lang="en-US" sz="2400" dirty="0">
-                <a:latin typeface="Helvetica Neue" panose="02000503000000020004" pitchFamily="2" charset="0"/>
-                <a:ea typeface="Helvetica Neue" panose="02000503000000020004" pitchFamily="2" charset="0"/>
-                <a:cs typeface="Helvetica Neue" panose="02000503000000020004" pitchFamily="2" charset="0"/>
-              </a:rPr>
-              <a:t>Quick Evaluation of root-successors</a:t>
+              <a:rPr lang="en-US" sz="2000" dirty="0">
+                <a:latin typeface="Helvetica Neue" panose="02000503000000020004" pitchFamily="2" charset="0"/>
+                <a:ea typeface="Helvetica Neue" panose="02000503000000020004" pitchFamily="2" charset="0"/>
+                <a:cs typeface="Helvetica Neue" panose="02000503000000020004" pitchFamily="2" charset="0"/>
+              </a:rPr>
+              <a:t>Information gained can guide algorithm</a:t>
             </a:r>
           </a:p>
           <a:p>
@@ -10486,6 +10879,286 @@
           </a:p>
         </p:txBody>
       </p:sp>
+      <p:pic>
+        <p:nvPicPr>
+          <p:cNvPr id="4" name="Grafik 3" descr="Ein Bild, das Uhr enthält.&#10;&#10;Automatisch generierte Beschreibung">
+            <a:extLst>
+              <a:ext uri="{FF2B5EF4-FFF2-40B4-BE49-F238E27FC236}">
+                <a16:creationId xmlns:a16="http://schemas.microsoft.com/office/drawing/2014/main" id="{CE1118F2-B44A-CA49-A2B5-7F6C69337C55}"/>
+              </a:ext>
+            </a:extLst>
+          </p:cNvPr>
+          <p:cNvPicPr>
+            <a:picLocks noChangeAspect="1"/>
+          </p:cNvPicPr>
+          <p:nvPr/>
+        </p:nvPicPr>
+        <p:blipFill>
+          <a:blip r:embed="rId3"/>
+          <a:stretch>
+            <a:fillRect/>
+          </a:stretch>
+        </p:blipFill>
+        <p:spPr>
+          <a:xfrm>
+            <a:off x="863599" y="2253022"/>
+            <a:ext cx="7416800" cy="3835400"/>
+          </a:xfrm>
+          <a:prstGeom prst="rect">
+            <a:avLst/>
+          </a:prstGeom>
+        </p:spPr>
+      </p:pic>
+      <p:sp>
+        <p:nvSpPr>
+          <p:cNvPr id="5" name="Pfeil nach rechts 4">
+            <a:extLst>
+              <a:ext uri="{FF2B5EF4-FFF2-40B4-BE49-F238E27FC236}">
+                <a16:creationId xmlns:a16="http://schemas.microsoft.com/office/drawing/2014/main" id="{F67497C5-A439-664D-B306-A91630F2D281}"/>
+              </a:ext>
+            </a:extLst>
+          </p:cNvPr>
+          <p:cNvSpPr/>
+          <p:nvPr/>
+        </p:nvSpPr>
+        <p:spPr>
+          <a:xfrm>
+            <a:off x="3942608" y="2743200"/>
+            <a:ext cx="997527" cy="439387"/>
+          </a:xfrm>
+          <a:prstGeom prst="rightArrow">
+            <a:avLst/>
+          </a:prstGeom>
+        </p:spPr>
+        <p:style>
+          <a:lnRef idx="2">
+            <a:schemeClr val="accent1">
+              <a:shade val="50000"/>
+            </a:schemeClr>
+          </a:lnRef>
+          <a:fillRef idx="1">
+            <a:schemeClr val="accent1"/>
+          </a:fillRef>
+          <a:effectRef idx="0">
+            <a:schemeClr val="accent1"/>
+          </a:effectRef>
+          <a:fontRef idx="minor">
+            <a:schemeClr val="lt1"/>
+          </a:fontRef>
+        </p:style>
+        <p:txBody>
+          <a:bodyPr rtlCol="0" anchor="ctr"/>
+          <a:lstStyle/>
+          <a:p>
+            <a:pPr algn="ctr"/>
+            <a:endParaRPr lang="de-DE"/>
+          </a:p>
+        </p:txBody>
+      </p:sp>
+      <mc:AlternateContent xmlns:mc="http://schemas.openxmlformats.org/markup-compatibility/2006" xmlns:a14="http://schemas.microsoft.com/office/drawing/2010/main">
+        <mc:Choice Requires="a14">
+          <p:sp>
+            <p:nvSpPr>
+              <p:cNvPr id="9" name="Textfeld 8">
+                <a:extLst>
+                  <a:ext uri="{FF2B5EF4-FFF2-40B4-BE49-F238E27FC236}">
+                    <a16:creationId xmlns:a16="http://schemas.microsoft.com/office/drawing/2014/main" id="{A49D2821-B13E-474B-97A6-D0DE646F4AAC}"/>
+                  </a:ext>
+                </a:extLst>
+              </p:cNvPr>
+              <p:cNvSpPr txBox="1"/>
+              <p:nvPr/>
+            </p:nvSpPr>
+            <p:spPr>
+              <a:xfrm>
+                <a:off x="3537485" y="2466201"/>
+                <a:ext cx="2069028" cy="276999"/>
+              </a:xfrm>
+              <a:prstGeom prst="rect">
+                <a:avLst/>
+              </a:prstGeom>
+              <a:noFill/>
+            </p:spPr>
+            <p:txBody>
+              <a:bodyPr wrap="none" lIns="0" tIns="0" rIns="0" bIns="0" rtlCol="0">
+                <a:spAutoFit/>
+              </a:bodyPr>
+              <a:lstStyle/>
+              <a:p>
+                <a14:m>
+                  <m:oMath xmlns:m="http://schemas.openxmlformats.org/officeDocument/2006/math">
+                    <m:r>
+                      <m:rPr>
+                        <m:sty m:val="p"/>
+                      </m:rPr>
+                      <a:rPr lang="de-DE" b="0" i="0" smtClean="0">
+                        <a:latin typeface="Cambria Math" panose="02040503050406030204" pitchFamily="18" charset="0"/>
+                      </a:rPr>
+                      <m:t>for</m:t>
+                    </m:r>
+                    <m:r>
+                      <a:rPr lang="de-DE" b="0" i="1" smtClean="0">
+                        <a:latin typeface="Cambria Math" panose="02040503050406030204" pitchFamily="18" charset="0"/>
+                      </a:rPr>
+                      <m:t> </m:t>
+                    </m:r>
+                    <m:sSub>
+                      <m:sSubPr>
+                        <m:ctrlPr>
+                          <a:rPr lang="de-DE" b="0" i="1" smtClean="0">
+                            <a:latin typeface="Cambria Math" panose="02040503050406030204" pitchFamily="18" charset="0"/>
+                          </a:rPr>
+                        </m:ctrlPr>
+                      </m:sSubPr>
+                      <m:e>
+                        <m:r>
+                          <a:rPr lang="de-DE" b="0" i="1" smtClean="0">
+                            <a:latin typeface="Cambria Math" panose="02040503050406030204" pitchFamily="18" charset="0"/>
+                          </a:rPr>
+                          <m:t>𝑎</m:t>
+                        </m:r>
+                      </m:e>
+                      <m:sub>
+                        <m:r>
+                          <a:rPr lang="de-DE" b="0" i="1" smtClean="0">
+                            <a:latin typeface="Cambria Math" panose="02040503050406030204" pitchFamily="18" charset="0"/>
+                          </a:rPr>
+                          <m:t>𝑖</m:t>
+                        </m:r>
+                      </m:sub>
+                    </m:sSub>
+                    <m:r>
+                      <a:rPr lang="de-DE" b="0" i="1" smtClean="0">
+                        <a:latin typeface="Cambria Math" panose="02040503050406030204" pitchFamily="18" charset="0"/>
+                      </a:rPr>
+                      <m:t>∈</m:t>
+                    </m:r>
+                    <m:sSub>
+                      <m:sSubPr>
+                        <m:ctrlPr>
+                          <a:rPr lang="de-DE" b="0" i="1" smtClean="0">
+                            <a:latin typeface="Cambria Math" panose="02040503050406030204" pitchFamily="18" charset="0"/>
+                          </a:rPr>
+                        </m:ctrlPr>
+                      </m:sSubPr>
+                      <m:e>
+                        <m:r>
+                          <a:rPr lang="de-DE" b="0" i="1" smtClean="0">
+                            <a:latin typeface="Cambria Math" panose="02040503050406030204" pitchFamily="18" charset="0"/>
+                          </a:rPr>
+                          <m:t>𝐴</m:t>
+                        </m:r>
+                      </m:e>
+                      <m:sub>
+                        <m:r>
+                          <a:rPr lang="de-DE" b="0" i="1" smtClean="0">
+                            <a:latin typeface="Cambria Math" panose="02040503050406030204" pitchFamily="18" charset="0"/>
+                          </a:rPr>
+                          <m:t>0</m:t>
+                        </m:r>
+                      </m:sub>
+                    </m:sSub>
+                    <m:r>
+                      <a:rPr lang="de-DE" b="0" i="1" smtClean="0">
+                        <a:latin typeface="Cambria Math" panose="02040503050406030204" pitchFamily="18" charset="0"/>
+                      </a:rPr>
+                      <m:t>: </m:t>
+                    </m:r>
+                    <m:r>
+                      <a:rPr lang="de-DE" b="0" i="1" smtClean="0">
+                        <a:latin typeface="Cambria Math" panose="02040503050406030204" pitchFamily="18" charset="0"/>
+                      </a:rPr>
+                      <m:t>𝑚</m:t>
+                    </m:r>
+                    <m:r>
+                      <a:rPr lang="de-DE" b="0" i="1" smtClean="0">
+                        <a:latin typeface="Cambria Math" panose="02040503050406030204" pitchFamily="18" charset="0"/>
+                      </a:rPr>
+                      <m:t> × </m:t>
+                    </m:r>
+                    <m:sSub>
+                      <m:sSubPr>
+                        <m:ctrlPr>
+                          <a:rPr lang="de-DE" b="0" i="1" smtClean="0">
+                            <a:latin typeface="Cambria Math" panose="02040503050406030204" pitchFamily="18" charset="0"/>
+                            <a:ea typeface="Cambria Math" panose="02040503050406030204" pitchFamily="18" charset="0"/>
+                          </a:rPr>
+                        </m:ctrlPr>
+                      </m:sSubPr>
+                      <m:e>
+                        <m:r>
+                          <a:rPr lang="de-DE" b="0" i="1" smtClean="0">
+                            <a:latin typeface="Cambria Math" panose="02040503050406030204" pitchFamily="18" charset="0"/>
+                            <a:ea typeface="Cambria Math" panose="02040503050406030204" pitchFamily="18" charset="0"/>
+                          </a:rPr>
+                          <m:t>𝑎</m:t>
+                        </m:r>
+                      </m:e>
+                      <m:sub>
+                        <m:r>
+                          <a:rPr lang="de-DE" b="0" i="1" smtClean="0">
+                            <a:latin typeface="Cambria Math" panose="02040503050406030204" pitchFamily="18" charset="0"/>
+                            <a:ea typeface="Cambria Math" panose="02040503050406030204" pitchFamily="18" charset="0"/>
+                          </a:rPr>
+                          <m:t>𝑖</m:t>
+                        </m:r>
+                      </m:sub>
+                    </m:sSub>
+                  </m:oMath>
+                </a14:m>
+                <a:r>
+                  <a:rPr lang="de-DE" dirty="0"/>
+                  <a:t>  </a:t>
+                </a:r>
+              </a:p>
+            </p:txBody>
+          </p:sp>
+        </mc:Choice>
+        <mc:Fallback xmlns="">
+          <p:sp>
+            <p:nvSpPr>
+              <p:cNvPr id="9" name="Textfeld 8">
+                <a:extLst>
+                  <a:ext uri="{FF2B5EF4-FFF2-40B4-BE49-F238E27FC236}">
+                    <a16:creationId xmlns:a16="http://schemas.microsoft.com/office/drawing/2014/main" id="{A49D2821-B13E-474B-97A6-D0DE646F4AAC}"/>
+                  </a:ext>
+                </a:extLst>
+              </p:cNvPr>
+              <p:cNvSpPr txBox="1">
+                <a:spLocks noRot="1" noChangeAspect="1" noMove="1" noResize="1" noEditPoints="1" noAdjustHandles="1" noChangeArrowheads="1" noChangeShapeType="1" noTextEdit="1"/>
+              </p:cNvSpPr>
+              <p:nvPr/>
+            </p:nvSpPr>
+            <p:spPr>
+              <a:xfrm>
+                <a:off x="3537485" y="2466201"/>
+                <a:ext cx="2069028" cy="276999"/>
+              </a:xfrm>
+              <a:prstGeom prst="rect">
+                <a:avLst/>
+              </a:prstGeom>
+              <a:blipFill>
+                <a:blip r:embed="rId4"/>
+                <a:stretch>
+                  <a:fillRect l="-4294" t="-4348" b="-34783"/>
+                </a:stretch>
+              </a:blipFill>
+            </p:spPr>
+            <p:txBody>
+              <a:bodyPr/>
+              <a:lstStyle/>
+              <a:p>
+                <a:r>
+                  <a:rPr lang="de-DE">
+                    <a:noFill/>
+                  </a:rPr>
+                  <a:t> </a:t>
+                </a:r>
+              </a:p>
+            </p:txBody>
+          </p:sp>
+        </mc:Fallback>
+      </mc:AlternateContent>
     </p:spTree>
     <p:extLst>
       <p:ext uri="{BB962C8B-B14F-4D97-AF65-F5344CB8AC3E}">
